--- a/Presentacion_OpenCV.pptx
+++ b/Presentacion_OpenCV.pptx
@@ -5,7 +5,7 @@
     <p:sldMasterId id="2147483648" r:id="rId1"/>
   </p:sldMasterIdLst>
   <p:notesMasterIdLst>
-    <p:notesMasterId r:id="rId11"/>
+    <p:notesMasterId r:id="rId10"/>
   </p:notesMasterIdLst>
   <p:sldIdLst>
     <p:sldId id="256" r:id="rId2"/>
@@ -14,9 +14,8 @@
     <p:sldId id="277" r:id="rId5"/>
     <p:sldId id="276" r:id="rId6"/>
     <p:sldId id="279" r:id="rId7"/>
-    <p:sldId id="282" r:id="rId8"/>
-    <p:sldId id="281" r:id="rId9"/>
-    <p:sldId id="280" r:id="rId10"/>
+    <p:sldId id="281" r:id="rId8"/>
+    <p:sldId id="280" r:id="rId9"/>
   </p:sldIdLst>
   <p:sldSz cx="12192000" cy="6858000"/>
   <p:notesSz cx="6858000" cy="9144000"/>
@@ -254,7 +253,7 @@
       <p15:sldGuideLst xmlns:p15="http://schemas.microsoft.com/office/powerpoint/2012/main"/>
     </p:ext>
     <p:ext uri="http://customooxmlschemas.google.com/">
-      <go:slidesCustomData xmlns:go="http://customooxmlschemas.google.com/" xmlns:ahyp="http://schemas.microsoft.com/office/drawing/2018/hyperlinkcolor" xmlns:p15="http://schemas.microsoft.com/office/powerpoint/2012/main" xmlns:p14="http://schemas.microsoft.com/office/powerpoint/2010/main" xmlns:com="http://schemas.openxmlformats.org/drawingml/2006/compatibility" xmlns:pvml="urn:schemas-microsoft-com:office:powerpoint" xmlns:v="urn:schemas-microsoft-com:vml" xmlns:o="urn:schemas-microsoft-com:office:office" xmlns:dgm="http://schemas.openxmlformats.org/drawingml/2006/diagram" xmlns:c="http://schemas.openxmlformats.org/drawingml/2006/chart" xmlns:mv="urn:schemas-microsoft-com:mac:vml" xmlns:mc="http://schemas.openxmlformats.org/markup-compatibility/2006" xmlns="" r:id="rId26" roundtripDataSignature="AMtx7mi02RDWfi8lTjsz24NoUUQUySzOHA=="/>
+      <go:slidesCustomData xmlns="" xmlns:mc="http://schemas.openxmlformats.org/markup-compatibility/2006" xmlns:mv="urn:schemas-microsoft-com:mac:vml" xmlns:c="http://schemas.openxmlformats.org/drawingml/2006/chart" xmlns:dgm="http://schemas.openxmlformats.org/drawingml/2006/diagram" xmlns:o="urn:schemas-microsoft-com:office:office" xmlns:v="urn:schemas-microsoft-com:vml" xmlns:pvml="urn:schemas-microsoft-com:office:powerpoint" xmlns:com="http://schemas.openxmlformats.org/drawingml/2006/compatibility" xmlns:p14="http://schemas.microsoft.com/office/powerpoint/2010/main" xmlns:p15="http://schemas.microsoft.com/office/powerpoint/2012/main" xmlns:ahyp="http://schemas.microsoft.com/office/drawing/2018/hyperlinkcolor" xmlns:go="http://customooxmlschemas.google.com/" r:id="rId26" roundtripDataSignature="AMtx7mi02RDWfi8lTjsz24NoUUQUySzOHA=="/>
     </p:ext>
   </p:extLst>
 </p:presentation>
@@ -1708,7 +1707,7 @@
     </p:spTree>
     <p:extLst>
       <p:ext uri="{BB962C8B-B14F-4D97-AF65-F5344CB8AC3E}">
-        <p14:creationId xmlns:p14="http://schemas.microsoft.com/office/powerpoint/2010/main" val="654559368"/>
+        <p14:creationId xmlns:p14="http://schemas.microsoft.com/office/powerpoint/2010/main" val="601349595"/>
       </p:ext>
     </p:extLst>
   </p:cSld>
@@ -1719,133 +1718,6 @@
 </file>
 
 <file path=ppt/notesSlides/notesSlide8.xml><?xml version="1.0" encoding="utf-8"?>
-<p:notes xmlns:a="http://schemas.openxmlformats.org/drawingml/2006/main" xmlns:r="http://schemas.openxmlformats.org/officeDocument/2006/relationships" xmlns:p="http://schemas.openxmlformats.org/presentationml/2006/main" showMasterSp="0" showMasterPhAnim="0">
-  <p:cSld>
-    <p:spTree>
-      <p:nvGrpSpPr>
-        <p:cNvPr id="1" name="Shape 87"/>
-        <p:cNvGrpSpPr/>
-        <p:nvPr/>
-      </p:nvGrpSpPr>
-      <p:grpSpPr>
-        <a:xfrm>
-          <a:off x="0" y="0"/>
-          <a:ext cx="0" cy="0"/>
-          <a:chOff x="0" y="0"/>
-          <a:chExt cx="0" cy="0"/>
-        </a:xfrm>
-      </p:grpSpPr>
-      <p:sp>
-        <p:nvSpPr>
-          <p:cNvPr id="88" name="Google Shape;88;p2:notes"/>
-          <p:cNvSpPr txBox="1">
-            <a:spLocks noGrp="1"/>
-          </p:cNvSpPr>
-          <p:nvPr>
-            <p:ph type="body" idx="1"/>
-          </p:nvPr>
-        </p:nvSpPr>
-        <p:spPr>
-          <a:xfrm>
-            <a:off x="685800" y="4343400"/>
-            <a:ext cx="5486400" cy="4114800"/>
-          </a:xfrm>
-          <a:prstGeom prst="rect">
-            <a:avLst/>
-          </a:prstGeom>
-          <a:noFill/>
-          <a:ln>
-            <a:noFill/>
-          </a:ln>
-        </p:spPr>
-        <p:txBody>
-          <a:bodyPr spcFirstLastPara="1" wrap="square" lIns="91425" tIns="91425" rIns="91425" bIns="91425" anchor="t" anchorCtr="0">
-            <a:noAutofit/>
-          </a:bodyPr>
-          <a:lstStyle/>
-          <a:p>
-            <a:pPr marL="0" lvl="0" indent="0" algn="l" rtl="0">
-              <a:lnSpc>
-                <a:spcPct val="100000"/>
-              </a:lnSpc>
-              <a:spcBef>
-                <a:spcPts val="0"/>
-              </a:spcBef>
-              <a:spcAft>
-                <a:spcPts val="0"/>
-              </a:spcAft>
-              <a:buSzPts val="1100"/>
-              <a:buNone/>
-            </a:pPr>
-            <a:endParaRPr/>
-          </a:p>
-        </p:txBody>
-      </p:sp>
-      <p:sp>
-        <p:nvSpPr>
-          <p:cNvPr id="89" name="Google Shape;89;p2:notes"/>
-          <p:cNvSpPr>
-            <a:spLocks noGrp="1" noRot="1" noChangeAspect="1"/>
-          </p:cNvSpPr>
-          <p:nvPr>
-            <p:ph type="sldImg" idx="2"/>
-          </p:nvPr>
-        </p:nvSpPr>
-        <p:spPr>
-          <a:xfrm>
-            <a:off x="381000" y="685800"/>
-            <a:ext cx="6096000" cy="3429000"/>
-          </a:xfrm>
-          <a:custGeom>
-            <a:avLst/>
-            <a:gdLst/>
-            <a:ahLst/>
-            <a:cxnLst/>
-            <a:rect l="l" t="t" r="r" b="b"/>
-            <a:pathLst>
-              <a:path w="120000" h="120000" extrusionOk="0">
-                <a:moveTo>
-                  <a:pt x="0" y="0"/>
-                </a:moveTo>
-                <a:lnTo>
-                  <a:pt x="120000" y="0"/>
-                </a:lnTo>
-                <a:lnTo>
-                  <a:pt x="120000" y="120000"/>
-                </a:lnTo>
-                <a:lnTo>
-                  <a:pt x="0" y="120000"/>
-                </a:lnTo>
-                <a:close/>
-              </a:path>
-            </a:pathLst>
-          </a:custGeom>
-          <a:noFill/>
-          <a:ln w="9525" cap="flat" cmpd="sng">
-            <a:solidFill>
-              <a:srgbClr val="000000"/>
-            </a:solidFill>
-            <a:prstDash val="solid"/>
-            <a:round/>
-            <a:headEnd type="none" w="sm" len="sm"/>
-            <a:tailEnd type="none" w="sm" len="sm"/>
-          </a:ln>
-        </p:spPr>
-      </p:sp>
-    </p:spTree>
-    <p:extLst>
-      <p:ext uri="{BB962C8B-B14F-4D97-AF65-F5344CB8AC3E}">
-        <p14:creationId xmlns:p14="http://schemas.microsoft.com/office/powerpoint/2010/main" val="601349595"/>
-      </p:ext>
-    </p:extLst>
-  </p:cSld>
-  <p:clrMapOvr>
-    <a:masterClrMapping/>
-  </p:clrMapOvr>
-</p:notes>
-</file>
-
-<file path=ppt/notesSlides/notesSlide9.xml><?xml version="1.0" encoding="utf-8"?>
 <p:notes xmlns:a="http://schemas.openxmlformats.org/drawingml/2006/main" xmlns:r="http://schemas.openxmlformats.org/officeDocument/2006/relationships" xmlns:p="http://schemas.openxmlformats.org/presentationml/2006/main" showMasterSp="0" showMasterPhAnim="0">
   <p:cSld>
     <p:spTree>
@@ -15743,7 +15615,7 @@
               <a:buSzPts val="2400"/>
             </a:pPr>
             <a:r>
-              <a:rPr lang="es-ES" sz="3200" i="1" dirty="0">
+              <a:rPr lang="es-ES" sz="3200" b="1" i="1" dirty="0">
                 <a:solidFill>
                   <a:schemeClr val="bg1">
                     <a:lumMod val="95000"/>
@@ -15756,7 +15628,7 @@
               <a:t>Machine </a:t>
             </a:r>
             <a:r>
-              <a:rPr lang="es-ES" sz="3200" i="1" dirty="0" err="1">
+              <a:rPr lang="es-ES" sz="3200" b="1" i="1" dirty="0" err="1">
                 <a:solidFill>
                   <a:schemeClr val="bg1">
                     <a:lumMod val="95000"/>
@@ -15769,7 +15641,7 @@
               <a:t>Learning</a:t>
             </a:r>
             <a:r>
-              <a:rPr lang="es-ES" sz="3200" i="1" dirty="0">
+              <a:rPr lang="es-ES" sz="3200" b="1" i="1" dirty="0">
                 <a:solidFill>
                   <a:schemeClr val="bg1">
                     <a:lumMod val="95000"/>
@@ -16147,7 +16019,7 @@
         <p:spPr>
           <a:xfrm>
             <a:off x="2004332" y="2519110"/>
-            <a:ext cx="8401049" cy="2062063"/>
+            <a:ext cx="8401049" cy="2554505"/>
           </a:xfrm>
           <a:prstGeom prst="rect">
             <a:avLst/>
@@ -16179,7 +16051,7 @@
               <a:buSzPts val="2400"/>
             </a:pPr>
             <a:r>
-              <a:rPr lang="es-ES" sz="3200" i="1" dirty="0">
+              <a:rPr lang="es-ES" sz="3200" b="1" i="1" dirty="0">
                 <a:solidFill>
                   <a:schemeClr val="bg1">
                     <a:lumMod val="95000"/>
@@ -16189,7 +16061,20 @@
                 <a:cs typeface="Calibri"/>
                 <a:sym typeface="Calibri"/>
               </a:rPr>
-              <a:t>Limitaciones:</a:t>
+              <a:t>Limitaciones</a:t>
+            </a:r>
+            <a:r>
+              <a:rPr lang="es-ES" sz="3200" i="1" dirty="0">
+                <a:solidFill>
+                  <a:schemeClr val="bg1">
+                    <a:lumMod val="95000"/>
+                  </a:schemeClr>
+                </a:solidFill>
+                <a:latin typeface="Calibri"/>
+                <a:cs typeface="Calibri"/>
+                <a:sym typeface="Calibri"/>
+              </a:rPr>
+              <a:t>:</a:t>
             </a:r>
           </a:p>
           <a:p>
@@ -16222,6 +16107,38 @@
                 <a:sym typeface="Calibri"/>
               </a:rPr>
               <a:t>Calidad de la muestra</a:t>
+            </a:r>
+          </a:p>
+          <a:p>
+            <a:pPr marL="342900" marR="0" lvl="0" indent="-342900" algn="ctr" rtl="0">
+              <a:lnSpc>
+                <a:spcPct val="100000"/>
+              </a:lnSpc>
+              <a:spcBef>
+                <a:spcPts val="0"/>
+              </a:spcBef>
+              <a:spcAft>
+                <a:spcPts val="0"/>
+              </a:spcAft>
+              <a:buClr>
+                <a:schemeClr val="bg1"/>
+              </a:buClr>
+              <a:buSzPts val="2400"/>
+              <a:buFont typeface="Arial" panose="020B0604020202020204" pitchFamily="34" charset="0"/>
+              <a:buChar char="•"/>
+            </a:pPr>
+            <a:r>
+              <a:rPr lang="es-ES" sz="3200" i="1" dirty="0">
+                <a:solidFill>
+                  <a:schemeClr val="bg1">
+                    <a:lumMod val="95000"/>
+                  </a:schemeClr>
+                </a:solidFill>
+                <a:latin typeface="Calibri"/>
+                <a:cs typeface="Calibri"/>
+                <a:sym typeface="Calibri"/>
+              </a:rPr>
+              <a:t>Tamaño de la muestra</a:t>
             </a:r>
           </a:p>
           <a:p>
@@ -16530,7 +16447,7 @@
               <a:buSzPts val="2400"/>
             </a:pPr>
             <a:r>
-              <a:rPr lang="es-ES" sz="3200" i="1" dirty="0">
+              <a:rPr lang="es-ES" sz="3200" b="1" i="1" dirty="0">
                 <a:solidFill>
                   <a:schemeClr val="bg1">
                     <a:lumMod val="95000"/>
@@ -18137,289 +18054,6 @@
         </p:nvSpPr>
         <p:spPr>
           <a:xfrm>
-            <a:off x="716902" y="290092"/>
-            <a:ext cx="10515600" cy="1325563"/>
-          </a:xfrm>
-          <a:prstGeom prst="rect">
-            <a:avLst/>
-          </a:prstGeom>
-          <a:noFill/>
-          <a:ln>
-            <a:noFill/>
-          </a:ln>
-        </p:spPr>
-        <p:txBody>
-          <a:bodyPr spcFirstLastPara="1" wrap="square" lIns="91425" tIns="45700" rIns="91425" bIns="45700" anchor="ctr" anchorCtr="0">
-            <a:normAutofit/>
-          </a:bodyPr>
-          <a:lstStyle/>
-          <a:p>
-            <a:pPr marL="0" lvl="0" indent="0" algn="l" rtl="0">
-              <a:lnSpc>
-                <a:spcPct val="90000"/>
-              </a:lnSpc>
-              <a:spcBef>
-                <a:spcPts val="0"/>
-              </a:spcBef>
-              <a:spcAft>
-                <a:spcPts val="0"/>
-              </a:spcAft>
-              <a:buClr>
-                <a:schemeClr val="lt1"/>
-              </a:buClr>
-              <a:buSzPts val="4400"/>
-              <a:buFont typeface="Calibri"/>
-              <a:buNone/>
-            </a:pPr>
-            <a:r>
-              <a:rPr lang="es-ES" dirty="0" err="1"/>
-              <a:t>OpenCV</a:t>
-            </a:r>
-            <a:endParaRPr dirty="0"/>
-          </a:p>
-        </p:txBody>
-      </p:sp>
-      <p:sp>
-        <p:nvSpPr>
-          <p:cNvPr id="93" name="Google Shape;93;p2"/>
-          <p:cNvSpPr/>
-          <p:nvPr/>
-        </p:nvSpPr>
-        <p:spPr>
-          <a:xfrm>
-            <a:off x="497691" y="763312"/>
-            <a:ext cx="90138" cy="654341"/>
-          </a:xfrm>
-          <a:prstGeom prst="rect">
-            <a:avLst/>
-          </a:prstGeom>
-          <a:solidFill>
-            <a:srgbClr val="C00000"/>
-          </a:solidFill>
-          <a:ln>
-            <a:noFill/>
-          </a:ln>
-        </p:spPr>
-        <p:txBody>
-          <a:bodyPr spcFirstLastPara="1" wrap="square" lIns="91425" tIns="45700" rIns="91425" bIns="45700" anchor="ctr" anchorCtr="0">
-            <a:noAutofit/>
-          </a:bodyPr>
-          <a:lstStyle/>
-          <a:p>
-            <a:pPr marL="0" marR="0" lvl="0" indent="0" algn="ctr" rtl="0">
-              <a:lnSpc>
-                <a:spcPct val="100000"/>
-              </a:lnSpc>
-              <a:spcBef>
-                <a:spcPts val="0"/>
-              </a:spcBef>
-              <a:spcAft>
-                <a:spcPts val="0"/>
-              </a:spcAft>
-              <a:buClr>
-                <a:srgbClr val="000000"/>
-              </a:buClr>
-              <a:buSzPts val="1800"/>
-              <a:buFont typeface="Arial"/>
-              <a:buNone/>
-            </a:pPr>
-            <a:endParaRPr sz="1800" b="0" i="0" u="none" strike="noStrike" cap="none">
-              <a:solidFill>
-                <a:schemeClr val="lt1"/>
-              </a:solidFill>
-              <a:latin typeface="Calibri"/>
-              <a:ea typeface="Calibri"/>
-              <a:cs typeface="Calibri"/>
-              <a:sym typeface="Calibri"/>
-            </a:endParaRPr>
-          </a:p>
-        </p:txBody>
-      </p:sp>
-      <p:pic>
-        <p:nvPicPr>
-          <p:cNvPr id="6" name="Picture 4" descr="Adding OpenCV 4.1.2 to Visual Studio 2019 Project in Windows using  Pre-built binaries | by Ye Joo Park | Medium">
-            <a:extLst>
-              <a:ext uri="{FF2B5EF4-FFF2-40B4-BE49-F238E27FC236}">
-                <a16:creationId xmlns:a16="http://schemas.microsoft.com/office/drawing/2014/main" id="{21C87F93-37F3-4740-B471-E34D243F6EAB}"/>
-              </a:ext>
-            </a:extLst>
-          </p:cNvPr>
-          <p:cNvPicPr>
-            <a:picLocks noChangeAspect="1" noChangeArrowheads="1"/>
-          </p:cNvPicPr>
-          <p:nvPr/>
-        </p:nvPicPr>
-        <p:blipFill rotWithShape="1">
-          <a:blip r:embed="rId3">
-            <a:clrChange>
-              <a:clrFrom>
-                <a:srgbClr val="000000"/>
-              </a:clrFrom>
-              <a:clrTo>
-                <a:srgbClr val="000000">
-                  <a:alpha val="0"/>
-                </a:srgbClr>
-              </a:clrTo>
-            </a:clrChange>
-            <a:extLst>
-              <a:ext uri="{28A0092B-C50C-407E-A947-70E740481C1C}">
-                <a14:useLocalDpi xmlns:a14="http://schemas.microsoft.com/office/drawing/2010/main" val="0"/>
-              </a:ext>
-            </a:extLst>
-          </a:blip>
-          <a:srcRect l="70200" t="25715" r="12100" b="22143"/>
-          <a:stretch/>
-        </p:blipFill>
-        <p:spPr bwMode="auto">
-          <a:xfrm>
-            <a:off x="10680456" y="309142"/>
-            <a:ext cx="1104091" cy="1366079"/>
-          </a:xfrm>
-          <a:prstGeom prst="rect">
-            <a:avLst/>
-          </a:prstGeom>
-          <a:noFill/>
-          <a:extLst>
-            <a:ext uri="{909E8E84-426E-40DD-AFC4-6F175D3DCCD1}">
-              <a14:hiddenFill xmlns:a14="http://schemas.microsoft.com/office/drawing/2010/main">
-                <a:solidFill>
-                  <a:srgbClr val="FFFFFF"/>
-                </a:solidFill>
-              </a14:hiddenFill>
-            </a:ext>
-          </a:extLst>
-        </p:spPr>
-      </p:pic>
-      <p:sp>
-        <p:nvSpPr>
-          <p:cNvPr id="63" name="Google Shape;128;p34">
-            <a:extLst>
-              <a:ext uri="{FF2B5EF4-FFF2-40B4-BE49-F238E27FC236}">
-                <a16:creationId xmlns:a16="http://schemas.microsoft.com/office/drawing/2014/main" id="{5609CFF8-8B58-4AEB-AF04-D3EB36FC139C}"/>
-              </a:ext>
-            </a:extLst>
-          </p:cNvPr>
-          <p:cNvSpPr/>
-          <p:nvPr/>
-        </p:nvSpPr>
-        <p:spPr>
-          <a:xfrm>
-            <a:off x="716902" y="2417510"/>
-            <a:ext cx="10743578" cy="1077178"/>
-          </a:xfrm>
-          <a:prstGeom prst="rect">
-            <a:avLst/>
-          </a:prstGeom>
-          <a:noFill/>
-          <a:ln>
-            <a:noFill/>
-          </a:ln>
-        </p:spPr>
-        <p:txBody>
-          <a:bodyPr spcFirstLastPara="1" wrap="square" lIns="91425" tIns="45700" rIns="91425" bIns="45700" anchor="t" anchorCtr="0">
-            <a:spAutoFit/>
-          </a:bodyPr>
-          <a:lstStyle/>
-          <a:p>
-            <a:pPr marR="0" lvl="0" algn="ctr" rtl="0">
-              <a:lnSpc>
-                <a:spcPct val="100000"/>
-              </a:lnSpc>
-              <a:spcBef>
-                <a:spcPts val="0"/>
-              </a:spcBef>
-              <a:spcAft>
-                <a:spcPts val="0"/>
-              </a:spcAft>
-              <a:buClr>
-                <a:schemeClr val="bg1"/>
-              </a:buClr>
-              <a:buSzPts val="2400"/>
-            </a:pPr>
-            <a:r>
-              <a:rPr lang="es-ES" sz="3200" i="1" dirty="0">
-                <a:solidFill>
-                  <a:schemeClr val="bg1">
-                    <a:lumMod val="95000"/>
-                  </a:schemeClr>
-                </a:solidFill>
-                <a:latin typeface="Calibri"/>
-                <a:cs typeface="Calibri"/>
-                <a:sym typeface="Calibri"/>
-              </a:rPr>
-              <a:t>También dispone de modelos </a:t>
-            </a:r>
-            <a:r>
-              <a:rPr lang="es-ES" sz="3200" i="1" dirty="0" err="1">
-                <a:solidFill>
-                  <a:schemeClr val="bg1">
-                    <a:lumMod val="95000"/>
-                  </a:schemeClr>
-                </a:solidFill>
-                <a:latin typeface="Calibri"/>
-                <a:cs typeface="Calibri"/>
-                <a:sym typeface="Calibri"/>
-              </a:rPr>
-              <a:t>preentrenados</a:t>
-            </a:r>
-            <a:r>
-              <a:rPr lang="es-ES" sz="3200" i="1" dirty="0">
-                <a:solidFill>
-                  <a:schemeClr val="bg1">
-                    <a:lumMod val="95000"/>
-                  </a:schemeClr>
-                </a:solidFill>
-                <a:latin typeface="Calibri"/>
-                <a:cs typeface="Calibri"/>
-                <a:sym typeface="Calibri"/>
-              </a:rPr>
-              <a:t> que permite identificar diversos tipos de objetos</a:t>
-            </a:r>
-          </a:p>
-        </p:txBody>
-      </p:sp>
-    </p:spTree>
-    <p:extLst>
-      <p:ext uri="{BB962C8B-B14F-4D97-AF65-F5344CB8AC3E}">
-        <p14:creationId xmlns:p14="http://schemas.microsoft.com/office/powerpoint/2010/main" val="2459963775"/>
-      </p:ext>
-    </p:extLst>
-  </p:cSld>
-  <p:clrMapOvr>
-    <a:masterClrMapping/>
-  </p:clrMapOvr>
-</p:sld>
-</file>
-
-<file path=ppt/slides/slide8.xml><?xml version="1.0" encoding="utf-8"?>
-<p:sld xmlns:a="http://schemas.openxmlformats.org/drawingml/2006/main" xmlns:r="http://schemas.openxmlformats.org/officeDocument/2006/relationships" xmlns:p="http://schemas.openxmlformats.org/presentationml/2006/main">
-  <p:cSld>
-    <p:spTree>
-      <p:nvGrpSpPr>
-        <p:cNvPr id="1" name="Shape 90"/>
-        <p:cNvGrpSpPr/>
-        <p:nvPr/>
-      </p:nvGrpSpPr>
-      <p:grpSpPr>
-        <a:xfrm>
-          <a:off x="0" y="0"/>
-          <a:ext cx="0" cy="0"/>
-          <a:chOff x="0" y="0"/>
-          <a:chExt cx="0" cy="0"/>
-        </a:xfrm>
-      </p:grpSpPr>
-      <p:sp>
-        <p:nvSpPr>
-          <p:cNvPr id="91" name="Google Shape;91;p2"/>
-          <p:cNvSpPr txBox="1">
-            <a:spLocks noGrp="1"/>
-          </p:cNvSpPr>
-          <p:nvPr>
-            <p:ph type="title"/>
-          </p:nvPr>
-        </p:nvSpPr>
-        <p:spPr>
-          <a:xfrm>
             <a:off x="716902" y="271042"/>
             <a:ext cx="10515600" cy="1325563"/>
           </a:xfrm>
@@ -18751,7 +18385,7 @@
 </p:sld>
 </file>
 
-<file path=ppt/slides/slide9.xml><?xml version="1.0" encoding="utf-8"?>
+<file path=ppt/slides/slide8.xml><?xml version="1.0" encoding="utf-8"?>
 <p:sld xmlns:a="http://schemas.openxmlformats.org/drawingml/2006/main" xmlns:r="http://schemas.openxmlformats.org/officeDocument/2006/relationships" xmlns:p="http://schemas.openxmlformats.org/presentationml/2006/main">
   <p:cSld>
     <p:spTree>

--- a/Presentacion_OpenCV.pptx
+++ b/Presentacion_OpenCV.pptx
@@ -5,17 +5,19 @@
     <p:sldMasterId id="2147483648" r:id="rId1"/>
   </p:sldMasterIdLst>
   <p:notesMasterIdLst>
-    <p:notesMasterId r:id="rId10"/>
+    <p:notesMasterId r:id="rId12"/>
   </p:notesMasterIdLst>
   <p:sldIdLst>
     <p:sldId id="256" r:id="rId2"/>
     <p:sldId id="257" r:id="rId3"/>
     <p:sldId id="278" r:id="rId4"/>
     <p:sldId id="277" r:id="rId5"/>
-    <p:sldId id="276" r:id="rId6"/>
-    <p:sldId id="279" r:id="rId7"/>
-    <p:sldId id="281" r:id="rId8"/>
-    <p:sldId id="280" r:id="rId9"/>
+    <p:sldId id="282" r:id="rId6"/>
+    <p:sldId id="276" r:id="rId7"/>
+    <p:sldId id="279" r:id="rId8"/>
+    <p:sldId id="283" r:id="rId9"/>
+    <p:sldId id="281" r:id="rId10"/>
+    <p:sldId id="280" r:id="rId11"/>
   </p:sldIdLst>
   <p:sldSz cx="12192000" cy="6858000"/>
   <p:notesSz cx="6858000" cy="9144000"/>
@@ -253,7 +255,7 @@
       <p15:sldGuideLst xmlns:p15="http://schemas.microsoft.com/office/powerpoint/2012/main"/>
     </p:ext>
     <p:ext uri="http://customooxmlschemas.google.com/">
-      <go:slidesCustomData xmlns="" xmlns:mc="http://schemas.openxmlformats.org/markup-compatibility/2006" xmlns:mv="urn:schemas-microsoft-com:mac:vml" xmlns:c="http://schemas.openxmlformats.org/drawingml/2006/chart" xmlns:dgm="http://schemas.openxmlformats.org/drawingml/2006/diagram" xmlns:o="urn:schemas-microsoft-com:office:office" xmlns:v="urn:schemas-microsoft-com:vml" xmlns:pvml="urn:schemas-microsoft-com:office:powerpoint" xmlns:com="http://schemas.openxmlformats.org/drawingml/2006/compatibility" xmlns:p14="http://schemas.microsoft.com/office/powerpoint/2010/main" xmlns:p15="http://schemas.microsoft.com/office/powerpoint/2012/main" xmlns:ahyp="http://schemas.microsoft.com/office/drawing/2018/hyperlinkcolor" xmlns:go="http://customooxmlschemas.google.com/" r:id="rId26" roundtripDataSignature="AMtx7mi02RDWfi8lTjsz24NoUUQUySzOHA=="/>
+      <go:slidesCustomData xmlns:go="http://customooxmlschemas.google.com/" xmlns:ahyp="http://schemas.microsoft.com/office/drawing/2018/hyperlinkcolor" xmlns:p15="http://schemas.microsoft.com/office/powerpoint/2012/main" xmlns:p14="http://schemas.microsoft.com/office/powerpoint/2010/main" xmlns:com="http://schemas.openxmlformats.org/drawingml/2006/compatibility" xmlns:pvml="urn:schemas-microsoft-com:office:powerpoint" xmlns:v="urn:schemas-microsoft-com:vml" xmlns:o="urn:schemas-microsoft-com:office:office" xmlns:dgm="http://schemas.openxmlformats.org/drawingml/2006/diagram" xmlns:c="http://schemas.openxmlformats.org/drawingml/2006/chart" xmlns:mv="urn:schemas-microsoft-com:mac:vml" xmlns:mc="http://schemas.openxmlformats.org/markup-compatibility/2006" xmlns="" r:id="rId26" roundtripDataSignature="AMtx7mi02RDWfi8lTjsz24NoUUQUySzOHA=="/>
     </p:ext>
   </p:extLst>
 </p:presentation>
@@ -960,6 +962,133 @@
 </p:notes>
 </file>
 
+<file path=ppt/notesSlides/notesSlide10.xml><?xml version="1.0" encoding="utf-8"?>
+<p:notes xmlns:a="http://schemas.openxmlformats.org/drawingml/2006/main" xmlns:r="http://schemas.openxmlformats.org/officeDocument/2006/relationships" xmlns:p="http://schemas.openxmlformats.org/presentationml/2006/main" showMasterSp="0" showMasterPhAnim="0">
+  <p:cSld>
+    <p:spTree>
+      <p:nvGrpSpPr>
+        <p:cNvPr id="1" name="Shape 87"/>
+        <p:cNvGrpSpPr/>
+        <p:nvPr/>
+      </p:nvGrpSpPr>
+      <p:grpSpPr>
+        <a:xfrm>
+          <a:off x="0" y="0"/>
+          <a:ext cx="0" cy="0"/>
+          <a:chOff x="0" y="0"/>
+          <a:chExt cx="0" cy="0"/>
+        </a:xfrm>
+      </p:grpSpPr>
+      <p:sp>
+        <p:nvSpPr>
+          <p:cNvPr id="88" name="Google Shape;88;p2:notes"/>
+          <p:cNvSpPr txBox="1">
+            <a:spLocks noGrp="1"/>
+          </p:cNvSpPr>
+          <p:nvPr>
+            <p:ph type="body" idx="1"/>
+          </p:nvPr>
+        </p:nvSpPr>
+        <p:spPr>
+          <a:xfrm>
+            <a:off x="685800" y="4343400"/>
+            <a:ext cx="5486400" cy="4114800"/>
+          </a:xfrm>
+          <a:prstGeom prst="rect">
+            <a:avLst/>
+          </a:prstGeom>
+          <a:noFill/>
+          <a:ln>
+            <a:noFill/>
+          </a:ln>
+        </p:spPr>
+        <p:txBody>
+          <a:bodyPr spcFirstLastPara="1" wrap="square" lIns="91425" tIns="91425" rIns="91425" bIns="91425" anchor="t" anchorCtr="0">
+            <a:noAutofit/>
+          </a:bodyPr>
+          <a:lstStyle/>
+          <a:p>
+            <a:pPr marL="0" lvl="0" indent="0" algn="l" rtl="0">
+              <a:lnSpc>
+                <a:spcPct val="100000"/>
+              </a:lnSpc>
+              <a:spcBef>
+                <a:spcPts val="0"/>
+              </a:spcBef>
+              <a:spcAft>
+                <a:spcPts val="0"/>
+              </a:spcAft>
+              <a:buSzPts val="1100"/>
+              <a:buNone/>
+            </a:pPr>
+            <a:endParaRPr/>
+          </a:p>
+        </p:txBody>
+      </p:sp>
+      <p:sp>
+        <p:nvSpPr>
+          <p:cNvPr id="89" name="Google Shape;89;p2:notes"/>
+          <p:cNvSpPr>
+            <a:spLocks noGrp="1" noRot="1" noChangeAspect="1"/>
+          </p:cNvSpPr>
+          <p:nvPr>
+            <p:ph type="sldImg" idx="2"/>
+          </p:nvPr>
+        </p:nvSpPr>
+        <p:spPr>
+          <a:xfrm>
+            <a:off x="381000" y="685800"/>
+            <a:ext cx="6096000" cy="3429000"/>
+          </a:xfrm>
+          <a:custGeom>
+            <a:avLst/>
+            <a:gdLst/>
+            <a:ahLst/>
+            <a:cxnLst/>
+            <a:rect l="l" t="t" r="r" b="b"/>
+            <a:pathLst>
+              <a:path w="120000" h="120000" extrusionOk="0">
+                <a:moveTo>
+                  <a:pt x="0" y="0"/>
+                </a:moveTo>
+                <a:lnTo>
+                  <a:pt x="120000" y="0"/>
+                </a:lnTo>
+                <a:lnTo>
+                  <a:pt x="120000" y="120000"/>
+                </a:lnTo>
+                <a:lnTo>
+                  <a:pt x="0" y="120000"/>
+                </a:lnTo>
+                <a:close/>
+              </a:path>
+            </a:pathLst>
+          </a:custGeom>
+          <a:noFill/>
+          <a:ln w="9525" cap="flat" cmpd="sng">
+            <a:solidFill>
+              <a:srgbClr val="000000"/>
+            </a:solidFill>
+            <a:prstDash val="solid"/>
+            <a:round/>
+            <a:headEnd type="none" w="sm" len="sm"/>
+            <a:tailEnd type="none" w="sm" len="sm"/>
+          </a:ln>
+        </p:spPr>
+      </p:sp>
+    </p:spTree>
+    <p:extLst>
+      <p:ext uri="{BB962C8B-B14F-4D97-AF65-F5344CB8AC3E}">
+        <p14:creationId xmlns:p14="http://schemas.microsoft.com/office/powerpoint/2010/main" val="102439666"/>
+      </p:ext>
+    </p:extLst>
+  </p:cSld>
+  <p:clrMapOvr>
+    <a:masterClrMapping/>
+  </p:clrMapOvr>
+</p:notes>
+</file>
+
 <file path=ppt/notesSlides/notesSlide2.xml><?xml version="1.0" encoding="utf-8"?>
 <p:notes xmlns:a="http://schemas.openxmlformats.org/drawingml/2006/main" xmlns:r="http://schemas.openxmlformats.org/officeDocument/2006/relationships" xmlns:p="http://schemas.openxmlformats.org/presentationml/2006/main" showMasterSp="0" showMasterPhAnim="0">
   <p:cSld>
@@ -1453,6 +1582,133 @@
     </p:spTree>
     <p:extLst>
       <p:ext uri="{BB962C8B-B14F-4D97-AF65-F5344CB8AC3E}">
+        <p14:creationId xmlns:p14="http://schemas.microsoft.com/office/powerpoint/2010/main" val="1101917200"/>
+      </p:ext>
+    </p:extLst>
+  </p:cSld>
+  <p:clrMapOvr>
+    <a:masterClrMapping/>
+  </p:clrMapOvr>
+</p:notes>
+</file>
+
+<file path=ppt/notesSlides/notesSlide6.xml><?xml version="1.0" encoding="utf-8"?>
+<p:notes xmlns:a="http://schemas.openxmlformats.org/drawingml/2006/main" xmlns:r="http://schemas.openxmlformats.org/officeDocument/2006/relationships" xmlns:p="http://schemas.openxmlformats.org/presentationml/2006/main" showMasterSp="0" showMasterPhAnim="0">
+  <p:cSld>
+    <p:spTree>
+      <p:nvGrpSpPr>
+        <p:cNvPr id="1" name="Shape 87"/>
+        <p:cNvGrpSpPr/>
+        <p:nvPr/>
+      </p:nvGrpSpPr>
+      <p:grpSpPr>
+        <a:xfrm>
+          <a:off x="0" y="0"/>
+          <a:ext cx="0" cy="0"/>
+          <a:chOff x="0" y="0"/>
+          <a:chExt cx="0" cy="0"/>
+        </a:xfrm>
+      </p:grpSpPr>
+      <p:sp>
+        <p:nvSpPr>
+          <p:cNvPr id="88" name="Google Shape;88;p2:notes"/>
+          <p:cNvSpPr txBox="1">
+            <a:spLocks noGrp="1"/>
+          </p:cNvSpPr>
+          <p:nvPr>
+            <p:ph type="body" idx="1"/>
+          </p:nvPr>
+        </p:nvSpPr>
+        <p:spPr>
+          <a:xfrm>
+            <a:off x="685800" y="4343400"/>
+            <a:ext cx="5486400" cy="4114800"/>
+          </a:xfrm>
+          <a:prstGeom prst="rect">
+            <a:avLst/>
+          </a:prstGeom>
+          <a:noFill/>
+          <a:ln>
+            <a:noFill/>
+          </a:ln>
+        </p:spPr>
+        <p:txBody>
+          <a:bodyPr spcFirstLastPara="1" wrap="square" lIns="91425" tIns="91425" rIns="91425" bIns="91425" anchor="t" anchorCtr="0">
+            <a:noAutofit/>
+          </a:bodyPr>
+          <a:lstStyle/>
+          <a:p>
+            <a:pPr marL="0" lvl="0" indent="0" algn="l" rtl="0">
+              <a:lnSpc>
+                <a:spcPct val="100000"/>
+              </a:lnSpc>
+              <a:spcBef>
+                <a:spcPts val="0"/>
+              </a:spcBef>
+              <a:spcAft>
+                <a:spcPts val="0"/>
+              </a:spcAft>
+              <a:buSzPts val="1100"/>
+              <a:buNone/>
+            </a:pPr>
+            <a:endParaRPr/>
+          </a:p>
+        </p:txBody>
+      </p:sp>
+      <p:sp>
+        <p:nvSpPr>
+          <p:cNvPr id="89" name="Google Shape;89;p2:notes"/>
+          <p:cNvSpPr>
+            <a:spLocks noGrp="1" noRot="1" noChangeAspect="1"/>
+          </p:cNvSpPr>
+          <p:nvPr>
+            <p:ph type="sldImg" idx="2"/>
+          </p:nvPr>
+        </p:nvSpPr>
+        <p:spPr>
+          <a:xfrm>
+            <a:off x="381000" y="685800"/>
+            <a:ext cx="6096000" cy="3429000"/>
+          </a:xfrm>
+          <a:custGeom>
+            <a:avLst/>
+            <a:gdLst/>
+            <a:ahLst/>
+            <a:cxnLst/>
+            <a:rect l="l" t="t" r="r" b="b"/>
+            <a:pathLst>
+              <a:path w="120000" h="120000" extrusionOk="0">
+                <a:moveTo>
+                  <a:pt x="0" y="0"/>
+                </a:moveTo>
+                <a:lnTo>
+                  <a:pt x="120000" y="0"/>
+                </a:lnTo>
+                <a:lnTo>
+                  <a:pt x="120000" y="120000"/>
+                </a:lnTo>
+                <a:lnTo>
+                  <a:pt x="0" y="120000"/>
+                </a:lnTo>
+                <a:close/>
+              </a:path>
+            </a:pathLst>
+          </a:custGeom>
+          <a:noFill/>
+          <a:ln w="9525" cap="flat" cmpd="sng">
+            <a:solidFill>
+              <a:srgbClr val="000000"/>
+            </a:solidFill>
+            <a:prstDash val="solid"/>
+            <a:round/>
+            <a:headEnd type="none" w="sm" len="sm"/>
+            <a:tailEnd type="none" w="sm" len="sm"/>
+          </a:ln>
+        </p:spPr>
+      </p:sp>
+    </p:spTree>
+    <p:extLst>
+      <p:ext uri="{BB962C8B-B14F-4D97-AF65-F5344CB8AC3E}">
         <p14:creationId xmlns:p14="http://schemas.microsoft.com/office/powerpoint/2010/main" val="2070523767"/>
       </p:ext>
     </p:extLst>
@@ -1463,7 +1719,7 @@
 </p:notes>
 </file>
 
-<file path=ppt/notesSlides/notesSlide6.xml><?xml version="1.0" encoding="utf-8"?>
+<file path=ppt/notesSlides/notesSlide7.xml><?xml version="1.0" encoding="utf-8"?>
 <p:notes xmlns:a="http://schemas.openxmlformats.org/drawingml/2006/main" xmlns:r="http://schemas.openxmlformats.org/officeDocument/2006/relationships" xmlns:p="http://schemas.openxmlformats.org/presentationml/2006/main" showMasterSp="0" showMasterPhAnim="0">
   <p:cSld>
     <p:spTree>
@@ -1590,7 +1846,134 @@
 </p:notes>
 </file>
 
-<file path=ppt/notesSlides/notesSlide7.xml><?xml version="1.0" encoding="utf-8"?>
+<file path=ppt/notesSlides/notesSlide8.xml><?xml version="1.0" encoding="utf-8"?>
+<p:notes xmlns:a="http://schemas.openxmlformats.org/drawingml/2006/main" xmlns:r="http://schemas.openxmlformats.org/officeDocument/2006/relationships" xmlns:p="http://schemas.openxmlformats.org/presentationml/2006/main" showMasterSp="0" showMasterPhAnim="0">
+  <p:cSld>
+    <p:spTree>
+      <p:nvGrpSpPr>
+        <p:cNvPr id="1" name="Shape 87"/>
+        <p:cNvGrpSpPr/>
+        <p:nvPr/>
+      </p:nvGrpSpPr>
+      <p:grpSpPr>
+        <a:xfrm>
+          <a:off x="0" y="0"/>
+          <a:ext cx="0" cy="0"/>
+          <a:chOff x="0" y="0"/>
+          <a:chExt cx="0" cy="0"/>
+        </a:xfrm>
+      </p:grpSpPr>
+      <p:sp>
+        <p:nvSpPr>
+          <p:cNvPr id="88" name="Google Shape;88;p2:notes"/>
+          <p:cNvSpPr txBox="1">
+            <a:spLocks noGrp="1"/>
+          </p:cNvSpPr>
+          <p:nvPr>
+            <p:ph type="body" idx="1"/>
+          </p:nvPr>
+        </p:nvSpPr>
+        <p:spPr>
+          <a:xfrm>
+            <a:off x="685800" y="4343400"/>
+            <a:ext cx="5486400" cy="4114800"/>
+          </a:xfrm>
+          <a:prstGeom prst="rect">
+            <a:avLst/>
+          </a:prstGeom>
+          <a:noFill/>
+          <a:ln>
+            <a:noFill/>
+          </a:ln>
+        </p:spPr>
+        <p:txBody>
+          <a:bodyPr spcFirstLastPara="1" wrap="square" lIns="91425" tIns="91425" rIns="91425" bIns="91425" anchor="t" anchorCtr="0">
+            <a:noAutofit/>
+          </a:bodyPr>
+          <a:lstStyle/>
+          <a:p>
+            <a:pPr marL="0" lvl="0" indent="0" algn="l" rtl="0">
+              <a:lnSpc>
+                <a:spcPct val="100000"/>
+              </a:lnSpc>
+              <a:spcBef>
+                <a:spcPts val="0"/>
+              </a:spcBef>
+              <a:spcAft>
+                <a:spcPts val="0"/>
+              </a:spcAft>
+              <a:buSzPts val="1100"/>
+              <a:buNone/>
+            </a:pPr>
+            <a:endParaRPr/>
+          </a:p>
+        </p:txBody>
+      </p:sp>
+      <p:sp>
+        <p:nvSpPr>
+          <p:cNvPr id="89" name="Google Shape;89;p2:notes"/>
+          <p:cNvSpPr>
+            <a:spLocks noGrp="1" noRot="1" noChangeAspect="1"/>
+          </p:cNvSpPr>
+          <p:nvPr>
+            <p:ph type="sldImg" idx="2"/>
+          </p:nvPr>
+        </p:nvSpPr>
+        <p:spPr>
+          <a:xfrm>
+            <a:off x="381000" y="685800"/>
+            <a:ext cx="6096000" cy="3429000"/>
+          </a:xfrm>
+          <a:custGeom>
+            <a:avLst/>
+            <a:gdLst/>
+            <a:ahLst/>
+            <a:cxnLst/>
+            <a:rect l="l" t="t" r="r" b="b"/>
+            <a:pathLst>
+              <a:path w="120000" h="120000" extrusionOk="0">
+                <a:moveTo>
+                  <a:pt x="0" y="0"/>
+                </a:moveTo>
+                <a:lnTo>
+                  <a:pt x="120000" y="0"/>
+                </a:lnTo>
+                <a:lnTo>
+                  <a:pt x="120000" y="120000"/>
+                </a:lnTo>
+                <a:lnTo>
+                  <a:pt x="0" y="120000"/>
+                </a:lnTo>
+                <a:close/>
+              </a:path>
+            </a:pathLst>
+          </a:custGeom>
+          <a:noFill/>
+          <a:ln w="9525" cap="flat" cmpd="sng">
+            <a:solidFill>
+              <a:srgbClr val="000000"/>
+            </a:solidFill>
+            <a:prstDash val="solid"/>
+            <a:round/>
+            <a:headEnd type="none" w="sm" len="sm"/>
+            <a:tailEnd type="none" w="sm" len="sm"/>
+          </a:ln>
+        </p:spPr>
+      </p:sp>
+    </p:spTree>
+    <p:extLst>
+      <p:ext uri="{BB962C8B-B14F-4D97-AF65-F5344CB8AC3E}">
+        <p14:creationId xmlns:p14="http://schemas.microsoft.com/office/powerpoint/2010/main" val="4096017162"/>
+      </p:ext>
+    </p:extLst>
+  </p:cSld>
+  <p:clrMapOvr>
+    <a:masterClrMapping/>
+  </p:clrMapOvr>
+</p:notes>
+</file>
+
+<file path=ppt/notesSlides/notesSlide9.xml><?xml version="1.0" encoding="utf-8"?>
 <p:notes xmlns:a="http://schemas.openxmlformats.org/drawingml/2006/main" xmlns:r="http://schemas.openxmlformats.org/officeDocument/2006/relationships" xmlns:p="http://schemas.openxmlformats.org/presentationml/2006/main" showMasterSp="0" showMasterPhAnim="0">
   <p:cSld>
     <p:spTree>
@@ -1708,133 +2091,6 @@
     <p:extLst>
       <p:ext uri="{BB962C8B-B14F-4D97-AF65-F5344CB8AC3E}">
         <p14:creationId xmlns:p14="http://schemas.microsoft.com/office/powerpoint/2010/main" val="601349595"/>
-      </p:ext>
-    </p:extLst>
-  </p:cSld>
-  <p:clrMapOvr>
-    <a:masterClrMapping/>
-  </p:clrMapOvr>
-</p:notes>
-</file>
-
-<file path=ppt/notesSlides/notesSlide8.xml><?xml version="1.0" encoding="utf-8"?>
-<p:notes xmlns:a="http://schemas.openxmlformats.org/drawingml/2006/main" xmlns:r="http://schemas.openxmlformats.org/officeDocument/2006/relationships" xmlns:p="http://schemas.openxmlformats.org/presentationml/2006/main" showMasterSp="0" showMasterPhAnim="0">
-  <p:cSld>
-    <p:spTree>
-      <p:nvGrpSpPr>
-        <p:cNvPr id="1" name="Shape 87"/>
-        <p:cNvGrpSpPr/>
-        <p:nvPr/>
-      </p:nvGrpSpPr>
-      <p:grpSpPr>
-        <a:xfrm>
-          <a:off x="0" y="0"/>
-          <a:ext cx="0" cy="0"/>
-          <a:chOff x="0" y="0"/>
-          <a:chExt cx="0" cy="0"/>
-        </a:xfrm>
-      </p:grpSpPr>
-      <p:sp>
-        <p:nvSpPr>
-          <p:cNvPr id="88" name="Google Shape;88;p2:notes"/>
-          <p:cNvSpPr txBox="1">
-            <a:spLocks noGrp="1"/>
-          </p:cNvSpPr>
-          <p:nvPr>
-            <p:ph type="body" idx="1"/>
-          </p:nvPr>
-        </p:nvSpPr>
-        <p:spPr>
-          <a:xfrm>
-            <a:off x="685800" y="4343400"/>
-            <a:ext cx="5486400" cy="4114800"/>
-          </a:xfrm>
-          <a:prstGeom prst="rect">
-            <a:avLst/>
-          </a:prstGeom>
-          <a:noFill/>
-          <a:ln>
-            <a:noFill/>
-          </a:ln>
-        </p:spPr>
-        <p:txBody>
-          <a:bodyPr spcFirstLastPara="1" wrap="square" lIns="91425" tIns="91425" rIns="91425" bIns="91425" anchor="t" anchorCtr="0">
-            <a:noAutofit/>
-          </a:bodyPr>
-          <a:lstStyle/>
-          <a:p>
-            <a:pPr marL="0" lvl="0" indent="0" algn="l" rtl="0">
-              <a:lnSpc>
-                <a:spcPct val="100000"/>
-              </a:lnSpc>
-              <a:spcBef>
-                <a:spcPts val="0"/>
-              </a:spcBef>
-              <a:spcAft>
-                <a:spcPts val="0"/>
-              </a:spcAft>
-              <a:buSzPts val="1100"/>
-              <a:buNone/>
-            </a:pPr>
-            <a:endParaRPr/>
-          </a:p>
-        </p:txBody>
-      </p:sp>
-      <p:sp>
-        <p:nvSpPr>
-          <p:cNvPr id="89" name="Google Shape;89;p2:notes"/>
-          <p:cNvSpPr>
-            <a:spLocks noGrp="1" noRot="1" noChangeAspect="1"/>
-          </p:cNvSpPr>
-          <p:nvPr>
-            <p:ph type="sldImg" idx="2"/>
-          </p:nvPr>
-        </p:nvSpPr>
-        <p:spPr>
-          <a:xfrm>
-            <a:off x="381000" y="685800"/>
-            <a:ext cx="6096000" cy="3429000"/>
-          </a:xfrm>
-          <a:custGeom>
-            <a:avLst/>
-            <a:gdLst/>
-            <a:ahLst/>
-            <a:cxnLst/>
-            <a:rect l="l" t="t" r="r" b="b"/>
-            <a:pathLst>
-              <a:path w="120000" h="120000" extrusionOk="0">
-                <a:moveTo>
-                  <a:pt x="0" y="0"/>
-                </a:moveTo>
-                <a:lnTo>
-                  <a:pt x="120000" y="0"/>
-                </a:lnTo>
-                <a:lnTo>
-                  <a:pt x="120000" y="120000"/>
-                </a:lnTo>
-                <a:lnTo>
-                  <a:pt x="0" y="120000"/>
-                </a:lnTo>
-                <a:close/>
-              </a:path>
-            </a:pathLst>
-          </a:custGeom>
-          <a:noFill/>
-          <a:ln w="9525" cap="flat" cmpd="sng">
-            <a:solidFill>
-              <a:srgbClr val="000000"/>
-            </a:solidFill>
-            <a:prstDash val="solid"/>
-            <a:round/>
-            <a:headEnd type="none" w="sm" len="sm"/>
-            <a:tailEnd type="none" w="sm" len="sm"/>
-          </a:ln>
-        </p:spPr>
-      </p:sp>
-    </p:spTree>
-    <p:extLst>
-      <p:ext uri="{BB962C8B-B14F-4D97-AF65-F5344CB8AC3E}">
-        <p14:creationId xmlns:p14="http://schemas.microsoft.com/office/powerpoint/2010/main" val="102439666"/>
       </p:ext>
     </p:extLst>
   </p:cSld>
@@ -15386,6 +15642,578 @@
 </p:sld>
 </file>
 
+<file path=ppt/slides/slide10.xml><?xml version="1.0" encoding="utf-8"?>
+<p:sld xmlns:a="http://schemas.openxmlformats.org/drawingml/2006/main" xmlns:r="http://schemas.openxmlformats.org/officeDocument/2006/relationships" xmlns:p="http://schemas.openxmlformats.org/presentationml/2006/main">
+  <p:cSld>
+    <p:spTree>
+      <p:nvGrpSpPr>
+        <p:cNvPr id="1" name="Shape 90"/>
+        <p:cNvGrpSpPr/>
+        <p:nvPr/>
+      </p:nvGrpSpPr>
+      <p:grpSpPr>
+        <a:xfrm>
+          <a:off x="0" y="0"/>
+          <a:ext cx="0" cy="0"/>
+          <a:chOff x="0" y="0"/>
+          <a:chExt cx="0" cy="0"/>
+        </a:xfrm>
+      </p:grpSpPr>
+      <p:sp>
+        <p:nvSpPr>
+          <p:cNvPr id="91" name="Google Shape;91;p2"/>
+          <p:cNvSpPr txBox="1">
+            <a:spLocks noGrp="1"/>
+          </p:cNvSpPr>
+          <p:nvPr>
+            <p:ph type="title"/>
+          </p:nvPr>
+        </p:nvSpPr>
+        <p:spPr>
+          <a:xfrm>
+            <a:off x="716902" y="290092"/>
+            <a:ext cx="10515600" cy="1325563"/>
+          </a:xfrm>
+          <a:prstGeom prst="rect">
+            <a:avLst/>
+          </a:prstGeom>
+          <a:noFill/>
+          <a:ln>
+            <a:noFill/>
+          </a:ln>
+        </p:spPr>
+        <p:txBody>
+          <a:bodyPr spcFirstLastPara="1" wrap="square" lIns="91425" tIns="45700" rIns="91425" bIns="45700" anchor="ctr" anchorCtr="0">
+            <a:normAutofit/>
+          </a:bodyPr>
+          <a:lstStyle/>
+          <a:p>
+            <a:pPr marL="0" lvl="0" indent="0" algn="l" rtl="0">
+              <a:lnSpc>
+                <a:spcPct val="90000"/>
+              </a:lnSpc>
+              <a:spcBef>
+                <a:spcPts val="0"/>
+              </a:spcBef>
+              <a:spcAft>
+                <a:spcPts val="0"/>
+              </a:spcAft>
+              <a:buClr>
+                <a:schemeClr val="lt1"/>
+              </a:buClr>
+              <a:buSzPts val="4400"/>
+              <a:buFont typeface="Calibri"/>
+              <a:buNone/>
+            </a:pPr>
+            <a:r>
+              <a:rPr lang="es-ES" dirty="0" err="1"/>
+              <a:t>OpenCV</a:t>
+            </a:r>
+            <a:endParaRPr dirty="0"/>
+          </a:p>
+        </p:txBody>
+      </p:sp>
+      <p:sp>
+        <p:nvSpPr>
+          <p:cNvPr id="93" name="Google Shape;93;p2"/>
+          <p:cNvSpPr/>
+          <p:nvPr/>
+        </p:nvSpPr>
+        <p:spPr>
+          <a:xfrm>
+            <a:off x="497691" y="763312"/>
+            <a:ext cx="90138" cy="654341"/>
+          </a:xfrm>
+          <a:prstGeom prst="rect">
+            <a:avLst/>
+          </a:prstGeom>
+          <a:solidFill>
+            <a:srgbClr val="C00000"/>
+          </a:solidFill>
+          <a:ln>
+            <a:noFill/>
+          </a:ln>
+        </p:spPr>
+        <p:txBody>
+          <a:bodyPr spcFirstLastPara="1" wrap="square" lIns="91425" tIns="45700" rIns="91425" bIns="45700" anchor="ctr" anchorCtr="0">
+            <a:noAutofit/>
+          </a:bodyPr>
+          <a:lstStyle/>
+          <a:p>
+            <a:pPr marL="0" marR="0" lvl="0" indent="0" algn="ctr" rtl="0">
+              <a:lnSpc>
+                <a:spcPct val="100000"/>
+              </a:lnSpc>
+              <a:spcBef>
+                <a:spcPts val="0"/>
+              </a:spcBef>
+              <a:spcAft>
+                <a:spcPts val="0"/>
+              </a:spcAft>
+              <a:buClr>
+                <a:srgbClr val="000000"/>
+              </a:buClr>
+              <a:buSzPts val="1800"/>
+              <a:buFont typeface="Arial"/>
+              <a:buNone/>
+            </a:pPr>
+            <a:endParaRPr sz="1800" b="0" i="0" u="none" strike="noStrike" cap="none">
+              <a:solidFill>
+                <a:schemeClr val="lt1"/>
+              </a:solidFill>
+              <a:latin typeface="Calibri"/>
+              <a:ea typeface="Calibri"/>
+              <a:cs typeface="Calibri"/>
+              <a:sym typeface="Calibri"/>
+            </a:endParaRPr>
+          </a:p>
+        </p:txBody>
+      </p:sp>
+      <p:pic>
+        <p:nvPicPr>
+          <p:cNvPr id="6" name="Picture 4" descr="Adding OpenCV 4.1.2 to Visual Studio 2019 Project in Windows using  Pre-built binaries | by Ye Joo Park | Medium">
+            <a:extLst>
+              <a:ext uri="{FF2B5EF4-FFF2-40B4-BE49-F238E27FC236}">
+                <a16:creationId xmlns:a16="http://schemas.microsoft.com/office/drawing/2014/main" id="{21C87F93-37F3-4740-B471-E34D243F6EAB}"/>
+              </a:ext>
+            </a:extLst>
+          </p:cNvPr>
+          <p:cNvPicPr>
+            <a:picLocks noChangeAspect="1" noChangeArrowheads="1"/>
+          </p:cNvPicPr>
+          <p:nvPr/>
+        </p:nvPicPr>
+        <p:blipFill rotWithShape="1">
+          <a:blip r:embed="rId3">
+            <a:clrChange>
+              <a:clrFrom>
+                <a:srgbClr val="000000"/>
+              </a:clrFrom>
+              <a:clrTo>
+                <a:srgbClr val="000000">
+                  <a:alpha val="0"/>
+                </a:srgbClr>
+              </a:clrTo>
+            </a:clrChange>
+            <a:extLst>
+              <a:ext uri="{28A0092B-C50C-407E-A947-70E740481C1C}">
+                <a14:useLocalDpi xmlns:a14="http://schemas.microsoft.com/office/drawing/2010/main" val="0"/>
+              </a:ext>
+            </a:extLst>
+          </a:blip>
+          <a:srcRect l="70200" t="25715" r="12100" b="22143"/>
+          <a:stretch/>
+        </p:blipFill>
+        <p:spPr bwMode="auto">
+          <a:xfrm>
+            <a:off x="10680456" y="309142"/>
+            <a:ext cx="1104091" cy="1366079"/>
+          </a:xfrm>
+          <a:prstGeom prst="rect">
+            <a:avLst/>
+          </a:prstGeom>
+          <a:noFill/>
+          <a:extLst>
+            <a:ext uri="{909E8E84-426E-40DD-AFC4-6F175D3DCCD1}">
+              <a14:hiddenFill xmlns:a14="http://schemas.microsoft.com/office/drawing/2010/main">
+                <a:solidFill>
+                  <a:srgbClr val="FFFFFF"/>
+                </a:solidFill>
+              </a14:hiddenFill>
+            </a:ext>
+          </a:extLst>
+        </p:spPr>
+      </p:pic>
+      <p:sp>
+        <p:nvSpPr>
+          <p:cNvPr id="63" name="Google Shape;128;p34">
+            <a:extLst>
+              <a:ext uri="{FF2B5EF4-FFF2-40B4-BE49-F238E27FC236}">
+                <a16:creationId xmlns:a16="http://schemas.microsoft.com/office/drawing/2014/main" id="{5609CFF8-8B58-4AEB-AF04-D3EB36FC139C}"/>
+              </a:ext>
+            </a:extLst>
+          </p:cNvPr>
+          <p:cNvSpPr/>
+          <p:nvPr/>
+        </p:nvSpPr>
+        <p:spPr>
+          <a:xfrm>
+            <a:off x="716902" y="1417653"/>
+            <a:ext cx="10743578" cy="4524275"/>
+          </a:xfrm>
+          <a:prstGeom prst="rect">
+            <a:avLst/>
+          </a:prstGeom>
+          <a:noFill/>
+          <a:ln>
+            <a:noFill/>
+          </a:ln>
+        </p:spPr>
+        <p:txBody>
+          <a:bodyPr spcFirstLastPara="1" wrap="square" lIns="91425" tIns="45700" rIns="91425" bIns="45700" anchor="t" anchorCtr="0">
+            <a:spAutoFit/>
+          </a:bodyPr>
+          <a:lstStyle/>
+          <a:p>
+            <a:pPr marR="0" lvl="0" algn="ctr" rtl="0">
+              <a:lnSpc>
+                <a:spcPct val="100000"/>
+              </a:lnSpc>
+              <a:spcBef>
+                <a:spcPts val="0"/>
+              </a:spcBef>
+              <a:spcAft>
+                <a:spcPts val="0"/>
+              </a:spcAft>
+              <a:buClr>
+                <a:schemeClr val="bg1"/>
+              </a:buClr>
+              <a:buSzPts val="2400"/>
+            </a:pPr>
+            <a:r>
+              <a:rPr lang="es-ES" sz="3200" i="1" dirty="0">
+                <a:solidFill>
+                  <a:schemeClr val="bg1">
+                    <a:lumMod val="95000"/>
+                  </a:schemeClr>
+                </a:solidFill>
+                <a:latin typeface="Calibri"/>
+                <a:cs typeface="Calibri"/>
+                <a:sym typeface="Calibri"/>
+              </a:rPr>
+              <a:t>Fuentes y recursos:</a:t>
+            </a:r>
+          </a:p>
+          <a:p>
+            <a:pPr marR="0" lvl="0" algn="ctr" rtl="0">
+              <a:lnSpc>
+                <a:spcPct val="100000"/>
+              </a:lnSpc>
+              <a:spcBef>
+                <a:spcPts val="0"/>
+              </a:spcBef>
+              <a:spcAft>
+                <a:spcPts val="0"/>
+              </a:spcAft>
+              <a:buClr>
+                <a:schemeClr val="bg1"/>
+              </a:buClr>
+              <a:buSzPts val="2400"/>
+            </a:pPr>
+            <a:endParaRPr lang="es-ES" sz="3200" i="1" dirty="0">
+              <a:solidFill>
+                <a:schemeClr val="bg1">
+                  <a:lumMod val="95000"/>
+                </a:schemeClr>
+              </a:solidFill>
+              <a:latin typeface="Calibri"/>
+              <a:cs typeface="Calibri"/>
+              <a:sym typeface="Calibri"/>
+            </a:endParaRPr>
+          </a:p>
+          <a:p>
+            <a:pPr marL="457200" marR="0" lvl="0" indent="-457200" rtl="0">
+              <a:lnSpc>
+                <a:spcPct val="100000"/>
+              </a:lnSpc>
+              <a:spcBef>
+                <a:spcPts val="0"/>
+              </a:spcBef>
+              <a:spcAft>
+                <a:spcPts val="0"/>
+              </a:spcAft>
+              <a:buClr>
+                <a:schemeClr val="bg1"/>
+              </a:buClr>
+              <a:buSzPts val="2400"/>
+              <a:buFont typeface="Arial" panose="020B0604020202020204" pitchFamily="34" charset="0"/>
+              <a:buChar char="•"/>
+            </a:pPr>
+            <a:r>
+              <a:rPr lang="es-ES" sz="2400" i="1" dirty="0">
+                <a:solidFill>
+                  <a:schemeClr val="bg1">
+                    <a:lumMod val="95000"/>
+                  </a:schemeClr>
+                </a:solidFill>
+                <a:latin typeface="Calibri"/>
+                <a:cs typeface="Calibri"/>
+                <a:sym typeface="Calibri"/>
+                <a:hlinkClick r:id="rId4"/>
+              </a:rPr>
+              <a:t>https://www.youtube.com/watch?v=oXlwWbU8l2o</a:t>
+            </a:r>
+            <a:endParaRPr lang="es-ES" sz="2400" i="1" dirty="0">
+              <a:solidFill>
+                <a:schemeClr val="bg1">
+                  <a:lumMod val="95000"/>
+                </a:schemeClr>
+              </a:solidFill>
+              <a:latin typeface="Calibri"/>
+              <a:cs typeface="Calibri"/>
+              <a:sym typeface="Calibri"/>
+            </a:endParaRPr>
+          </a:p>
+          <a:p>
+            <a:pPr marL="457200" marR="0" lvl="0" indent="-457200" rtl="0">
+              <a:lnSpc>
+                <a:spcPct val="100000"/>
+              </a:lnSpc>
+              <a:spcBef>
+                <a:spcPts val="0"/>
+              </a:spcBef>
+              <a:spcAft>
+                <a:spcPts val="0"/>
+              </a:spcAft>
+              <a:buClr>
+                <a:schemeClr val="bg1"/>
+              </a:buClr>
+              <a:buSzPts val="2400"/>
+              <a:buFont typeface="Arial" panose="020B0604020202020204" pitchFamily="34" charset="0"/>
+              <a:buChar char="•"/>
+            </a:pPr>
+            <a:endParaRPr lang="es-ES" sz="2400" i="1" dirty="0">
+              <a:solidFill>
+                <a:schemeClr val="bg1">
+                  <a:lumMod val="95000"/>
+                </a:schemeClr>
+              </a:solidFill>
+              <a:latin typeface="Calibri"/>
+              <a:cs typeface="Calibri"/>
+              <a:sym typeface="Calibri"/>
+            </a:endParaRPr>
+          </a:p>
+          <a:p>
+            <a:pPr marL="457200" marR="0" lvl="0" indent="-457200" rtl="0">
+              <a:lnSpc>
+                <a:spcPct val="100000"/>
+              </a:lnSpc>
+              <a:spcBef>
+                <a:spcPts val="0"/>
+              </a:spcBef>
+              <a:spcAft>
+                <a:spcPts val="0"/>
+              </a:spcAft>
+              <a:buClr>
+                <a:schemeClr val="bg1"/>
+              </a:buClr>
+              <a:buSzPts val="2400"/>
+              <a:buFont typeface="Arial" panose="020B0604020202020204" pitchFamily="34" charset="0"/>
+              <a:buChar char="•"/>
+            </a:pPr>
+            <a:r>
+              <a:rPr lang="es-ES" sz="2400" i="1" dirty="0">
+                <a:solidFill>
+                  <a:schemeClr val="bg1">
+                    <a:lumMod val="95000"/>
+                  </a:schemeClr>
+                </a:solidFill>
+                <a:latin typeface="Calibri"/>
+                <a:cs typeface="Calibri"/>
+                <a:sym typeface="Calibri"/>
+                <a:hlinkClick r:id="rId5"/>
+              </a:rPr>
+              <a:t>https://www.youtube.com/watch?v=eLTLtUVuuy4&amp;list=PLLRqobernyIRjTleiXupYZUNlwgYDtDZh&amp;index=2&amp;ab_channel=ProgrammingKnowledge</a:t>
+            </a:r>
+            <a:endParaRPr lang="es-ES" sz="2400" i="1" dirty="0">
+              <a:solidFill>
+                <a:schemeClr val="bg1">
+                  <a:lumMod val="95000"/>
+                </a:schemeClr>
+              </a:solidFill>
+              <a:latin typeface="Calibri"/>
+              <a:cs typeface="Calibri"/>
+              <a:sym typeface="Calibri"/>
+            </a:endParaRPr>
+          </a:p>
+          <a:p>
+            <a:pPr marL="457200" marR="0" lvl="0" indent="-457200" rtl="0">
+              <a:lnSpc>
+                <a:spcPct val="100000"/>
+              </a:lnSpc>
+              <a:spcBef>
+                <a:spcPts val="0"/>
+              </a:spcBef>
+              <a:spcAft>
+                <a:spcPts val="0"/>
+              </a:spcAft>
+              <a:buClr>
+                <a:schemeClr val="bg1"/>
+              </a:buClr>
+              <a:buSzPts val="2400"/>
+              <a:buFont typeface="Arial" panose="020B0604020202020204" pitchFamily="34" charset="0"/>
+              <a:buChar char="•"/>
+            </a:pPr>
+            <a:endParaRPr lang="es-ES" sz="2400" i="1" dirty="0">
+              <a:solidFill>
+                <a:schemeClr val="bg1">
+                  <a:lumMod val="95000"/>
+                </a:schemeClr>
+              </a:solidFill>
+              <a:latin typeface="Calibri"/>
+              <a:cs typeface="Calibri"/>
+              <a:sym typeface="Calibri"/>
+            </a:endParaRPr>
+          </a:p>
+          <a:p>
+            <a:pPr marL="457200" marR="0" lvl="0" indent="-457200" rtl="0">
+              <a:lnSpc>
+                <a:spcPct val="100000"/>
+              </a:lnSpc>
+              <a:spcBef>
+                <a:spcPts val="0"/>
+              </a:spcBef>
+              <a:spcAft>
+                <a:spcPts val="0"/>
+              </a:spcAft>
+              <a:buClr>
+                <a:schemeClr val="bg1"/>
+              </a:buClr>
+              <a:buSzPts val="2400"/>
+              <a:buFont typeface="Arial" panose="020B0604020202020204" pitchFamily="34" charset="0"/>
+              <a:buChar char="•"/>
+            </a:pPr>
+            <a:r>
+              <a:rPr lang="es-ES" sz="2400" i="1" dirty="0">
+                <a:solidFill>
+                  <a:schemeClr val="bg1">
+                    <a:lumMod val="95000"/>
+                  </a:schemeClr>
+                </a:solidFill>
+                <a:latin typeface="Calibri"/>
+                <a:cs typeface="Calibri"/>
+                <a:sym typeface="Calibri"/>
+                <a:hlinkClick r:id="rId6"/>
+              </a:rPr>
+              <a:t>https://github.com/opencv</a:t>
+            </a:r>
+            <a:endParaRPr lang="es-ES" sz="3200" i="1" dirty="0">
+              <a:solidFill>
+                <a:schemeClr val="bg1">
+                  <a:lumMod val="95000"/>
+                </a:schemeClr>
+              </a:solidFill>
+              <a:latin typeface="Calibri"/>
+              <a:cs typeface="Calibri"/>
+              <a:sym typeface="Calibri"/>
+            </a:endParaRPr>
+          </a:p>
+          <a:p>
+            <a:pPr marL="457200" marR="0" lvl="0" indent="-457200" rtl="0">
+              <a:lnSpc>
+                <a:spcPct val="100000"/>
+              </a:lnSpc>
+              <a:spcBef>
+                <a:spcPts val="0"/>
+              </a:spcBef>
+              <a:spcAft>
+                <a:spcPts val="0"/>
+              </a:spcAft>
+              <a:buClr>
+                <a:schemeClr val="bg1"/>
+              </a:buClr>
+              <a:buSzPts val="2400"/>
+              <a:buFont typeface="Arial" panose="020B0604020202020204" pitchFamily="34" charset="0"/>
+              <a:buChar char="•"/>
+            </a:pPr>
+            <a:endParaRPr lang="es-ES" sz="3200" i="1" dirty="0">
+              <a:solidFill>
+                <a:schemeClr val="bg1">
+                  <a:lumMod val="95000"/>
+                </a:schemeClr>
+              </a:solidFill>
+              <a:latin typeface="Calibri"/>
+              <a:cs typeface="Calibri"/>
+              <a:sym typeface="Calibri"/>
+            </a:endParaRPr>
+          </a:p>
+          <a:p>
+            <a:pPr marL="457200" marR="0" lvl="0" indent="-457200" rtl="0">
+              <a:lnSpc>
+                <a:spcPct val="100000"/>
+              </a:lnSpc>
+              <a:spcBef>
+                <a:spcPts val="0"/>
+              </a:spcBef>
+              <a:spcAft>
+                <a:spcPts val="0"/>
+              </a:spcAft>
+              <a:buClr>
+                <a:schemeClr val="bg1"/>
+              </a:buClr>
+              <a:buSzPts val="2400"/>
+              <a:buFont typeface="Arial" panose="020B0604020202020204" pitchFamily="34" charset="0"/>
+              <a:buChar char="•"/>
+            </a:pPr>
+            <a:r>
+              <a:rPr lang="es-ES" sz="2400" i="1" dirty="0">
+                <a:solidFill>
+                  <a:schemeClr val="bg1">
+                    <a:lumMod val="95000"/>
+                  </a:schemeClr>
+                </a:solidFill>
+                <a:latin typeface="Calibri"/>
+                <a:cs typeface="Calibri"/>
+                <a:sym typeface="Calibri"/>
+                <a:hlinkClick r:id="rId7"/>
+              </a:rPr>
+              <a:t>https://docs.opencv.org/4.x/</a:t>
+            </a:r>
+            <a:endParaRPr lang="es-ES" sz="3200" i="1" dirty="0">
+              <a:solidFill>
+                <a:schemeClr val="bg1">
+                  <a:lumMod val="95000"/>
+                </a:schemeClr>
+              </a:solidFill>
+              <a:latin typeface="Calibri"/>
+              <a:cs typeface="Calibri"/>
+              <a:sym typeface="Calibri"/>
+            </a:endParaRPr>
+          </a:p>
+          <a:p>
+            <a:pPr marL="457200" marR="0" lvl="0" indent="-457200" rtl="0">
+              <a:lnSpc>
+                <a:spcPct val="100000"/>
+              </a:lnSpc>
+              <a:spcBef>
+                <a:spcPts val="0"/>
+              </a:spcBef>
+              <a:spcAft>
+                <a:spcPts val="0"/>
+              </a:spcAft>
+              <a:buClr>
+                <a:schemeClr val="bg1"/>
+              </a:buClr>
+              <a:buSzPts val="2400"/>
+              <a:buFont typeface="Arial" panose="020B0604020202020204" pitchFamily="34" charset="0"/>
+              <a:buChar char="•"/>
+            </a:pPr>
+            <a:endParaRPr lang="es-ES" sz="2400" i="1" dirty="0">
+              <a:solidFill>
+                <a:schemeClr val="bg1">
+                  <a:lumMod val="95000"/>
+                </a:schemeClr>
+              </a:solidFill>
+              <a:latin typeface="Calibri"/>
+              <a:cs typeface="Calibri"/>
+              <a:sym typeface="Calibri"/>
+            </a:endParaRPr>
+          </a:p>
+        </p:txBody>
+      </p:sp>
+    </p:spTree>
+    <p:extLst>
+      <p:ext uri="{BB962C8B-B14F-4D97-AF65-F5344CB8AC3E}">
+        <p14:creationId xmlns:p14="http://schemas.microsoft.com/office/powerpoint/2010/main" val="1231075633"/>
+      </p:ext>
+    </p:extLst>
+  </p:cSld>
+  <p:clrMapOvr>
+    <a:masterClrMapping/>
+  </p:clrMapOvr>
+</p:sld>
+</file>
+
 <file path=ppt/slides/slide2.xml><?xml version="1.0" encoding="utf-8"?>
 <p:sld xmlns:a="http://schemas.openxmlformats.org/drawingml/2006/main" xmlns:r="http://schemas.openxmlformats.org/officeDocument/2006/relationships" xmlns:p="http://schemas.openxmlformats.org/presentationml/2006/main">
   <p:cSld>
@@ -16414,8 +17242,8 @@
         </p:nvSpPr>
         <p:spPr>
           <a:xfrm>
-            <a:off x="716902" y="2417510"/>
-            <a:ext cx="10743578" cy="3046948"/>
+            <a:off x="716902" y="1945561"/>
+            <a:ext cx="10743578" cy="2062063"/>
           </a:xfrm>
           <a:prstGeom prst="rect">
             <a:avLst/>
@@ -16457,27 +17285,10 @@
                 <a:cs typeface="Calibri"/>
                 <a:sym typeface="Calibri"/>
               </a:rPr>
-              <a:t>Es una herramienta para el procesado de imágenes, vídeos…</a:t>
+              <a:t>Es una librería de Visión Artificial, que permite el procesado de imágenes, vídeos… que permite realizar </a:t>
             </a:r>
-          </a:p>
-          <a:p>
-            <a:pPr marR="0" lvl="0" algn="ctr" rtl="0">
-              <a:lnSpc>
-                <a:spcPct val="100000"/>
-              </a:lnSpc>
-              <a:spcBef>
-                <a:spcPts val="0"/>
-              </a:spcBef>
-              <a:spcAft>
-                <a:spcPts val="0"/>
-              </a:spcAft>
-              <a:buClr>
-                <a:schemeClr val="bg1"/>
-              </a:buClr>
-              <a:buSzPts val="2400"/>
-            </a:pPr>
             <a:r>
-              <a:rPr lang="es-ES" sz="3200" i="1" dirty="0">
+              <a:rPr lang="es-ES" sz="3200" b="1" i="1" dirty="0" err="1">
                 <a:solidFill>
                   <a:schemeClr val="bg1">
                     <a:lumMod val="95000"/>
@@ -16487,7 +17298,470 @@
                 <a:cs typeface="Calibri"/>
                 <a:sym typeface="Calibri"/>
               </a:rPr>
-              <a:t>Posibilidades:</a:t>
+              <a:t>PCA’s</a:t>
+            </a:r>
+            <a:r>
+              <a:rPr lang="es-ES" sz="3200" b="1" i="1" dirty="0">
+                <a:solidFill>
+                  <a:schemeClr val="bg1">
+                    <a:lumMod val="95000"/>
+                  </a:schemeClr>
+                </a:solidFill>
+                <a:latin typeface="Calibri"/>
+                <a:cs typeface="Calibri"/>
+                <a:sym typeface="Calibri"/>
+              </a:rPr>
+              <a:t> de nuestra muestra para optimizar el entrenamiento de nuestro modelo. Está disponible para C, C++ y Python.</a:t>
+            </a:r>
+          </a:p>
+        </p:txBody>
+      </p:sp>
+      <p:pic>
+        <p:nvPicPr>
+          <p:cNvPr id="7" name="Picture 4">
+            <a:extLst>
+              <a:ext uri="{FF2B5EF4-FFF2-40B4-BE49-F238E27FC236}">
+                <a16:creationId xmlns:a16="http://schemas.microsoft.com/office/drawing/2014/main" id="{D6BA61BA-097C-4DCE-8592-0AA5A571CE42}"/>
+              </a:ext>
+            </a:extLst>
+          </p:cNvPr>
+          <p:cNvPicPr>
+            <a:picLocks noChangeAspect="1" noChangeArrowheads="1"/>
+          </p:cNvPicPr>
+          <p:nvPr/>
+        </p:nvPicPr>
+        <p:blipFill>
+          <a:blip r:embed="rId4">
+            <a:extLst>
+              <a:ext uri="{28A0092B-C50C-407E-A947-70E740481C1C}">
+                <a14:useLocalDpi xmlns:a14="http://schemas.microsoft.com/office/drawing/2010/main" val="0"/>
+              </a:ext>
+            </a:extLst>
+          </a:blip>
+          <a:srcRect/>
+          <a:stretch>
+            <a:fillRect/>
+          </a:stretch>
+        </p:blipFill>
+        <p:spPr bwMode="auto">
+          <a:xfrm>
+            <a:off x="709986" y="4384896"/>
+            <a:ext cx="2774326" cy="2080744"/>
+          </a:xfrm>
+          <a:prstGeom prst="rect">
+            <a:avLst/>
+          </a:prstGeom>
+          <a:noFill/>
+          <a:ln>
+            <a:noFill/>
+          </a:ln>
+          <a:extLst>
+            <a:ext uri="{909E8E84-426E-40DD-AFC4-6F175D3DCCD1}">
+              <a14:hiddenFill xmlns:a14="http://schemas.microsoft.com/office/drawing/2010/main">
+                <a:solidFill>
+                  <a:srgbClr val="FFFFFF"/>
+                </a:solidFill>
+              </a14:hiddenFill>
+            </a:ext>
+            <a:ext uri="{91240B29-F687-4F45-9708-019B960494DF}">
+              <a14:hiddenLine xmlns:a14="http://schemas.microsoft.com/office/drawing/2010/main" w="12700" cap="flat">
+                <a:solidFill>
+                  <a:srgbClr val="000000"/>
+                </a:solidFill>
+                <a:miter lim="800000"/>
+                <a:headEnd/>
+                <a:tailEnd/>
+              </a14:hiddenLine>
+            </a:ext>
+          </a:extLst>
+        </p:spPr>
+      </p:pic>
+      <p:pic>
+        <p:nvPicPr>
+          <p:cNvPr id="8" name="Picture 5">
+            <a:extLst>
+              <a:ext uri="{FF2B5EF4-FFF2-40B4-BE49-F238E27FC236}">
+                <a16:creationId xmlns:a16="http://schemas.microsoft.com/office/drawing/2014/main" id="{19F6E6E8-A021-4FA2-8BAD-CB8E82BE6851}"/>
+              </a:ext>
+            </a:extLst>
+          </p:cNvPr>
+          <p:cNvPicPr>
+            <a:picLocks noChangeAspect="1" noChangeArrowheads="1"/>
+          </p:cNvPicPr>
+          <p:nvPr/>
+        </p:nvPicPr>
+        <p:blipFill>
+          <a:blip r:embed="rId5">
+            <a:extLst>
+              <a:ext uri="{28A0092B-C50C-407E-A947-70E740481C1C}">
+                <a14:useLocalDpi xmlns:a14="http://schemas.microsoft.com/office/drawing/2010/main" val="0"/>
+              </a:ext>
+            </a:extLst>
+          </a:blip>
+          <a:srcRect/>
+          <a:stretch>
+            <a:fillRect/>
+          </a:stretch>
+        </p:blipFill>
+        <p:spPr bwMode="auto">
+          <a:xfrm>
+            <a:off x="4707626" y="4384896"/>
+            <a:ext cx="2774326" cy="2080744"/>
+          </a:xfrm>
+          <a:prstGeom prst="rect">
+            <a:avLst/>
+          </a:prstGeom>
+          <a:noFill/>
+          <a:ln>
+            <a:noFill/>
+          </a:ln>
+          <a:extLst>
+            <a:ext uri="{909E8E84-426E-40DD-AFC4-6F175D3DCCD1}">
+              <a14:hiddenFill xmlns:a14="http://schemas.microsoft.com/office/drawing/2010/main">
+                <a:solidFill>
+                  <a:srgbClr val="FFFFFF"/>
+                </a:solidFill>
+              </a14:hiddenFill>
+            </a:ext>
+            <a:ext uri="{91240B29-F687-4F45-9708-019B960494DF}">
+              <a14:hiddenLine xmlns:a14="http://schemas.microsoft.com/office/drawing/2010/main" w="12700" cap="flat">
+                <a:solidFill>
+                  <a:srgbClr val="000000"/>
+                </a:solidFill>
+                <a:miter lim="800000"/>
+                <a:headEnd/>
+                <a:tailEnd/>
+              </a14:hiddenLine>
+            </a:ext>
+          </a:extLst>
+        </p:spPr>
+      </p:pic>
+      <p:pic>
+        <p:nvPicPr>
+          <p:cNvPr id="9" name="Picture 6">
+            <a:extLst>
+              <a:ext uri="{FF2B5EF4-FFF2-40B4-BE49-F238E27FC236}">
+                <a16:creationId xmlns:a16="http://schemas.microsoft.com/office/drawing/2014/main" id="{9580A349-A075-4678-91D9-32BFB55FEC54}"/>
+              </a:ext>
+            </a:extLst>
+          </p:cNvPr>
+          <p:cNvPicPr>
+            <a:picLocks noChangeAspect="1" noChangeArrowheads="1"/>
+          </p:cNvPicPr>
+          <p:nvPr/>
+        </p:nvPicPr>
+        <p:blipFill>
+          <a:blip r:embed="rId6">
+            <a:extLst>
+              <a:ext uri="{28A0092B-C50C-407E-A947-70E740481C1C}">
+                <a14:useLocalDpi xmlns:a14="http://schemas.microsoft.com/office/drawing/2010/main" val="0"/>
+              </a:ext>
+            </a:extLst>
+          </a:blip>
+          <a:srcRect/>
+          <a:stretch>
+            <a:fillRect/>
+          </a:stretch>
+        </p:blipFill>
+        <p:spPr bwMode="auto">
+          <a:xfrm>
+            <a:off x="8715098" y="4384896"/>
+            <a:ext cx="2774326" cy="2080744"/>
+          </a:xfrm>
+          <a:prstGeom prst="rect">
+            <a:avLst/>
+          </a:prstGeom>
+          <a:noFill/>
+          <a:ln>
+            <a:noFill/>
+          </a:ln>
+          <a:extLst>
+            <a:ext uri="{909E8E84-426E-40DD-AFC4-6F175D3DCCD1}">
+              <a14:hiddenFill xmlns:a14="http://schemas.microsoft.com/office/drawing/2010/main">
+                <a:solidFill>
+                  <a:srgbClr val="FFFFFF"/>
+                </a:solidFill>
+              </a14:hiddenFill>
+            </a:ext>
+            <a:ext uri="{91240B29-F687-4F45-9708-019B960494DF}">
+              <a14:hiddenLine xmlns:a14="http://schemas.microsoft.com/office/drawing/2010/main" w="12700" cap="flat">
+                <a:solidFill>
+                  <a:srgbClr val="000000"/>
+                </a:solidFill>
+                <a:miter lim="800000"/>
+                <a:headEnd/>
+                <a:tailEnd/>
+              </a14:hiddenLine>
+            </a:ext>
+          </a:extLst>
+        </p:spPr>
+      </p:pic>
+    </p:spTree>
+    <p:extLst>
+      <p:ext uri="{BB962C8B-B14F-4D97-AF65-F5344CB8AC3E}">
+        <p14:creationId xmlns:p14="http://schemas.microsoft.com/office/powerpoint/2010/main" val="1153717640"/>
+      </p:ext>
+    </p:extLst>
+  </p:cSld>
+  <p:clrMapOvr>
+    <a:masterClrMapping/>
+  </p:clrMapOvr>
+</p:sld>
+</file>
+
+<file path=ppt/slides/slide5.xml><?xml version="1.0" encoding="utf-8"?>
+<p:sld xmlns:a="http://schemas.openxmlformats.org/drawingml/2006/main" xmlns:r="http://schemas.openxmlformats.org/officeDocument/2006/relationships" xmlns:p="http://schemas.openxmlformats.org/presentationml/2006/main">
+  <p:cSld>
+    <p:spTree>
+      <p:nvGrpSpPr>
+        <p:cNvPr id="1" name="Shape 90"/>
+        <p:cNvGrpSpPr/>
+        <p:nvPr/>
+      </p:nvGrpSpPr>
+      <p:grpSpPr>
+        <a:xfrm>
+          <a:off x="0" y="0"/>
+          <a:ext cx="0" cy="0"/>
+          <a:chOff x="0" y="0"/>
+          <a:chExt cx="0" cy="0"/>
+        </a:xfrm>
+      </p:grpSpPr>
+      <p:sp>
+        <p:nvSpPr>
+          <p:cNvPr id="91" name="Google Shape;91;p2"/>
+          <p:cNvSpPr txBox="1">
+            <a:spLocks noGrp="1"/>
+          </p:cNvSpPr>
+          <p:nvPr>
+            <p:ph type="title"/>
+          </p:nvPr>
+        </p:nvSpPr>
+        <p:spPr>
+          <a:xfrm>
+            <a:off x="716902" y="290092"/>
+            <a:ext cx="10515600" cy="1325563"/>
+          </a:xfrm>
+          <a:prstGeom prst="rect">
+            <a:avLst/>
+          </a:prstGeom>
+          <a:noFill/>
+          <a:ln>
+            <a:noFill/>
+          </a:ln>
+        </p:spPr>
+        <p:txBody>
+          <a:bodyPr spcFirstLastPara="1" wrap="square" lIns="91425" tIns="45700" rIns="91425" bIns="45700" anchor="ctr" anchorCtr="0">
+            <a:normAutofit/>
+          </a:bodyPr>
+          <a:lstStyle/>
+          <a:p>
+            <a:pPr marL="0" lvl="0" indent="0" algn="l" rtl="0">
+              <a:lnSpc>
+                <a:spcPct val="90000"/>
+              </a:lnSpc>
+              <a:spcBef>
+                <a:spcPts val="0"/>
+              </a:spcBef>
+              <a:spcAft>
+                <a:spcPts val="0"/>
+              </a:spcAft>
+              <a:buClr>
+                <a:schemeClr val="lt1"/>
+              </a:buClr>
+              <a:buSzPts val="4400"/>
+              <a:buFont typeface="Calibri"/>
+              <a:buNone/>
+            </a:pPr>
+            <a:r>
+              <a:rPr lang="es-ES" dirty="0" err="1"/>
+              <a:t>OpenCV</a:t>
+            </a:r>
+            <a:endParaRPr dirty="0"/>
+          </a:p>
+        </p:txBody>
+      </p:sp>
+      <p:sp>
+        <p:nvSpPr>
+          <p:cNvPr id="93" name="Google Shape;93;p2"/>
+          <p:cNvSpPr/>
+          <p:nvPr/>
+        </p:nvSpPr>
+        <p:spPr>
+          <a:xfrm>
+            <a:off x="497691" y="763312"/>
+            <a:ext cx="90138" cy="654341"/>
+          </a:xfrm>
+          <a:prstGeom prst="rect">
+            <a:avLst/>
+          </a:prstGeom>
+          <a:solidFill>
+            <a:srgbClr val="C00000"/>
+          </a:solidFill>
+          <a:ln>
+            <a:noFill/>
+          </a:ln>
+        </p:spPr>
+        <p:txBody>
+          <a:bodyPr spcFirstLastPara="1" wrap="square" lIns="91425" tIns="45700" rIns="91425" bIns="45700" anchor="ctr" anchorCtr="0">
+            <a:noAutofit/>
+          </a:bodyPr>
+          <a:lstStyle/>
+          <a:p>
+            <a:pPr marL="0" marR="0" lvl="0" indent="0" algn="ctr" rtl="0">
+              <a:lnSpc>
+                <a:spcPct val="100000"/>
+              </a:lnSpc>
+              <a:spcBef>
+                <a:spcPts val="0"/>
+              </a:spcBef>
+              <a:spcAft>
+                <a:spcPts val="0"/>
+              </a:spcAft>
+              <a:buClr>
+                <a:srgbClr val="000000"/>
+              </a:buClr>
+              <a:buSzPts val="1800"/>
+              <a:buFont typeface="Arial"/>
+              <a:buNone/>
+            </a:pPr>
+            <a:endParaRPr sz="1800" b="0" i="0" u="none" strike="noStrike" cap="none">
+              <a:solidFill>
+                <a:schemeClr val="lt1"/>
+              </a:solidFill>
+              <a:latin typeface="Calibri"/>
+              <a:ea typeface="Calibri"/>
+              <a:cs typeface="Calibri"/>
+              <a:sym typeface="Calibri"/>
+            </a:endParaRPr>
+          </a:p>
+        </p:txBody>
+      </p:sp>
+      <p:pic>
+        <p:nvPicPr>
+          <p:cNvPr id="6" name="Picture 4" descr="Adding OpenCV 4.1.2 to Visual Studio 2019 Project in Windows using  Pre-built binaries | by Ye Joo Park | Medium">
+            <a:extLst>
+              <a:ext uri="{FF2B5EF4-FFF2-40B4-BE49-F238E27FC236}">
+                <a16:creationId xmlns:a16="http://schemas.microsoft.com/office/drawing/2014/main" id="{21C87F93-37F3-4740-B471-E34D243F6EAB}"/>
+              </a:ext>
+            </a:extLst>
+          </p:cNvPr>
+          <p:cNvPicPr>
+            <a:picLocks noChangeAspect="1" noChangeArrowheads="1"/>
+          </p:cNvPicPr>
+          <p:nvPr/>
+        </p:nvPicPr>
+        <p:blipFill rotWithShape="1">
+          <a:blip r:embed="rId3">
+            <a:clrChange>
+              <a:clrFrom>
+                <a:srgbClr val="000000"/>
+              </a:clrFrom>
+              <a:clrTo>
+                <a:srgbClr val="000000">
+                  <a:alpha val="0"/>
+                </a:srgbClr>
+              </a:clrTo>
+            </a:clrChange>
+            <a:extLst>
+              <a:ext uri="{28A0092B-C50C-407E-A947-70E740481C1C}">
+                <a14:useLocalDpi xmlns:a14="http://schemas.microsoft.com/office/drawing/2010/main" val="0"/>
+              </a:ext>
+            </a:extLst>
+          </a:blip>
+          <a:srcRect l="70200" t="25715" r="12100" b="22143"/>
+          <a:stretch/>
+        </p:blipFill>
+        <p:spPr bwMode="auto">
+          <a:xfrm>
+            <a:off x="10680456" y="309142"/>
+            <a:ext cx="1104091" cy="1366079"/>
+          </a:xfrm>
+          <a:prstGeom prst="rect">
+            <a:avLst/>
+          </a:prstGeom>
+          <a:noFill/>
+          <a:extLst>
+            <a:ext uri="{909E8E84-426E-40DD-AFC4-6F175D3DCCD1}">
+              <a14:hiddenFill xmlns:a14="http://schemas.microsoft.com/office/drawing/2010/main">
+                <a:solidFill>
+                  <a:srgbClr val="FFFFFF"/>
+                </a:solidFill>
+              </a14:hiddenFill>
+            </a:ext>
+          </a:extLst>
+        </p:spPr>
+      </p:pic>
+      <p:sp>
+        <p:nvSpPr>
+          <p:cNvPr id="63" name="Google Shape;128;p34">
+            <a:extLst>
+              <a:ext uri="{FF2B5EF4-FFF2-40B4-BE49-F238E27FC236}">
+                <a16:creationId xmlns:a16="http://schemas.microsoft.com/office/drawing/2014/main" id="{5609CFF8-8B58-4AEB-AF04-D3EB36FC139C}"/>
+              </a:ext>
+            </a:extLst>
+          </p:cNvPr>
+          <p:cNvSpPr/>
+          <p:nvPr/>
+        </p:nvSpPr>
+        <p:spPr>
+          <a:xfrm>
+            <a:off x="716902" y="1719418"/>
+            <a:ext cx="10743578" cy="2554505"/>
+          </a:xfrm>
+          <a:prstGeom prst="rect">
+            <a:avLst/>
+          </a:prstGeom>
+          <a:noFill/>
+          <a:ln>
+            <a:noFill/>
+          </a:ln>
+        </p:spPr>
+        <p:txBody>
+          <a:bodyPr spcFirstLastPara="1" wrap="square" lIns="91425" tIns="45700" rIns="91425" bIns="45700" anchor="t" anchorCtr="0">
+            <a:spAutoFit/>
+          </a:bodyPr>
+          <a:lstStyle/>
+          <a:p>
+            <a:pPr marR="0" lvl="0" algn="ctr" rtl="0">
+              <a:lnSpc>
+                <a:spcPct val="100000"/>
+              </a:lnSpc>
+              <a:spcBef>
+                <a:spcPts val="0"/>
+              </a:spcBef>
+              <a:spcAft>
+                <a:spcPts val="0"/>
+              </a:spcAft>
+              <a:buClr>
+                <a:schemeClr val="bg1"/>
+              </a:buClr>
+              <a:buSzPts val="2400"/>
+            </a:pPr>
+            <a:r>
+              <a:rPr lang="es-ES" sz="3200" b="1" i="1" dirty="0">
+                <a:solidFill>
+                  <a:schemeClr val="bg1">
+                    <a:lumMod val="95000"/>
+                  </a:schemeClr>
+                </a:solidFill>
+                <a:latin typeface="Calibri"/>
+                <a:cs typeface="Calibri"/>
+                <a:sym typeface="Calibri"/>
+              </a:rPr>
+              <a:t>Posibilidades</a:t>
+            </a:r>
+            <a:r>
+              <a:rPr lang="es-ES" sz="3200" i="1" dirty="0">
+                <a:solidFill>
+                  <a:schemeClr val="bg1">
+                    <a:lumMod val="95000"/>
+                  </a:schemeClr>
+                </a:solidFill>
+                <a:latin typeface="Calibri"/>
+                <a:cs typeface="Calibri"/>
+                <a:sym typeface="Calibri"/>
+              </a:rPr>
+              <a:t>:</a:t>
             </a:r>
           </a:p>
           <a:p>
@@ -16617,10 +17891,190 @@
           </a:p>
         </p:txBody>
       </p:sp>
+      <p:pic>
+        <p:nvPicPr>
+          <p:cNvPr id="7" name="Picture 4">
+            <a:extLst>
+              <a:ext uri="{FF2B5EF4-FFF2-40B4-BE49-F238E27FC236}">
+                <a16:creationId xmlns:a16="http://schemas.microsoft.com/office/drawing/2014/main" id="{AE192DB4-09AB-4DFB-AC50-EE57C749C795}"/>
+              </a:ext>
+            </a:extLst>
+          </p:cNvPr>
+          <p:cNvPicPr>
+            <a:picLocks noChangeAspect="1" noChangeArrowheads="1"/>
+          </p:cNvPicPr>
+          <p:nvPr/>
+        </p:nvPicPr>
+        <p:blipFill>
+          <a:blip r:embed="rId4">
+            <a:extLst>
+              <a:ext uri="{28A0092B-C50C-407E-A947-70E740481C1C}">
+                <a14:useLocalDpi xmlns:a14="http://schemas.microsoft.com/office/drawing/2010/main" val="0"/>
+              </a:ext>
+            </a:extLst>
+          </a:blip>
+          <a:srcRect/>
+          <a:stretch>
+            <a:fillRect/>
+          </a:stretch>
+        </p:blipFill>
+        <p:spPr bwMode="auto">
+          <a:xfrm>
+            <a:off x="743491" y="4377686"/>
+            <a:ext cx="2768462" cy="2080800"/>
+          </a:xfrm>
+          <a:prstGeom prst="rect">
+            <a:avLst/>
+          </a:prstGeom>
+          <a:noFill/>
+          <a:ln>
+            <a:noFill/>
+          </a:ln>
+          <a:extLst>
+            <a:ext uri="{909E8E84-426E-40DD-AFC4-6F175D3DCCD1}">
+              <a14:hiddenFill xmlns:a14="http://schemas.microsoft.com/office/drawing/2010/main">
+                <a:solidFill>
+                  <a:srgbClr val="FFFFFF"/>
+                </a:solidFill>
+              </a14:hiddenFill>
+            </a:ext>
+            <a:ext uri="{91240B29-F687-4F45-9708-019B960494DF}">
+              <a14:hiddenLine xmlns:a14="http://schemas.microsoft.com/office/drawing/2010/main" w="12700" cap="flat">
+                <a:solidFill>
+                  <a:srgbClr val="000000"/>
+                </a:solidFill>
+                <a:miter lim="800000"/>
+                <a:headEnd/>
+                <a:tailEnd/>
+              </a14:hiddenLine>
+            </a:ext>
+          </a:extLst>
+        </p:spPr>
+      </p:pic>
+      <p:pic>
+        <p:nvPicPr>
+          <p:cNvPr id="8" name="Picture 5">
+            <a:extLst>
+              <a:ext uri="{FF2B5EF4-FFF2-40B4-BE49-F238E27FC236}">
+                <a16:creationId xmlns:a16="http://schemas.microsoft.com/office/drawing/2014/main" id="{051E9C04-0571-47F3-9A7C-61C7672C21FA}"/>
+              </a:ext>
+            </a:extLst>
+          </p:cNvPr>
+          <p:cNvPicPr>
+            <a:picLocks noChangeAspect="1" noChangeArrowheads="1"/>
+          </p:cNvPicPr>
+          <p:nvPr/>
+        </p:nvPicPr>
+        <p:blipFill>
+          <a:blip r:embed="rId5">
+            <a:extLst>
+              <a:ext uri="{28A0092B-C50C-407E-A947-70E740481C1C}">
+                <a14:useLocalDpi xmlns:a14="http://schemas.microsoft.com/office/drawing/2010/main" val="0"/>
+              </a:ext>
+            </a:extLst>
+          </a:blip>
+          <a:srcRect/>
+          <a:stretch>
+            <a:fillRect/>
+          </a:stretch>
+        </p:blipFill>
+        <p:spPr bwMode="auto">
+          <a:xfrm>
+            <a:off x="8685508" y="4418961"/>
+            <a:ext cx="2769641" cy="2080800"/>
+          </a:xfrm>
+          <a:prstGeom prst="rect">
+            <a:avLst/>
+          </a:prstGeom>
+          <a:noFill/>
+          <a:ln>
+            <a:noFill/>
+          </a:ln>
+          <a:extLst>
+            <a:ext uri="{909E8E84-426E-40DD-AFC4-6F175D3DCCD1}">
+              <a14:hiddenFill xmlns:a14="http://schemas.microsoft.com/office/drawing/2010/main">
+                <a:solidFill>
+                  <a:srgbClr val="FFFFFF"/>
+                </a:solidFill>
+              </a14:hiddenFill>
+            </a:ext>
+            <a:ext uri="{91240B29-F687-4F45-9708-019B960494DF}">
+              <a14:hiddenLine xmlns:a14="http://schemas.microsoft.com/office/drawing/2010/main" w="12700" cap="flat">
+                <a:solidFill>
+                  <a:srgbClr val="000000"/>
+                </a:solidFill>
+                <a:miter lim="800000"/>
+                <a:headEnd/>
+                <a:tailEnd/>
+              </a14:hiddenLine>
+            </a:ext>
+          </a:extLst>
+        </p:spPr>
+      </p:pic>
+      <p:pic>
+        <p:nvPicPr>
+          <p:cNvPr id="9" name="Picture 6">
+            <a:extLst>
+              <a:ext uri="{FF2B5EF4-FFF2-40B4-BE49-F238E27FC236}">
+                <a16:creationId xmlns:a16="http://schemas.microsoft.com/office/drawing/2014/main" id="{4E88B9A8-A5FF-49D9-95C4-0DEE4C6D3358}"/>
+              </a:ext>
+            </a:extLst>
+          </p:cNvPr>
+          <p:cNvPicPr>
+            <a:picLocks noChangeAspect="1" noChangeArrowheads="1"/>
+          </p:cNvPicPr>
+          <p:nvPr/>
+        </p:nvPicPr>
+        <p:blipFill>
+          <a:blip r:embed="rId6">
+            <a:extLst>
+              <a:ext uri="{28A0092B-C50C-407E-A947-70E740481C1C}">
+                <a14:useLocalDpi xmlns:a14="http://schemas.microsoft.com/office/drawing/2010/main" val="0"/>
+              </a:ext>
+            </a:extLst>
+          </a:blip>
+          <a:srcRect/>
+          <a:stretch>
+            <a:fillRect/>
+          </a:stretch>
+        </p:blipFill>
+        <p:spPr bwMode="auto">
+          <a:xfrm>
+            <a:off x="4790292" y="4418961"/>
+            <a:ext cx="2769641" cy="2080800"/>
+          </a:xfrm>
+          <a:prstGeom prst="rect">
+            <a:avLst/>
+          </a:prstGeom>
+          <a:noFill/>
+          <a:ln>
+            <a:noFill/>
+          </a:ln>
+          <a:extLst>
+            <a:ext uri="{909E8E84-426E-40DD-AFC4-6F175D3DCCD1}">
+              <a14:hiddenFill xmlns:a14="http://schemas.microsoft.com/office/drawing/2010/main">
+                <a:solidFill>
+                  <a:srgbClr val="FFFFFF"/>
+                </a:solidFill>
+              </a14:hiddenFill>
+            </a:ext>
+            <a:ext uri="{91240B29-F687-4F45-9708-019B960494DF}">
+              <a14:hiddenLine xmlns:a14="http://schemas.microsoft.com/office/drawing/2010/main" w="12700" cap="flat">
+                <a:solidFill>
+                  <a:srgbClr val="000000"/>
+                </a:solidFill>
+                <a:miter lim="800000"/>
+                <a:headEnd/>
+                <a:tailEnd/>
+              </a14:hiddenLine>
+            </a:ext>
+          </a:extLst>
+        </p:spPr>
+      </p:pic>
     </p:spTree>
     <p:extLst>
       <p:ext uri="{BB962C8B-B14F-4D97-AF65-F5344CB8AC3E}">
-        <p14:creationId xmlns:p14="http://schemas.microsoft.com/office/powerpoint/2010/main" val="1153717640"/>
+        <p14:creationId xmlns:p14="http://schemas.microsoft.com/office/powerpoint/2010/main" val="2317440212"/>
       </p:ext>
     </p:extLst>
   </p:cSld>
@@ -16630,7 +18084,7 @@
 </p:sld>
 </file>
 
-<file path=ppt/slides/slide5.xml><?xml version="1.0" encoding="utf-8"?>
+<file path=ppt/slides/slide6.xml><?xml version="1.0" encoding="utf-8"?>
 <p:sld xmlns:a="http://schemas.openxmlformats.org/drawingml/2006/main" xmlns:r="http://schemas.openxmlformats.org/officeDocument/2006/relationships" xmlns:p="http://schemas.openxmlformats.org/presentationml/2006/main">
   <p:cSld>
     <p:spTree>
@@ -17609,7 +19063,7 @@
 </p:sld>
 </file>
 
-<file path=ppt/slides/slide6.xml><?xml version="1.0" encoding="utf-8"?>
+<file path=ppt/slides/slide7.xml><?xml version="1.0" encoding="utf-8"?>
 <p:sld xmlns:a="http://schemas.openxmlformats.org/drawingml/2006/main" xmlns:r="http://schemas.openxmlformats.org/officeDocument/2006/relationships" xmlns:p="http://schemas.openxmlformats.org/presentationml/2006/main">
   <p:cSld>
     <p:spTree>
@@ -18025,7 +19479,247 @@
 </p:sld>
 </file>
 
-<file path=ppt/slides/slide7.xml><?xml version="1.0" encoding="utf-8"?>
+<file path=ppt/slides/slide8.xml><?xml version="1.0" encoding="utf-8"?>
+<p:sld xmlns:a="http://schemas.openxmlformats.org/drawingml/2006/main" xmlns:r="http://schemas.openxmlformats.org/officeDocument/2006/relationships" xmlns:p="http://schemas.openxmlformats.org/presentationml/2006/main">
+  <p:cSld>
+    <p:spTree>
+      <p:nvGrpSpPr>
+        <p:cNvPr id="1" name="Shape 90"/>
+        <p:cNvGrpSpPr/>
+        <p:nvPr/>
+      </p:nvGrpSpPr>
+      <p:grpSpPr>
+        <a:xfrm>
+          <a:off x="0" y="0"/>
+          <a:ext cx="0" cy="0"/>
+          <a:chOff x="0" y="0"/>
+          <a:chExt cx="0" cy="0"/>
+        </a:xfrm>
+      </p:grpSpPr>
+      <p:sp>
+        <p:nvSpPr>
+          <p:cNvPr id="91" name="Google Shape;91;p2"/>
+          <p:cNvSpPr txBox="1">
+            <a:spLocks noGrp="1"/>
+          </p:cNvSpPr>
+          <p:nvPr>
+            <p:ph type="title"/>
+          </p:nvPr>
+        </p:nvSpPr>
+        <p:spPr>
+          <a:xfrm>
+            <a:off x="716902" y="290092"/>
+            <a:ext cx="10515600" cy="1325563"/>
+          </a:xfrm>
+          <a:prstGeom prst="rect">
+            <a:avLst/>
+          </a:prstGeom>
+          <a:noFill/>
+          <a:ln>
+            <a:noFill/>
+          </a:ln>
+        </p:spPr>
+        <p:txBody>
+          <a:bodyPr spcFirstLastPara="1" wrap="square" lIns="91425" tIns="45700" rIns="91425" bIns="45700" anchor="ctr" anchorCtr="0">
+            <a:normAutofit/>
+          </a:bodyPr>
+          <a:lstStyle/>
+          <a:p>
+            <a:pPr marL="0" lvl="0" indent="0" algn="l" rtl="0">
+              <a:lnSpc>
+                <a:spcPct val="90000"/>
+              </a:lnSpc>
+              <a:spcBef>
+                <a:spcPts val="0"/>
+              </a:spcBef>
+              <a:spcAft>
+                <a:spcPts val="0"/>
+              </a:spcAft>
+              <a:buClr>
+                <a:schemeClr val="lt1"/>
+              </a:buClr>
+              <a:buSzPts val="4400"/>
+              <a:buFont typeface="Calibri"/>
+              <a:buNone/>
+            </a:pPr>
+            <a:r>
+              <a:rPr lang="es-ES" dirty="0" err="1"/>
+              <a:t>OpenCV</a:t>
+            </a:r>
+            <a:endParaRPr dirty="0"/>
+          </a:p>
+        </p:txBody>
+      </p:sp>
+      <p:sp>
+        <p:nvSpPr>
+          <p:cNvPr id="93" name="Google Shape;93;p2"/>
+          <p:cNvSpPr/>
+          <p:nvPr/>
+        </p:nvSpPr>
+        <p:spPr>
+          <a:xfrm>
+            <a:off x="497691" y="763312"/>
+            <a:ext cx="90138" cy="654341"/>
+          </a:xfrm>
+          <a:prstGeom prst="rect">
+            <a:avLst/>
+          </a:prstGeom>
+          <a:solidFill>
+            <a:srgbClr val="C00000"/>
+          </a:solidFill>
+          <a:ln>
+            <a:noFill/>
+          </a:ln>
+        </p:spPr>
+        <p:txBody>
+          <a:bodyPr spcFirstLastPara="1" wrap="square" lIns="91425" tIns="45700" rIns="91425" bIns="45700" anchor="ctr" anchorCtr="0">
+            <a:noAutofit/>
+          </a:bodyPr>
+          <a:lstStyle/>
+          <a:p>
+            <a:pPr marL="0" marR="0" lvl="0" indent="0" algn="ctr" rtl="0">
+              <a:lnSpc>
+                <a:spcPct val="100000"/>
+              </a:lnSpc>
+              <a:spcBef>
+                <a:spcPts val="0"/>
+              </a:spcBef>
+              <a:spcAft>
+                <a:spcPts val="0"/>
+              </a:spcAft>
+              <a:buClr>
+                <a:srgbClr val="000000"/>
+              </a:buClr>
+              <a:buSzPts val="1800"/>
+              <a:buFont typeface="Arial"/>
+              <a:buNone/>
+            </a:pPr>
+            <a:endParaRPr sz="1800" b="0" i="0" u="none" strike="noStrike" cap="none">
+              <a:solidFill>
+                <a:schemeClr val="lt1"/>
+              </a:solidFill>
+              <a:latin typeface="Calibri"/>
+              <a:ea typeface="Calibri"/>
+              <a:cs typeface="Calibri"/>
+              <a:sym typeface="Calibri"/>
+            </a:endParaRPr>
+          </a:p>
+        </p:txBody>
+      </p:sp>
+      <p:pic>
+        <p:nvPicPr>
+          <p:cNvPr id="6" name="Picture 4" descr="Adding OpenCV 4.1.2 to Visual Studio 2019 Project in Windows using  Pre-built binaries | by Ye Joo Park | Medium">
+            <a:extLst>
+              <a:ext uri="{FF2B5EF4-FFF2-40B4-BE49-F238E27FC236}">
+                <a16:creationId xmlns:a16="http://schemas.microsoft.com/office/drawing/2014/main" id="{21C87F93-37F3-4740-B471-E34D243F6EAB}"/>
+              </a:ext>
+            </a:extLst>
+          </p:cNvPr>
+          <p:cNvPicPr>
+            <a:picLocks noChangeAspect="1" noChangeArrowheads="1"/>
+          </p:cNvPicPr>
+          <p:nvPr/>
+        </p:nvPicPr>
+        <p:blipFill rotWithShape="1">
+          <a:blip r:embed="rId3">
+            <a:clrChange>
+              <a:clrFrom>
+                <a:srgbClr val="000000"/>
+              </a:clrFrom>
+              <a:clrTo>
+                <a:srgbClr val="000000">
+                  <a:alpha val="0"/>
+                </a:srgbClr>
+              </a:clrTo>
+            </a:clrChange>
+            <a:extLst>
+              <a:ext uri="{28A0092B-C50C-407E-A947-70E740481C1C}">
+                <a14:useLocalDpi xmlns:a14="http://schemas.microsoft.com/office/drawing/2010/main" val="0"/>
+              </a:ext>
+            </a:extLst>
+          </a:blip>
+          <a:srcRect l="70200" t="25715" r="12100" b="22143"/>
+          <a:stretch/>
+        </p:blipFill>
+        <p:spPr bwMode="auto">
+          <a:xfrm>
+            <a:off x="10680456" y="309142"/>
+            <a:ext cx="1104091" cy="1366079"/>
+          </a:xfrm>
+          <a:prstGeom prst="rect">
+            <a:avLst/>
+          </a:prstGeom>
+          <a:noFill/>
+          <a:extLst>
+            <a:ext uri="{909E8E84-426E-40DD-AFC4-6F175D3DCCD1}">
+              <a14:hiddenFill xmlns:a14="http://schemas.microsoft.com/office/drawing/2010/main">
+                <a:solidFill>
+                  <a:srgbClr val="FFFFFF"/>
+                </a:solidFill>
+              </a14:hiddenFill>
+            </a:ext>
+          </a:extLst>
+        </p:spPr>
+      </p:pic>
+      <p:pic>
+        <p:nvPicPr>
+          <p:cNvPr id="1026" name="Picture 2">
+            <a:extLst>
+              <a:ext uri="{FF2B5EF4-FFF2-40B4-BE49-F238E27FC236}">
+                <a16:creationId xmlns:a16="http://schemas.microsoft.com/office/drawing/2014/main" id="{CDE4F1E1-E60C-4C33-8620-3379A291DB9B}"/>
+              </a:ext>
+            </a:extLst>
+          </p:cNvPr>
+          <p:cNvPicPr>
+            <a:picLocks noChangeAspect="1" noChangeArrowheads="1"/>
+          </p:cNvPicPr>
+          <p:nvPr/>
+        </p:nvPicPr>
+        <p:blipFill rotWithShape="1">
+          <a:blip r:embed="rId4">
+            <a:extLst>
+              <a:ext uri="{28A0092B-C50C-407E-A947-70E740481C1C}">
+                <a14:useLocalDpi xmlns:a14="http://schemas.microsoft.com/office/drawing/2010/main" val="0"/>
+              </a:ext>
+            </a:extLst>
+          </a:blip>
+          <a:srcRect l="15782" t="25681" r="20131" b="17545"/>
+          <a:stretch/>
+        </p:blipFill>
+        <p:spPr bwMode="auto">
+          <a:xfrm>
+            <a:off x="3426541" y="1990295"/>
+            <a:ext cx="5338917" cy="3547333"/>
+          </a:xfrm>
+          <a:prstGeom prst="rect">
+            <a:avLst/>
+          </a:prstGeom>
+          <a:noFill/>
+          <a:extLst>
+            <a:ext uri="{909E8E84-426E-40DD-AFC4-6F175D3DCCD1}">
+              <a14:hiddenFill xmlns:a14="http://schemas.microsoft.com/office/drawing/2010/main">
+                <a:solidFill>
+                  <a:srgbClr val="FFFFFF"/>
+                </a:solidFill>
+              </a14:hiddenFill>
+            </a:ext>
+          </a:extLst>
+        </p:spPr>
+      </p:pic>
+    </p:spTree>
+    <p:extLst>
+      <p:ext uri="{BB962C8B-B14F-4D97-AF65-F5344CB8AC3E}">
+        <p14:creationId xmlns:p14="http://schemas.microsoft.com/office/powerpoint/2010/main" val="1920300517"/>
+      </p:ext>
+    </p:extLst>
+  </p:cSld>
+  <p:clrMapOvr>
+    <a:masterClrMapping/>
+  </p:clrMapOvr>
+</p:sld>
+</file>
+
+<file path=ppt/slides/slide9.xml><?xml version="1.0" encoding="utf-8"?>
 <p:sld xmlns:a="http://schemas.openxmlformats.org/drawingml/2006/main" xmlns:r="http://schemas.openxmlformats.org/officeDocument/2006/relationships" xmlns:p="http://schemas.openxmlformats.org/presentationml/2006/main">
   <p:cSld>
     <p:spTree>
@@ -18376,578 +20070,6 @@
     <p:extLst>
       <p:ext uri="{BB962C8B-B14F-4D97-AF65-F5344CB8AC3E}">
         <p14:creationId xmlns:p14="http://schemas.microsoft.com/office/powerpoint/2010/main" val="1974022455"/>
-      </p:ext>
-    </p:extLst>
-  </p:cSld>
-  <p:clrMapOvr>
-    <a:masterClrMapping/>
-  </p:clrMapOvr>
-</p:sld>
-</file>
-
-<file path=ppt/slides/slide8.xml><?xml version="1.0" encoding="utf-8"?>
-<p:sld xmlns:a="http://schemas.openxmlformats.org/drawingml/2006/main" xmlns:r="http://schemas.openxmlformats.org/officeDocument/2006/relationships" xmlns:p="http://schemas.openxmlformats.org/presentationml/2006/main">
-  <p:cSld>
-    <p:spTree>
-      <p:nvGrpSpPr>
-        <p:cNvPr id="1" name="Shape 90"/>
-        <p:cNvGrpSpPr/>
-        <p:nvPr/>
-      </p:nvGrpSpPr>
-      <p:grpSpPr>
-        <a:xfrm>
-          <a:off x="0" y="0"/>
-          <a:ext cx="0" cy="0"/>
-          <a:chOff x="0" y="0"/>
-          <a:chExt cx="0" cy="0"/>
-        </a:xfrm>
-      </p:grpSpPr>
-      <p:sp>
-        <p:nvSpPr>
-          <p:cNvPr id="91" name="Google Shape;91;p2"/>
-          <p:cNvSpPr txBox="1">
-            <a:spLocks noGrp="1"/>
-          </p:cNvSpPr>
-          <p:nvPr>
-            <p:ph type="title"/>
-          </p:nvPr>
-        </p:nvSpPr>
-        <p:spPr>
-          <a:xfrm>
-            <a:off x="716902" y="290092"/>
-            <a:ext cx="10515600" cy="1325563"/>
-          </a:xfrm>
-          <a:prstGeom prst="rect">
-            <a:avLst/>
-          </a:prstGeom>
-          <a:noFill/>
-          <a:ln>
-            <a:noFill/>
-          </a:ln>
-        </p:spPr>
-        <p:txBody>
-          <a:bodyPr spcFirstLastPara="1" wrap="square" lIns="91425" tIns="45700" rIns="91425" bIns="45700" anchor="ctr" anchorCtr="0">
-            <a:normAutofit/>
-          </a:bodyPr>
-          <a:lstStyle/>
-          <a:p>
-            <a:pPr marL="0" lvl="0" indent="0" algn="l" rtl="0">
-              <a:lnSpc>
-                <a:spcPct val="90000"/>
-              </a:lnSpc>
-              <a:spcBef>
-                <a:spcPts val="0"/>
-              </a:spcBef>
-              <a:spcAft>
-                <a:spcPts val="0"/>
-              </a:spcAft>
-              <a:buClr>
-                <a:schemeClr val="lt1"/>
-              </a:buClr>
-              <a:buSzPts val="4400"/>
-              <a:buFont typeface="Calibri"/>
-              <a:buNone/>
-            </a:pPr>
-            <a:r>
-              <a:rPr lang="es-ES" dirty="0" err="1"/>
-              <a:t>OpenCV</a:t>
-            </a:r>
-            <a:endParaRPr dirty="0"/>
-          </a:p>
-        </p:txBody>
-      </p:sp>
-      <p:sp>
-        <p:nvSpPr>
-          <p:cNvPr id="93" name="Google Shape;93;p2"/>
-          <p:cNvSpPr/>
-          <p:nvPr/>
-        </p:nvSpPr>
-        <p:spPr>
-          <a:xfrm>
-            <a:off x="497691" y="763312"/>
-            <a:ext cx="90138" cy="654341"/>
-          </a:xfrm>
-          <a:prstGeom prst="rect">
-            <a:avLst/>
-          </a:prstGeom>
-          <a:solidFill>
-            <a:srgbClr val="C00000"/>
-          </a:solidFill>
-          <a:ln>
-            <a:noFill/>
-          </a:ln>
-        </p:spPr>
-        <p:txBody>
-          <a:bodyPr spcFirstLastPara="1" wrap="square" lIns="91425" tIns="45700" rIns="91425" bIns="45700" anchor="ctr" anchorCtr="0">
-            <a:noAutofit/>
-          </a:bodyPr>
-          <a:lstStyle/>
-          <a:p>
-            <a:pPr marL="0" marR="0" lvl="0" indent="0" algn="ctr" rtl="0">
-              <a:lnSpc>
-                <a:spcPct val="100000"/>
-              </a:lnSpc>
-              <a:spcBef>
-                <a:spcPts val="0"/>
-              </a:spcBef>
-              <a:spcAft>
-                <a:spcPts val="0"/>
-              </a:spcAft>
-              <a:buClr>
-                <a:srgbClr val="000000"/>
-              </a:buClr>
-              <a:buSzPts val="1800"/>
-              <a:buFont typeface="Arial"/>
-              <a:buNone/>
-            </a:pPr>
-            <a:endParaRPr sz="1800" b="0" i="0" u="none" strike="noStrike" cap="none">
-              <a:solidFill>
-                <a:schemeClr val="lt1"/>
-              </a:solidFill>
-              <a:latin typeface="Calibri"/>
-              <a:ea typeface="Calibri"/>
-              <a:cs typeface="Calibri"/>
-              <a:sym typeface="Calibri"/>
-            </a:endParaRPr>
-          </a:p>
-        </p:txBody>
-      </p:sp>
-      <p:pic>
-        <p:nvPicPr>
-          <p:cNvPr id="6" name="Picture 4" descr="Adding OpenCV 4.1.2 to Visual Studio 2019 Project in Windows using  Pre-built binaries | by Ye Joo Park | Medium">
-            <a:extLst>
-              <a:ext uri="{FF2B5EF4-FFF2-40B4-BE49-F238E27FC236}">
-                <a16:creationId xmlns:a16="http://schemas.microsoft.com/office/drawing/2014/main" id="{21C87F93-37F3-4740-B471-E34D243F6EAB}"/>
-              </a:ext>
-            </a:extLst>
-          </p:cNvPr>
-          <p:cNvPicPr>
-            <a:picLocks noChangeAspect="1" noChangeArrowheads="1"/>
-          </p:cNvPicPr>
-          <p:nvPr/>
-        </p:nvPicPr>
-        <p:blipFill rotWithShape="1">
-          <a:blip r:embed="rId3">
-            <a:clrChange>
-              <a:clrFrom>
-                <a:srgbClr val="000000"/>
-              </a:clrFrom>
-              <a:clrTo>
-                <a:srgbClr val="000000">
-                  <a:alpha val="0"/>
-                </a:srgbClr>
-              </a:clrTo>
-            </a:clrChange>
-            <a:extLst>
-              <a:ext uri="{28A0092B-C50C-407E-A947-70E740481C1C}">
-                <a14:useLocalDpi xmlns:a14="http://schemas.microsoft.com/office/drawing/2010/main" val="0"/>
-              </a:ext>
-            </a:extLst>
-          </a:blip>
-          <a:srcRect l="70200" t="25715" r="12100" b="22143"/>
-          <a:stretch/>
-        </p:blipFill>
-        <p:spPr bwMode="auto">
-          <a:xfrm>
-            <a:off x="10680456" y="309142"/>
-            <a:ext cx="1104091" cy="1366079"/>
-          </a:xfrm>
-          <a:prstGeom prst="rect">
-            <a:avLst/>
-          </a:prstGeom>
-          <a:noFill/>
-          <a:extLst>
-            <a:ext uri="{909E8E84-426E-40DD-AFC4-6F175D3DCCD1}">
-              <a14:hiddenFill xmlns:a14="http://schemas.microsoft.com/office/drawing/2010/main">
-                <a:solidFill>
-                  <a:srgbClr val="FFFFFF"/>
-                </a:solidFill>
-              </a14:hiddenFill>
-            </a:ext>
-          </a:extLst>
-        </p:spPr>
-      </p:pic>
-      <p:sp>
-        <p:nvSpPr>
-          <p:cNvPr id="63" name="Google Shape;128;p34">
-            <a:extLst>
-              <a:ext uri="{FF2B5EF4-FFF2-40B4-BE49-F238E27FC236}">
-                <a16:creationId xmlns:a16="http://schemas.microsoft.com/office/drawing/2014/main" id="{5609CFF8-8B58-4AEB-AF04-D3EB36FC139C}"/>
-              </a:ext>
-            </a:extLst>
-          </p:cNvPr>
-          <p:cNvSpPr/>
-          <p:nvPr/>
-        </p:nvSpPr>
-        <p:spPr>
-          <a:xfrm>
-            <a:off x="716902" y="1417653"/>
-            <a:ext cx="10743578" cy="4524275"/>
-          </a:xfrm>
-          <a:prstGeom prst="rect">
-            <a:avLst/>
-          </a:prstGeom>
-          <a:noFill/>
-          <a:ln>
-            <a:noFill/>
-          </a:ln>
-        </p:spPr>
-        <p:txBody>
-          <a:bodyPr spcFirstLastPara="1" wrap="square" lIns="91425" tIns="45700" rIns="91425" bIns="45700" anchor="t" anchorCtr="0">
-            <a:spAutoFit/>
-          </a:bodyPr>
-          <a:lstStyle/>
-          <a:p>
-            <a:pPr marR="0" lvl="0" algn="ctr" rtl="0">
-              <a:lnSpc>
-                <a:spcPct val="100000"/>
-              </a:lnSpc>
-              <a:spcBef>
-                <a:spcPts val="0"/>
-              </a:spcBef>
-              <a:spcAft>
-                <a:spcPts val="0"/>
-              </a:spcAft>
-              <a:buClr>
-                <a:schemeClr val="bg1"/>
-              </a:buClr>
-              <a:buSzPts val="2400"/>
-            </a:pPr>
-            <a:r>
-              <a:rPr lang="es-ES" sz="3200" i="1" dirty="0">
-                <a:solidFill>
-                  <a:schemeClr val="bg1">
-                    <a:lumMod val="95000"/>
-                  </a:schemeClr>
-                </a:solidFill>
-                <a:latin typeface="Calibri"/>
-                <a:cs typeface="Calibri"/>
-                <a:sym typeface="Calibri"/>
-              </a:rPr>
-              <a:t>Fuentes y recursos:</a:t>
-            </a:r>
-          </a:p>
-          <a:p>
-            <a:pPr marR="0" lvl="0" algn="ctr" rtl="0">
-              <a:lnSpc>
-                <a:spcPct val="100000"/>
-              </a:lnSpc>
-              <a:spcBef>
-                <a:spcPts val="0"/>
-              </a:spcBef>
-              <a:spcAft>
-                <a:spcPts val="0"/>
-              </a:spcAft>
-              <a:buClr>
-                <a:schemeClr val="bg1"/>
-              </a:buClr>
-              <a:buSzPts val="2400"/>
-            </a:pPr>
-            <a:endParaRPr lang="es-ES" sz="3200" i="1" dirty="0">
-              <a:solidFill>
-                <a:schemeClr val="bg1">
-                  <a:lumMod val="95000"/>
-                </a:schemeClr>
-              </a:solidFill>
-              <a:latin typeface="Calibri"/>
-              <a:cs typeface="Calibri"/>
-              <a:sym typeface="Calibri"/>
-            </a:endParaRPr>
-          </a:p>
-          <a:p>
-            <a:pPr marL="457200" marR="0" lvl="0" indent="-457200" rtl="0">
-              <a:lnSpc>
-                <a:spcPct val="100000"/>
-              </a:lnSpc>
-              <a:spcBef>
-                <a:spcPts val="0"/>
-              </a:spcBef>
-              <a:spcAft>
-                <a:spcPts val="0"/>
-              </a:spcAft>
-              <a:buClr>
-                <a:schemeClr val="bg1"/>
-              </a:buClr>
-              <a:buSzPts val="2400"/>
-              <a:buFont typeface="Arial" panose="020B0604020202020204" pitchFamily="34" charset="0"/>
-              <a:buChar char="•"/>
-            </a:pPr>
-            <a:r>
-              <a:rPr lang="es-ES" sz="2400" i="1" dirty="0">
-                <a:solidFill>
-                  <a:schemeClr val="bg1">
-                    <a:lumMod val="95000"/>
-                  </a:schemeClr>
-                </a:solidFill>
-                <a:latin typeface="Calibri"/>
-                <a:cs typeface="Calibri"/>
-                <a:sym typeface="Calibri"/>
-                <a:hlinkClick r:id="rId4"/>
-              </a:rPr>
-              <a:t>https://www.youtube.com/watch?v=oXlwWbU8l2o</a:t>
-            </a:r>
-            <a:endParaRPr lang="es-ES" sz="2400" i="1" dirty="0">
-              <a:solidFill>
-                <a:schemeClr val="bg1">
-                  <a:lumMod val="95000"/>
-                </a:schemeClr>
-              </a:solidFill>
-              <a:latin typeface="Calibri"/>
-              <a:cs typeface="Calibri"/>
-              <a:sym typeface="Calibri"/>
-            </a:endParaRPr>
-          </a:p>
-          <a:p>
-            <a:pPr marL="457200" marR="0" lvl="0" indent="-457200" rtl="0">
-              <a:lnSpc>
-                <a:spcPct val="100000"/>
-              </a:lnSpc>
-              <a:spcBef>
-                <a:spcPts val="0"/>
-              </a:spcBef>
-              <a:spcAft>
-                <a:spcPts val="0"/>
-              </a:spcAft>
-              <a:buClr>
-                <a:schemeClr val="bg1"/>
-              </a:buClr>
-              <a:buSzPts val="2400"/>
-              <a:buFont typeface="Arial" panose="020B0604020202020204" pitchFamily="34" charset="0"/>
-              <a:buChar char="•"/>
-            </a:pPr>
-            <a:endParaRPr lang="es-ES" sz="2400" i="1" dirty="0">
-              <a:solidFill>
-                <a:schemeClr val="bg1">
-                  <a:lumMod val="95000"/>
-                </a:schemeClr>
-              </a:solidFill>
-              <a:latin typeface="Calibri"/>
-              <a:cs typeface="Calibri"/>
-              <a:sym typeface="Calibri"/>
-            </a:endParaRPr>
-          </a:p>
-          <a:p>
-            <a:pPr marL="457200" marR="0" lvl="0" indent="-457200" rtl="0">
-              <a:lnSpc>
-                <a:spcPct val="100000"/>
-              </a:lnSpc>
-              <a:spcBef>
-                <a:spcPts val="0"/>
-              </a:spcBef>
-              <a:spcAft>
-                <a:spcPts val="0"/>
-              </a:spcAft>
-              <a:buClr>
-                <a:schemeClr val="bg1"/>
-              </a:buClr>
-              <a:buSzPts val="2400"/>
-              <a:buFont typeface="Arial" panose="020B0604020202020204" pitchFamily="34" charset="0"/>
-              <a:buChar char="•"/>
-            </a:pPr>
-            <a:r>
-              <a:rPr lang="es-ES" sz="2400" i="1" dirty="0">
-                <a:solidFill>
-                  <a:schemeClr val="bg1">
-                    <a:lumMod val="95000"/>
-                  </a:schemeClr>
-                </a:solidFill>
-                <a:latin typeface="Calibri"/>
-                <a:cs typeface="Calibri"/>
-                <a:sym typeface="Calibri"/>
-                <a:hlinkClick r:id="rId5"/>
-              </a:rPr>
-              <a:t>https://www.youtube.com/watch?v=eLTLtUVuuy4&amp;list=PLLRqobernyIRjTleiXupYZUNlwgYDtDZh&amp;index=2&amp;ab_channel=ProgrammingKnowledge</a:t>
-            </a:r>
-            <a:endParaRPr lang="es-ES" sz="2400" i="1" dirty="0">
-              <a:solidFill>
-                <a:schemeClr val="bg1">
-                  <a:lumMod val="95000"/>
-                </a:schemeClr>
-              </a:solidFill>
-              <a:latin typeface="Calibri"/>
-              <a:cs typeface="Calibri"/>
-              <a:sym typeface="Calibri"/>
-            </a:endParaRPr>
-          </a:p>
-          <a:p>
-            <a:pPr marL="457200" marR="0" lvl="0" indent="-457200" rtl="0">
-              <a:lnSpc>
-                <a:spcPct val="100000"/>
-              </a:lnSpc>
-              <a:spcBef>
-                <a:spcPts val="0"/>
-              </a:spcBef>
-              <a:spcAft>
-                <a:spcPts val="0"/>
-              </a:spcAft>
-              <a:buClr>
-                <a:schemeClr val="bg1"/>
-              </a:buClr>
-              <a:buSzPts val="2400"/>
-              <a:buFont typeface="Arial" panose="020B0604020202020204" pitchFamily="34" charset="0"/>
-              <a:buChar char="•"/>
-            </a:pPr>
-            <a:endParaRPr lang="es-ES" sz="2400" i="1" dirty="0">
-              <a:solidFill>
-                <a:schemeClr val="bg1">
-                  <a:lumMod val="95000"/>
-                </a:schemeClr>
-              </a:solidFill>
-              <a:latin typeface="Calibri"/>
-              <a:cs typeface="Calibri"/>
-              <a:sym typeface="Calibri"/>
-            </a:endParaRPr>
-          </a:p>
-          <a:p>
-            <a:pPr marL="457200" marR="0" lvl="0" indent="-457200" rtl="0">
-              <a:lnSpc>
-                <a:spcPct val="100000"/>
-              </a:lnSpc>
-              <a:spcBef>
-                <a:spcPts val="0"/>
-              </a:spcBef>
-              <a:spcAft>
-                <a:spcPts val="0"/>
-              </a:spcAft>
-              <a:buClr>
-                <a:schemeClr val="bg1"/>
-              </a:buClr>
-              <a:buSzPts val="2400"/>
-              <a:buFont typeface="Arial" panose="020B0604020202020204" pitchFamily="34" charset="0"/>
-              <a:buChar char="•"/>
-            </a:pPr>
-            <a:r>
-              <a:rPr lang="es-ES" sz="2400" i="1" dirty="0">
-                <a:solidFill>
-                  <a:schemeClr val="bg1">
-                    <a:lumMod val="95000"/>
-                  </a:schemeClr>
-                </a:solidFill>
-                <a:latin typeface="Calibri"/>
-                <a:cs typeface="Calibri"/>
-                <a:sym typeface="Calibri"/>
-                <a:hlinkClick r:id="rId6"/>
-              </a:rPr>
-              <a:t>https://github.com/opencv</a:t>
-            </a:r>
-            <a:endParaRPr lang="es-ES" sz="3200" i="1" dirty="0">
-              <a:solidFill>
-                <a:schemeClr val="bg1">
-                  <a:lumMod val="95000"/>
-                </a:schemeClr>
-              </a:solidFill>
-              <a:latin typeface="Calibri"/>
-              <a:cs typeface="Calibri"/>
-              <a:sym typeface="Calibri"/>
-            </a:endParaRPr>
-          </a:p>
-          <a:p>
-            <a:pPr marL="457200" marR="0" lvl="0" indent="-457200" rtl="0">
-              <a:lnSpc>
-                <a:spcPct val="100000"/>
-              </a:lnSpc>
-              <a:spcBef>
-                <a:spcPts val="0"/>
-              </a:spcBef>
-              <a:spcAft>
-                <a:spcPts val="0"/>
-              </a:spcAft>
-              <a:buClr>
-                <a:schemeClr val="bg1"/>
-              </a:buClr>
-              <a:buSzPts val="2400"/>
-              <a:buFont typeface="Arial" panose="020B0604020202020204" pitchFamily="34" charset="0"/>
-              <a:buChar char="•"/>
-            </a:pPr>
-            <a:endParaRPr lang="es-ES" sz="3200" i="1" dirty="0">
-              <a:solidFill>
-                <a:schemeClr val="bg1">
-                  <a:lumMod val="95000"/>
-                </a:schemeClr>
-              </a:solidFill>
-              <a:latin typeface="Calibri"/>
-              <a:cs typeface="Calibri"/>
-              <a:sym typeface="Calibri"/>
-            </a:endParaRPr>
-          </a:p>
-          <a:p>
-            <a:pPr marL="457200" marR="0" lvl="0" indent="-457200" rtl="0">
-              <a:lnSpc>
-                <a:spcPct val="100000"/>
-              </a:lnSpc>
-              <a:spcBef>
-                <a:spcPts val="0"/>
-              </a:spcBef>
-              <a:spcAft>
-                <a:spcPts val="0"/>
-              </a:spcAft>
-              <a:buClr>
-                <a:schemeClr val="bg1"/>
-              </a:buClr>
-              <a:buSzPts val="2400"/>
-              <a:buFont typeface="Arial" panose="020B0604020202020204" pitchFamily="34" charset="0"/>
-              <a:buChar char="•"/>
-            </a:pPr>
-            <a:r>
-              <a:rPr lang="es-ES" sz="2400" i="1" dirty="0">
-                <a:solidFill>
-                  <a:schemeClr val="bg1">
-                    <a:lumMod val="95000"/>
-                  </a:schemeClr>
-                </a:solidFill>
-                <a:latin typeface="Calibri"/>
-                <a:cs typeface="Calibri"/>
-                <a:sym typeface="Calibri"/>
-                <a:hlinkClick r:id="rId7"/>
-              </a:rPr>
-              <a:t>https://docs.opencv.org/4.x/</a:t>
-            </a:r>
-            <a:endParaRPr lang="es-ES" sz="3200" i="1" dirty="0">
-              <a:solidFill>
-                <a:schemeClr val="bg1">
-                  <a:lumMod val="95000"/>
-                </a:schemeClr>
-              </a:solidFill>
-              <a:latin typeface="Calibri"/>
-              <a:cs typeface="Calibri"/>
-              <a:sym typeface="Calibri"/>
-            </a:endParaRPr>
-          </a:p>
-          <a:p>
-            <a:pPr marL="457200" marR="0" lvl="0" indent="-457200" rtl="0">
-              <a:lnSpc>
-                <a:spcPct val="100000"/>
-              </a:lnSpc>
-              <a:spcBef>
-                <a:spcPts val="0"/>
-              </a:spcBef>
-              <a:spcAft>
-                <a:spcPts val="0"/>
-              </a:spcAft>
-              <a:buClr>
-                <a:schemeClr val="bg1"/>
-              </a:buClr>
-              <a:buSzPts val="2400"/>
-              <a:buFont typeface="Arial" panose="020B0604020202020204" pitchFamily="34" charset="0"/>
-              <a:buChar char="•"/>
-            </a:pPr>
-            <a:endParaRPr lang="es-ES" sz="2400" i="1" dirty="0">
-              <a:solidFill>
-                <a:schemeClr val="bg1">
-                  <a:lumMod val="95000"/>
-                </a:schemeClr>
-              </a:solidFill>
-              <a:latin typeface="Calibri"/>
-              <a:cs typeface="Calibri"/>
-              <a:sym typeface="Calibri"/>
-            </a:endParaRPr>
-          </a:p>
-        </p:txBody>
-      </p:sp>
-    </p:spTree>
-    <p:extLst>
-      <p:ext uri="{BB962C8B-B14F-4D97-AF65-F5344CB8AC3E}">
-        <p14:creationId xmlns:p14="http://schemas.microsoft.com/office/powerpoint/2010/main" val="1231075633"/>
       </p:ext>
     </p:extLst>
   </p:cSld>

--- a/Presentacion_OpenCV.pptx
+++ b/Presentacion_OpenCV.pptx
@@ -5,19 +5,21 @@
     <p:sldMasterId id="2147483648" r:id="rId1"/>
   </p:sldMasterIdLst>
   <p:notesMasterIdLst>
-    <p:notesMasterId r:id="rId12"/>
+    <p:notesMasterId r:id="rId14"/>
   </p:notesMasterIdLst>
   <p:sldIdLst>
     <p:sldId id="256" r:id="rId2"/>
-    <p:sldId id="257" r:id="rId3"/>
-    <p:sldId id="278" r:id="rId4"/>
-    <p:sldId id="277" r:id="rId5"/>
-    <p:sldId id="282" r:id="rId6"/>
-    <p:sldId id="276" r:id="rId7"/>
-    <p:sldId id="279" r:id="rId8"/>
-    <p:sldId id="283" r:id="rId9"/>
-    <p:sldId id="281" r:id="rId10"/>
-    <p:sldId id="280" r:id="rId11"/>
+    <p:sldId id="285" r:id="rId3"/>
+    <p:sldId id="257" r:id="rId4"/>
+    <p:sldId id="284" r:id="rId5"/>
+    <p:sldId id="278" r:id="rId6"/>
+    <p:sldId id="277" r:id="rId7"/>
+    <p:sldId id="282" r:id="rId8"/>
+    <p:sldId id="276" r:id="rId9"/>
+    <p:sldId id="279" r:id="rId10"/>
+    <p:sldId id="283" r:id="rId11"/>
+    <p:sldId id="281" r:id="rId12"/>
+    <p:sldId id="280" r:id="rId13"/>
   </p:sldIdLst>
   <p:sldSz cx="12192000" cy="6858000"/>
   <p:notesSz cx="6858000" cy="9144000"/>
@@ -1079,6 +1081,260 @@
     </p:spTree>
     <p:extLst>
       <p:ext uri="{BB962C8B-B14F-4D97-AF65-F5344CB8AC3E}">
+        <p14:creationId xmlns:p14="http://schemas.microsoft.com/office/powerpoint/2010/main" val="4096017162"/>
+      </p:ext>
+    </p:extLst>
+  </p:cSld>
+  <p:clrMapOvr>
+    <a:masterClrMapping/>
+  </p:clrMapOvr>
+</p:notes>
+</file>
+
+<file path=ppt/notesSlides/notesSlide11.xml><?xml version="1.0" encoding="utf-8"?>
+<p:notes xmlns:a="http://schemas.openxmlformats.org/drawingml/2006/main" xmlns:r="http://schemas.openxmlformats.org/officeDocument/2006/relationships" xmlns:p="http://schemas.openxmlformats.org/presentationml/2006/main" showMasterSp="0" showMasterPhAnim="0">
+  <p:cSld>
+    <p:spTree>
+      <p:nvGrpSpPr>
+        <p:cNvPr id="1" name="Shape 87"/>
+        <p:cNvGrpSpPr/>
+        <p:nvPr/>
+      </p:nvGrpSpPr>
+      <p:grpSpPr>
+        <a:xfrm>
+          <a:off x="0" y="0"/>
+          <a:ext cx="0" cy="0"/>
+          <a:chOff x="0" y="0"/>
+          <a:chExt cx="0" cy="0"/>
+        </a:xfrm>
+      </p:grpSpPr>
+      <p:sp>
+        <p:nvSpPr>
+          <p:cNvPr id="88" name="Google Shape;88;p2:notes"/>
+          <p:cNvSpPr txBox="1">
+            <a:spLocks noGrp="1"/>
+          </p:cNvSpPr>
+          <p:nvPr>
+            <p:ph type="body" idx="1"/>
+          </p:nvPr>
+        </p:nvSpPr>
+        <p:spPr>
+          <a:xfrm>
+            <a:off x="685800" y="4343400"/>
+            <a:ext cx="5486400" cy="4114800"/>
+          </a:xfrm>
+          <a:prstGeom prst="rect">
+            <a:avLst/>
+          </a:prstGeom>
+          <a:noFill/>
+          <a:ln>
+            <a:noFill/>
+          </a:ln>
+        </p:spPr>
+        <p:txBody>
+          <a:bodyPr spcFirstLastPara="1" wrap="square" lIns="91425" tIns="91425" rIns="91425" bIns="91425" anchor="t" anchorCtr="0">
+            <a:noAutofit/>
+          </a:bodyPr>
+          <a:lstStyle/>
+          <a:p>
+            <a:pPr marL="0" lvl="0" indent="0" algn="l" rtl="0">
+              <a:lnSpc>
+                <a:spcPct val="100000"/>
+              </a:lnSpc>
+              <a:spcBef>
+                <a:spcPts val="0"/>
+              </a:spcBef>
+              <a:spcAft>
+                <a:spcPts val="0"/>
+              </a:spcAft>
+              <a:buSzPts val="1100"/>
+              <a:buNone/>
+            </a:pPr>
+            <a:endParaRPr/>
+          </a:p>
+        </p:txBody>
+      </p:sp>
+      <p:sp>
+        <p:nvSpPr>
+          <p:cNvPr id="89" name="Google Shape;89;p2:notes"/>
+          <p:cNvSpPr>
+            <a:spLocks noGrp="1" noRot="1" noChangeAspect="1"/>
+          </p:cNvSpPr>
+          <p:nvPr>
+            <p:ph type="sldImg" idx="2"/>
+          </p:nvPr>
+        </p:nvSpPr>
+        <p:spPr>
+          <a:xfrm>
+            <a:off x="381000" y="685800"/>
+            <a:ext cx="6096000" cy="3429000"/>
+          </a:xfrm>
+          <a:custGeom>
+            <a:avLst/>
+            <a:gdLst/>
+            <a:ahLst/>
+            <a:cxnLst/>
+            <a:rect l="l" t="t" r="r" b="b"/>
+            <a:pathLst>
+              <a:path w="120000" h="120000" extrusionOk="0">
+                <a:moveTo>
+                  <a:pt x="0" y="0"/>
+                </a:moveTo>
+                <a:lnTo>
+                  <a:pt x="120000" y="0"/>
+                </a:lnTo>
+                <a:lnTo>
+                  <a:pt x="120000" y="120000"/>
+                </a:lnTo>
+                <a:lnTo>
+                  <a:pt x="0" y="120000"/>
+                </a:lnTo>
+                <a:close/>
+              </a:path>
+            </a:pathLst>
+          </a:custGeom>
+          <a:noFill/>
+          <a:ln w="9525" cap="flat" cmpd="sng">
+            <a:solidFill>
+              <a:srgbClr val="000000"/>
+            </a:solidFill>
+            <a:prstDash val="solid"/>
+            <a:round/>
+            <a:headEnd type="none" w="sm" len="sm"/>
+            <a:tailEnd type="none" w="sm" len="sm"/>
+          </a:ln>
+        </p:spPr>
+      </p:sp>
+    </p:spTree>
+    <p:extLst>
+      <p:ext uri="{BB962C8B-B14F-4D97-AF65-F5344CB8AC3E}">
+        <p14:creationId xmlns:p14="http://schemas.microsoft.com/office/powerpoint/2010/main" val="601349595"/>
+      </p:ext>
+    </p:extLst>
+  </p:cSld>
+  <p:clrMapOvr>
+    <a:masterClrMapping/>
+  </p:clrMapOvr>
+</p:notes>
+</file>
+
+<file path=ppt/notesSlides/notesSlide12.xml><?xml version="1.0" encoding="utf-8"?>
+<p:notes xmlns:a="http://schemas.openxmlformats.org/drawingml/2006/main" xmlns:r="http://schemas.openxmlformats.org/officeDocument/2006/relationships" xmlns:p="http://schemas.openxmlformats.org/presentationml/2006/main" showMasterSp="0" showMasterPhAnim="0">
+  <p:cSld>
+    <p:spTree>
+      <p:nvGrpSpPr>
+        <p:cNvPr id="1" name="Shape 87"/>
+        <p:cNvGrpSpPr/>
+        <p:nvPr/>
+      </p:nvGrpSpPr>
+      <p:grpSpPr>
+        <a:xfrm>
+          <a:off x="0" y="0"/>
+          <a:ext cx="0" cy="0"/>
+          <a:chOff x="0" y="0"/>
+          <a:chExt cx="0" cy="0"/>
+        </a:xfrm>
+      </p:grpSpPr>
+      <p:sp>
+        <p:nvSpPr>
+          <p:cNvPr id="88" name="Google Shape;88;p2:notes"/>
+          <p:cNvSpPr txBox="1">
+            <a:spLocks noGrp="1"/>
+          </p:cNvSpPr>
+          <p:nvPr>
+            <p:ph type="body" idx="1"/>
+          </p:nvPr>
+        </p:nvSpPr>
+        <p:spPr>
+          <a:xfrm>
+            <a:off x="685800" y="4343400"/>
+            <a:ext cx="5486400" cy="4114800"/>
+          </a:xfrm>
+          <a:prstGeom prst="rect">
+            <a:avLst/>
+          </a:prstGeom>
+          <a:noFill/>
+          <a:ln>
+            <a:noFill/>
+          </a:ln>
+        </p:spPr>
+        <p:txBody>
+          <a:bodyPr spcFirstLastPara="1" wrap="square" lIns="91425" tIns="91425" rIns="91425" bIns="91425" anchor="t" anchorCtr="0">
+            <a:noAutofit/>
+          </a:bodyPr>
+          <a:lstStyle/>
+          <a:p>
+            <a:pPr marL="0" lvl="0" indent="0" algn="l" rtl="0">
+              <a:lnSpc>
+                <a:spcPct val="100000"/>
+              </a:lnSpc>
+              <a:spcBef>
+                <a:spcPts val="0"/>
+              </a:spcBef>
+              <a:spcAft>
+                <a:spcPts val="0"/>
+              </a:spcAft>
+              <a:buSzPts val="1100"/>
+              <a:buNone/>
+            </a:pPr>
+            <a:endParaRPr/>
+          </a:p>
+        </p:txBody>
+      </p:sp>
+      <p:sp>
+        <p:nvSpPr>
+          <p:cNvPr id="89" name="Google Shape;89;p2:notes"/>
+          <p:cNvSpPr>
+            <a:spLocks noGrp="1" noRot="1" noChangeAspect="1"/>
+          </p:cNvSpPr>
+          <p:nvPr>
+            <p:ph type="sldImg" idx="2"/>
+          </p:nvPr>
+        </p:nvSpPr>
+        <p:spPr>
+          <a:xfrm>
+            <a:off x="381000" y="685800"/>
+            <a:ext cx="6096000" cy="3429000"/>
+          </a:xfrm>
+          <a:custGeom>
+            <a:avLst/>
+            <a:gdLst/>
+            <a:ahLst/>
+            <a:cxnLst/>
+            <a:rect l="l" t="t" r="r" b="b"/>
+            <a:pathLst>
+              <a:path w="120000" h="120000" extrusionOk="0">
+                <a:moveTo>
+                  <a:pt x="0" y="0"/>
+                </a:moveTo>
+                <a:lnTo>
+                  <a:pt x="120000" y="0"/>
+                </a:lnTo>
+                <a:lnTo>
+                  <a:pt x="120000" y="120000"/>
+                </a:lnTo>
+                <a:lnTo>
+                  <a:pt x="0" y="120000"/>
+                </a:lnTo>
+                <a:close/>
+              </a:path>
+            </a:pathLst>
+          </a:custGeom>
+          <a:noFill/>
+          <a:ln w="9525" cap="flat" cmpd="sng">
+            <a:solidFill>
+              <a:srgbClr val="000000"/>
+            </a:solidFill>
+            <a:prstDash val="solid"/>
+            <a:round/>
+            <a:headEnd type="none" w="sm" len="sm"/>
+            <a:tailEnd type="none" w="sm" len="sm"/>
+          </a:ln>
+        </p:spPr>
+      </p:sp>
+    </p:spTree>
+    <p:extLst>
+      <p:ext uri="{BB962C8B-B14F-4D97-AF65-F5344CB8AC3E}">
         <p14:creationId xmlns:p14="http://schemas.microsoft.com/office/powerpoint/2010/main" val="102439666"/>
       </p:ext>
     </p:extLst>
@@ -1090,6 +1346,133 @@
 </file>
 
 <file path=ppt/notesSlides/notesSlide2.xml><?xml version="1.0" encoding="utf-8"?>
+<p:notes xmlns:a="http://schemas.openxmlformats.org/drawingml/2006/main" xmlns:r="http://schemas.openxmlformats.org/officeDocument/2006/relationships" xmlns:p="http://schemas.openxmlformats.org/presentationml/2006/main" showMasterSp="0" showMasterPhAnim="0">
+  <p:cSld>
+    <p:spTree>
+      <p:nvGrpSpPr>
+        <p:cNvPr id="1" name="Shape 87"/>
+        <p:cNvGrpSpPr/>
+        <p:nvPr/>
+      </p:nvGrpSpPr>
+      <p:grpSpPr>
+        <a:xfrm>
+          <a:off x="0" y="0"/>
+          <a:ext cx="0" cy="0"/>
+          <a:chOff x="0" y="0"/>
+          <a:chExt cx="0" cy="0"/>
+        </a:xfrm>
+      </p:grpSpPr>
+      <p:sp>
+        <p:nvSpPr>
+          <p:cNvPr id="88" name="Google Shape;88;p2:notes"/>
+          <p:cNvSpPr txBox="1">
+            <a:spLocks noGrp="1"/>
+          </p:cNvSpPr>
+          <p:nvPr>
+            <p:ph type="body" idx="1"/>
+          </p:nvPr>
+        </p:nvSpPr>
+        <p:spPr>
+          <a:xfrm>
+            <a:off x="685800" y="4343400"/>
+            <a:ext cx="5486400" cy="4114800"/>
+          </a:xfrm>
+          <a:prstGeom prst="rect">
+            <a:avLst/>
+          </a:prstGeom>
+          <a:noFill/>
+          <a:ln>
+            <a:noFill/>
+          </a:ln>
+        </p:spPr>
+        <p:txBody>
+          <a:bodyPr spcFirstLastPara="1" wrap="square" lIns="91425" tIns="91425" rIns="91425" bIns="91425" anchor="t" anchorCtr="0">
+            <a:noAutofit/>
+          </a:bodyPr>
+          <a:lstStyle/>
+          <a:p>
+            <a:pPr marL="0" lvl="0" indent="0" algn="l" rtl="0">
+              <a:lnSpc>
+                <a:spcPct val="100000"/>
+              </a:lnSpc>
+              <a:spcBef>
+                <a:spcPts val="0"/>
+              </a:spcBef>
+              <a:spcAft>
+                <a:spcPts val="0"/>
+              </a:spcAft>
+              <a:buSzPts val="1100"/>
+              <a:buNone/>
+            </a:pPr>
+            <a:endParaRPr/>
+          </a:p>
+        </p:txBody>
+      </p:sp>
+      <p:sp>
+        <p:nvSpPr>
+          <p:cNvPr id="89" name="Google Shape;89;p2:notes"/>
+          <p:cNvSpPr>
+            <a:spLocks noGrp="1" noRot="1" noChangeAspect="1"/>
+          </p:cNvSpPr>
+          <p:nvPr>
+            <p:ph type="sldImg" idx="2"/>
+          </p:nvPr>
+        </p:nvSpPr>
+        <p:spPr>
+          <a:xfrm>
+            <a:off x="381000" y="685800"/>
+            <a:ext cx="6096000" cy="3429000"/>
+          </a:xfrm>
+          <a:custGeom>
+            <a:avLst/>
+            <a:gdLst/>
+            <a:ahLst/>
+            <a:cxnLst/>
+            <a:rect l="l" t="t" r="r" b="b"/>
+            <a:pathLst>
+              <a:path w="120000" h="120000" extrusionOk="0">
+                <a:moveTo>
+                  <a:pt x="0" y="0"/>
+                </a:moveTo>
+                <a:lnTo>
+                  <a:pt x="120000" y="0"/>
+                </a:lnTo>
+                <a:lnTo>
+                  <a:pt x="120000" y="120000"/>
+                </a:lnTo>
+                <a:lnTo>
+                  <a:pt x="0" y="120000"/>
+                </a:lnTo>
+                <a:close/>
+              </a:path>
+            </a:pathLst>
+          </a:custGeom>
+          <a:noFill/>
+          <a:ln w="9525" cap="flat" cmpd="sng">
+            <a:solidFill>
+              <a:srgbClr val="000000"/>
+            </a:solidFill>
+            <a:prstDash val="solid"/>
+            <a:round/>
+            <a:headEnd type="none" w="sm" len="sm"/>
+            <a:tailEnd type="none" w="sm" len="sm"/>
+          </a:ln>
+        </p:spPr>
+      </p:sp>
+    </p:spTree>
+    <p:extLst>
+      <p:ext uri="{BB962C8B-B14F-4D97-AF65-F5344CB8AC3E}">
+        <p14:creationId xmlns:p14="http://schemas.microsoft.com/office/powerpoint/2010/main" val="123563384"/>
+      </p:ext>
+    </p:extLst>
+  </p:cSld>
+  <p:clrMapOvr>
+    <a:masterClrMapping/>
+  </p:clrMapOvr>
+</p:notes>
+</file>
+
+<file path=ppt/notesSlides/notesSlide3.xml><?xml version="1.0" encoding="utf-8"?>
 <p:notes xmlns:a="http://schemas.openxmlformats.org/drawingml/2006/main" xmlns:r="http://schemas.openxmlformats.org/officeDocument/2006/relationships" xmlns:p="http://schemas.openxmlformats.org/presentationml/2006/main" showMasterSp="0" showMasterPhAnim="0">
   <p:cSld>
     <p:spTree>
@@ -1211,7 +1594,134 @@
 </p:notes>
 </file>
 
-<file path=ppt/notesSlides/notesSlide3.xml><?xml version="1.0" encoding="utf-8"?>
+<file path=ppt/notesSlides/notesSlide4.xml><?xml version="1.0" encoding="utf-8"?>
+<p:notes xmlns:a="http://schemas.openxmlformats.org/drawingml/2006/main" xmlns:r="http://schemas.openxmlformats.org/officeDocument/2006/relationships" xmlns:p="http://schemas.openxmlformats.org/presentationml/2006/main" showMasterSp="0" showMasterPhAnim="0">
+  <p:cSld>
+    <p:spTree>
+      <p:nvGrpSpPr>
+        <p:cNvPr id="1" name="Shape 87"/>
+        <p:cNvGrpSpPr/>
+        <p:nvPr/>
+      </p:nvGrpSpPr>
+      <p:grpSpPr>
+        <a:xfrm>
+          <a:off x="0" y="0"/>
+          <a:ext cx="0" cy="0"/>
+          <a:chOff x="0" y="0"/>
+          <a:chExt cx="0" cy="0"/>
+        </a:xfrm>
+      </p:grpSpPr>
+      <p:sp>
+        <p:nvSpPr>
+          <p:cNvPr id="88" name="Google Shape;88;p2:notes"/>
+          <p:cNvSpPr txBox="1">
+            <a:spLocks noGrp="1"/>
+          </p:cNvSpPr>
+          <p:nvPr>
+            <p:ph type="body" idx="1"/>
+          </p:nvPr>
+        </p:nvSpPr>
+        <p:spPr>
+          <a:xfrm>
+            <a:off x="685800" y="4343400"/>
+            <a:ext cx="5486400" cy="4114800"/>
+          </a:xfrm>
+          <a:prstGeom prst="rect">
+            <a:avLst/>
+          </a:prstGeom>
+          <a:noFill/>
+          <a:ln>
+            <a:noFill/>
+          </a:ln>
+        </p:spPr>
+        <p:txBody>
+          <a:bodyPr spcFirstLastPara="1" wrap="square" lIns="91425" tIns="91425" rIns="91425" bIns="91425" anchor="t" anchorCtr="0">
+            <a:noAutofit/>
+          </a:bodyPr>
+          <a:lstStyle/>
+          <a:p>
+            <a:pPr marL="0" lvl="0" indent="0" algn="l" rtl="0">
+              <a:lnSpc>
+                <a:spcPct val="100000"/>
+              </a:lnSpc>
+              <a:spcBef>
+                <a:spcPts val="0"/>
+              </a:spcBef>
+              <a:spcAft>
+                <a:spcPts val="0"/>
+              </a:spcAft>
+              <a:buSzPts val="1100"/>
+              <a:buNone/>
+            </a:pPr>
+            <a:endParaRPr/>
+          </a:p>
+        </p:txBody>
+      </p:sp>
+      <p:sp>
+        <p:nvSpPr>
+          <p:cNvPr id="89" name="Google Shape;89;p2:notes"/>
+          <p:cNvSpPr>
+            <a:spLocks noGrp="1" noRot="1" noChangeAspect="1"/>
+          </p:cNvSpPr>
+          <p:nvPr>
+            <p:ph type="sldImg" idx="2"/>
+          </p:nvPr>
+        </p:nvSpPr>
+        <p:spPr>
+          <a:xfrm>
+            <a:off x="381000" y="685800"/>
+            <a:ext cx="6096000" cy="3429000"/>
+          </a:xfrm>
+          <a:custGeom>
+            <a:avLst/>
+            <a:gdLst/>
+            <a:ahLst/>
+            <a:cxnLst/>
+            <a:rect l="l" t="t" r="r" b="b"/>
+            <a:pathLst>
+              <a:path w="120000" h="120000" extrusionOk="0">
+                <a:moveTo>
+                  <a:pt x="0" y="0"/>
+                </a:moveTo>
+                <a:lnTo>
+                  <a:pt x="120000" y="0"/>
+                </a:lnTo>
+                <a:lnTo>
+                  <a:pt x="120000" y="120000"/>
+                </a:lnTo>
+                <a:lnTo>
+                  <a:pt x="0" y="120000"/>
+                </a:lnTo>
+                <a:close/>
+              </a:path>
+            </a:pathLst>
+          </a:custGeom>
+          <a:noFill/>
+          <a:ln w="9525" cap="flat" cmpd="sng">
+            <a:solidFill>
+              <a:srgbClr val="000000"/>
+            </a:solidFill>
+            <a:prstDash val="solid"/>
+            <a:round/>
+            <a:headEnd type="none" w="sm" len="sm"/>
+            <a:tailEnd type="none" w="sm" len="sm"/>
+          </a:ln>
+        </p:spPr>
+      </p:sp>
+    </p:spTree>
+    <p:extLst>
+      <p:ext uri="{BB962C8B-B14F-4D97-AF65-F5344CB8AC3E}">
+        <p14:creationId xmlns:p14="http://schemas.microsoft.com/office/powerpoint/2010/main" val="3339779495"/>
+      </p:ext>
+    </p:extLst>
+  </p:cSld>
+  <p:clrMapOvr>
+    <a:masterClrMapping/>
+  </p:clrMapOvr>
+</p:notes>
+</file>
+
+<file path=ppt/notesSlides/notesSlide5.xml><?xml version="1.0" encoding="utf-8"?>
 <p:notes xmlns:a="http://schemas.openxmlformats.org/drawingml/2006/main" xmlns:r="http://schemas.openxmlformats.org/officeDocument/2006/relationships" xmlns:p="http://schemas.openxmlformats.org/presentationml/2006/main" showMasterSp="0" showMasterPhAnim="0">
   <p:cSld>
     <p:spTree>
@@ -1338,7 +1848,7 @@
 </p:notes>
 </file>
 
-<file path=ppt/notesSlides/notesSlide4.xml><?xml version="1.0" encoding="utf-8"?>
+<file path=ppt/notesSlides/notesSlide6.xml><?xml version="1.0" encoding="utf-8"?>
 <p:notes xmlns:a="http://schemas.openxmlformats.org/drawingml/2006/main" xmlns:r="http://schemas.openxmlformats.org/officeDocument/2006/relationships" xmlns:p="http://schemas.openxmlformats.org/presentationml/2006/main" showMasterSp="0" showMasterPhAnim="0">
   <p:cSld>
     <p:spTree>
@@ -1465,7 +1975,7 @@
 </p:notes>
 </file>
 
-<file path=ppt/notesSlides/notesSlide5.xml><?xml version="1.0" encoding="utf-8"?>
+<file path=ppt/notesSlides/notesSlide7.xml><?xml version="1.0" encoding="utf-8"?>
 <p:notes xmlns:a="http://schemas.openxmlformats.org/drawingml/2006/main" xmlns:r="http://schemas.openxmlformats.org/officeDocument/2006/relationships" xmlns:p="http://schemas.openxmlformats.org/presentationml/2006/main" showMasterSp="0" showMasterPhAnim="0">
   <p:cSld>
     <p:spTree>
@@ -1592,7 +2102,7 @@
 </p:notes>
 </file>
 
-<file path=ppt/notesSlides/notesSlide6.xml><?xml version="1.0" encoding="utf-8"?>
+<file path=ppt/notesSlides/notesSlide8.xml><?xml version="1.0" encoding="utf-8"?>
 <p:notes xmlns:a="http://schemas.openxmlformats.org/drawingml/2006/main" xmlns:r="http://schemas.openxmlformats.org/officeDocument/2006/relationships" xmlns:p="http://schemas.openxmlformats.org/presentationml/2006/main" showMasterSp="0" showMasterPhAnim="0">
   <p:cSld>
     <p:spTree>
@@ -1719,7 +2229,7 @@
 </p:notes>
 </file>
 
-<file path=ppt/notesSlides/notesSlide7.xml><?xml version="1.0" encoding="utf-8"?>
+<file path=ppt/notesSlides/notesSlide9.xml><?xml version="1.0" encoding="utf-8"?>
 <p:notes xmlns:a="http://schemas.openxmlformats.org/drawingml/2006/main" xmlns:r="http://schemas.openxmlformats.org/officeDocument/2006/relationships" xmlns:p="http://schemas.openxmlformats.org/presentationml/2006/main" showMasterSp="0" showMasterPhAnim="0">
   <p:cSld>
     <p:spTree>
@@ -1837,260 +2347,6 @@
     <p:extLst>
       <p:ext uri="{BB962C8B-B14F-4D97-AF65-F5344CB8AC3E}">
         <p14:creationId xmlns:p14="http://schemas.microsoft.com/office/powerpoint/2010/main" val="2706333341"/>
-      </p:ext>
-    </p:extLst>
-  </p:cSld>
-  <p:clrMapOvr>
-    <a:masterClrMapping/>
-  </p:clrMapOvr>
-</p:notes>
-</file>
-
-<file path=ppt/notesSlides/notesSlide8.xml><?xml version="1.0" encoding="utf-8"?>
-<p:notes xmlns:a="http://schemas.openxmlformats.org/drawingml/2006/main" xmlns:r="http://schemas.openxmlformats.org/officeDocument/2006/relationships" xmlns:p="http://schemas.openxmlformats.org/presentationml/2006/main" showMasterSp="0" showMasterPhAnim="0">
-  <p:cSld>
-    <p:spTree>
-      <p:nvGrpSpPr>
-        <p:cNvPr id="1" name="Shape 87"/>
-        <p:cNvGrpSpPr/>
-        <p:nvPr/>
-      </p:nvGrpSpPr>
-      <p:grpSpPr>
-        <a:xfrm>
-          <a:off x="0" y="0"/>
-          <a:ext cx="0" cy="0"/>
-          <a:chOff x="0" y="0"/>
-          <a:chExt cx="0" cy="0"/>
-        </a:xfrm>
-      </p:grpSpPr>
-      <p:sp>
-        <p:nvSpPr>
-          <p:cNvPr id="88" name="Google Shape;88;p2:notes"/>
-          <p:cNvSpPr txBox="1">
-            <a:spLocks noGrp="1"/>
-          </p:cNvSpPr>
-          <p:nvPr>
-            <p:ph type="body" idx="1"/>
-          </p:nvPr>
-        </p:nvSpPr>
-        <p:spPr>
-          <a:xfrm>
-            <a:off x="685800" y="4343400"/>
-            <a:ext cx="5486400" cy="4114800"/>
-          </a:xfrm>
-          <a:prstGeom prst="rect">
-            <a:avLst/>
-          </a:prstGeom>
-          <a:noFill/>
-          <a:ln>
-            <a:noFill/>
-          </a:ln>
-        </p:spPr>
-        <p:txBody>
-          <a:bodyPr spcFirstLastPara="1" wrap="square" lIns="91425" tIns="91425" rIns="91425" bIns="91425" anchor="t" anchorCtr="0">
-            <a:noAutofit/>
-          </a:bodyPr>
-          <a:lstStyle/>
-          <a:p>
-            <a:pPr marL="0" lvl="0" indent="0" algn="l" rtl="0">
-              <a:lnSpc>
-                <a:spcPct val="100000"/>
-              </a:lnSpc>
-              <a:spcBef>
-                <a:spcPts val="0"/>
-              </a:spcBef>
-              <a:spcAft>
-                <a:spcPts val="0"/>
-              </a:spcAft>
-              <a:buSzPts val="1100"/>
-              <a:buNone/>
-            </a:pPr>
-            <a:endParaRPr/>
-          </a:p>
-        </p:txBody>
-      </p:sp>
-      <p:sp>
-        <p:nvSpPr>
-          <p:cNvPr id="89" name="Google Shape;89;p2:notes"/>
-          <p:cNvSpPr>
-            <a:spLocks noGrp="1" noRot="1" noChangeAspect="1"/>
-          </p:cNvSpPr>
-          <p:nvPr>
-            <p:ph type="sldImg" idx="2"/>
-          </p:nvPr>
-        </p:nvSpPr>
-        <p:spPr>
-          <a:xfrm>
-            <a:off x="381000" y="685800"/>
-            <a:ext cx="6096000" cy="3429000"/>
-          </a:xfrm>
-          <a:custGeom>
-            <a:avLst/>
-            <a:gdLst/>
-            <a:ahLst/>
-            <a:cxnLst/>
-            <a:rect l="l" t="t" r="r" b="b"/>
-            <a:pathLst>
-              <a:path w="120000" h="120000" extrusionOk="0">
-                <a:moveTo>
-                  <a:pt x="0" y="0"/>
-                </a:moveTo>
-                <a:lnTo>
-                  <a:pt x="120000" y="0"/>
-                </a:lnTo>
-                <a:lnTo>
-                  <a:pt x="120000" y="120000"/>
-                </a:lnTo>
-                <a:lnTo>
-                  <a:pt x="0" y="120000"/>
-                </a:lnTo>
-                <a:close/>
-              </a:path>
-            </a:pathLst>
-          </a:custGeom>
-          <a:noFill/>
-          <a:ln w="9525" cap="flat" cmpd="sng">
-            <a:solidFill>
-              <a:srgbClr val="000000"/>
-            </a:solidFill>
-            <a:prstDash val="solid"/>
-            <a:round/>
-            <a:headEnd type="none" w="sm" len="sm"/>
-            <a:tailEnd type="none" w="sm" len="sm"/>
-          </a:ln>
-        </p:spPr>
-      </p:sp>
-    </p:spTree>
-    <p:extLst>
-      <p:ext uri="{BB962C8B-B14F-4D97-AF65-F5344CB8AC3E}">
-        <p14:creationId xmlns:p14="http://schemas.microsoft.com/office/powerpoint/2010/main" val="4096017162"/>
-      </p:ext>
-    </p:extLst>
-  </p:cSld>
-  <p:clrMapOvr>
-    <a:masterClrMapping/>
-  </p:clrMapOvr>
-</p:notes>
-</file>
-
-<file path=ppt/notesSlides/notesSlide9.xml><?xml version="1.0" encoding="utf-8"?>
-<p:notes xmlns:a="http://schemas.openxmlformats.org/drawingml/2006/main" xmlns:r="http://schemas.openxmlformats.org/officeDocument/2006/relationships" xmlns:p="http://schemas.openxmlformats.org/presentationml/2006/main" showMasterSp="0" showMasterPhAnim="0">
-  <p:cSld>
-    <p:spTree>
-      <p:nvGrpSpPr>
-        <p:cNvPr id="1" name="Shape 87"/>
-        <p:cNvGrpSpPr/>
-        <p:nvPr/>
-      </p:nvGrpSpPr>
-      <p:grpSpPr>
-        <a:xfrm>
-          <a:off x="0" y="0"/>
-          <a:ext cx="0" cy="0"/>
-          <a:chOff x="0" y="0"/>
-          <a:chExt cx="0" cy="0"/>
-        </a:xfrm>
-      </p:grpSpPr>
-      <p:sp>
-        <p:nvSpPr>
-          <p:cNvPr id="88" name="Google Shape;88;p2:notes"/>
-          <p:cNvSpPr txBox="1">
-            <a:spLocks noGrp="1"/>
-          </p:cNvSpPr>
-          <p:nvPr>
-            <p:ph type="body" idx="1"/>
-          </p:nvPr>
-        </p:nvSpPr>
-        <p:spPr>
-          <a:xfrm>
-            <a:off x="685800" y="4343400"/>
-            <a:ext cx="5486400" cy="4114800"/>
-          </a:xfrm>
-          <a:prstGeom prst="rect">
-            <a:avLst/>
-          </a:prstGeom>
-          <a:noFill/>
-          <a:ln>
-            <a:noFill/>
-          </a:ln>
-        </p:spPr>
-        <p:txBody>
-          <a:bodyPr spcFirstLastPara="1" wrap="square" lIns="91425" tIns="91425" rIns="91425" bIns="91425" anchor="t" anchorCtr="0">
-            <a:noAutofit/>
-          </a:bodyPr>
-          <a:lstStyle/>
-          <a:p>
-            <a:pPr marL="0" lvl="0" indent="0" algn="l" rtl="0">
-              <a:lnSpc>
-                <a:spcPct val="100000"/>
-              </a:lnSpc>
-              <a:spcBef>
-                <a:spcPts val="0"/>
-              </a:spcBef>
-              <a:spcAft>
-                <a:spcPts val="0"/>
-              </a:spcAft>
-              <a:buSzPts val="1100"/>
-              <a:buNone/>
-            </a:pPr>
-            <a:endParaRPr/>
-          </a:p>
-        </p:txBody>
-      </p:sp>
-      <p:sp>
-        <p:nvSpPr>
-          <p:cNvPr id="89" name="Google Shape;89;p2:notes"/>
-          <p:cNvSpPr>
-            <a:spLocks noGrp="1" noRot="1" noChangeAspect="1"/>
-          </p:cNvSpPr>
-          <p:nvPr>
-            <p:ph type="sldImg" idx="2"/>
-          </p:nvPr>
-        </p:nvSpPr>
-        <p:spPr>
-          <a:xfrm>
-            <a:off x="381000" y="685800"/>
-            <a:ext cx="6096000" cy="3429000"/>
-          </a:xfrm>
-          <a:custGeom>
-            <a:avLst/>
-            <a:gdLst/>
-            <a:ahLst/>
-            <a:cxnLst/>
-            <a:rect l="l" t="t" r="r" b="b"/>
-            <a:pathLst>
-              <a:path w="120000" h="120000" extrusionOk="0">
-                <a:moveTo>
-                  <a:pt x="0" y="0"/>
-                </a:moveTo>
-                <a:lnTo>
-                  <a:pt x="120000" y="0"/>
-                </a:lnTo>
-                <a:lnTo>
-                  <a:pt x="120000" y="120000"/>
-                </a:lnTo>
-                <a:lnTo>
-                  <a:pt x="0" y="120000"/>
-                </a:lnTo>
-                <a:close/>
-              </a:path>
-            </a:pathLst>
-          </a:custGeom>
-          <a:noFill/>
-          <a:ln w="9525" cap="flat" cmpd="sng">
-            <a:solidFill>
-              <a:srgbClr val="000000"/>
-            </a:solidFill>
-            <a:prstDash val="solid"/>
-            <a:round/>
-            <a:headEnd type="none" w="sm" len="sm"/>
-            <a:tailEnd type="none" w="sm" len="sm"/>
-          </a:ln>
-        </p:spPr>
-      </p:sp>
-    </p:spTree>
-    <p:extLst>
-      <p:ext uri="{BB962C8B-B14F-4D97-AF65-F5344CB8AC3E}">
-        <p14:creationId xmlns:p14="http://schemas.microsoft.com/office/powerpoint/2010/main" val="601349595"/>
       </p:ext>
     </p:extLst>
   </p:cSld>
@@ -15824,6 +16080,606 @@
           </a:extLst>
         </p:spPr>
       </p:pic>
+      <p:pic>
+        <p:nvPicPr>
+          <p:cNvPr id="1026" name="Picture 2">
+            <a:extLst>
+              <a:ext uri="{FF2B5EF4-FFF2-40B4-BE49-F238E27FC236}">
+                <a16:creationId xmlns:a16="http://schemas.microsoft.com/office/drawing/2014/main" id="{CDE4F1E1-E60C-4C33-8620-3379A291DB9B}"/>
+              </a:ext>
+            </a:extLst>
+          </p:cNvPr>
+          <p:cNvPicPr>
+            <a:picLocks noChangeAspect="1" noChangeArrowheads="1"/>
+          </p:cNvPicPr>
+          <p:nvPr/>
+        </p:nvPicPr>
+        <p:blipFill rotWithShape="1">
+          <a:blip r:embed="rId4">
+            <a:extLst>
+              <a:ext uri="{28A0092B-C50C-407E-A947-70E740481C1C}">
+                <a14:useLocalDpi xmlns:a14="http://schemas.microsoft.com/office/drawing/2010/main" val="0"/>
+              </a:ext>
+            </a:extLst>
+          </a:blip>
+          <a:srcRect l="15782" t="25681" r="20131" b="17545"/>
+          <a:stretch/>
+        </p:blipFill>
+        <p:spPr bwMode="auto">
+          <a:xfrm>
+            <a:off x="3426541" y="1990295"/>
+            <a:ext cx="5338917" cy="3547333"/>
+          </a:xfrm>
+          <a:prstGeom prst="rect">
+            <a:avLst/>
+          </a:prstGeom>
+          <a:noFill/>
+          <a:extLst>
+            <a:ext uri="{909E8E84-426E-40DD-AFC4-6F175D3DCCD1}">
+              <a14:hiddenFill xmlns:a14="http://schemas.microsoft.com/office/drawing/2010/main">
+                <a:solidFill>
+                  <a:srgbClr val="FFFFFF"/>
+                </a:solidFill>
+              </a14:hiddenFill>
+            </a:ext>
+          </a:extLst>
+        </p:spPr>
+      </p:pic>
+    </p:spTree>
+    <p:extLst>
+      <p:ext uri="{BB962C8B-B14F-4D97-AF65-F5344CB8AC3E}">
+        <p14:creationId xmlns:p14="http://schemas.microsoft.com/office/powerpoint/2010/main" val="1920300517"/>
+      </p:ext>
+    </p:extLst>
+  </p:cSld>
+  <p:clrMapOvr>
+    <a:masterClrMapping/>
+  </p:clrMapOvr>
+</p:sld>
+</file>
+
+<file path=ppt/slides/slide11.xml><?xml version="1.0" encoding="utf-8"?>
+<p:sld xmlns:a="http://schemas.openxmlformats.org/drawingml/2006/main" xmlns:r="http://schemas.openxmlformats.org/officeDocument/2006/relationships" xmlns:p="http://schemas.openxmlformats.org/presentationml/2006/main">
+  <p:cSld>
+    <p:spTree>
+      <p:nvGrpSpPr>
+        <p:cNvPr id="1" name="Shape 90"/>
+        <p:cNvGrpSpPr/>
+        <p:nvPr/>
+      </p:nvGrpSpPr>
+      <p:grpSpPr>
+        <a:xfrm>
+          <a:off x="0" y="0"/>
+          <a:ext cx="0" cy="0"/>
+          <a:chOff x="0" y="0"/>
+          <a:chExt cx="0" cy="0"/>
+        </a:xfrm>
+      </p:grpSpPr>
+      <p:sp>
+        <p:nvSpPr>
+          <p:cNvPr id="91" name="Google Shape;91;p2"/>
+          <p:cNvSpPr txBox="1">
+            <a:spLocks noGrp="1"/>
+          </p:cNvSpPr>
+          <p:nvPr>
+            <p:ph type="title"/>
+          </p:nvPr>
+        </p:nvSpPr>
+        <p:spPr>
+          <a:xfrm>
+            <a:off x="716902" y="271042"/>
+            <a:ext cx="10515600" cy="1325563"/>
+          </a:xfrm>
+          <a:prstGeom prst="rect">
+            <a:avLst/>
+          </a:prstGeom>
+          <a:noFill/>
+          <a:ln>
+            <a:noFill/>
+          </a:ln>
+        </p:spPr>
+        <p:txBody>
+          <a:bodyPr spcFirstLastPara="1" wrap="square" lIns="91425" tIns="45700" rIns="91425" bIns="45700" anchor="ctr" anchorCtr="0">
+            <a:normAutofit/>
+          </a:bodyPr>
+          <a:lstStyle/>
+          <a:p>
+            <a:pPr marL="0" lvl="0" indent="0" algn="l" rtl="0">
+              <a:lnSpc>
+                <a:spcPct val="90000"/>
+              </a:lnSpc>
+              <a:spcBef>
+                <a:spcPts val="0"/>
+              </a:spcBef>
+              <a:spcAft>
+                <a:spcPts val="0"/>
+              </a:spcAft>
+              <a:buClr>
+                <a:schemeClr val="lt1"/>
+              </a:buClr>
+              <a:buSzPts val="4400"/>
+              <a:buFont typeface="Calibri"/>
+              <a:buNone/>
+            </a:pPr>
+            <a:r>
+              <a:rPr lang="es-ES" dirty="0" err="1"/>
+              <a:t>OpenCV</a:t>
+            </a:r>
+            <a:endParaRPr dirty="0"/>
+          </a:p>
+        </p:txBody>
+      </p:sp>
+      <p:sp>
+        <p:nvSpPr>
+          <p:cNvPr id="93" name="Google Shape;93;p2"/>
+          <p:cNvSpPr/>
+          <p:nvPr/>
+        </p:nvSpPr>
+        <p:spPr>
+          <a:xfrm>
+            <a:off x="497691" y="763312"/>
+            <a:ext cx="90138" cy="654341"/>
+          </a:xfrm>
+          <a:prstGeom prst="rect">
+            <a:avLst/>
+          </a:prstGeom>
+          <a:solidFill>
+            <a:srgbClr val="C00000"/>
+          </a:solidFill>
+          <a:ln>
+            <a:noFill/>
+          </a:ln>
+        </p:spPr>
+        <p:txBody>
+          <a:bodyPr spcFirstLastPara="1" wrap="square" lIns="91425" tIns="45700" rIns="91425" bIns="45700" anchor="ctr" anchorCtr="0">
+            <a:noAutofit/>
+          </a:bodyPr>
+          <a:lstStyle/>
+          <a:p>
+            <a:pPr marL="0" marR="0" lvl="0" indent="0" algn="ctr" rtl="0">
+              <a:lnSpc>
+                <a:spcPct val="100000"/>
+              </a:lnSpc>
+              <a:spcBef>
+                <a:spcPts val="0"/>
+              </a:spcBef>
+              <a:spcAft>
+                <a:spcPts val="0"/>
+              </a:spcAft>
+              <a:buClr>
+                <a:srgbClr val="000000"/>
+              </a:buClr>
+              <a:buSzPts val="1800"/>
+              <a:buFont typeface="Arial"/>
+              <a:buNone/>
+            </a:pPr>
+            <a:endParaRPr sz="1800" b="0" i="0" u="none" strike="noStrike" cap="none">
+              <a:solidFill>
+                <a:schemeClr val="lt1"/>
+              </a:solidFill>
+              <a:latin typeface="Calibri"/>
+              <a:ea typeface="Calibri"/>
+              <a:cs typeface="Calibri"/>
+              <a:sym typeface="Calibri"/>
+            </a:endParaRPr>
+          </a:p>
+        </p:txBody>
+      </p:sp>
+      <p:pic>
+        <p:nvPicPr>
+          <p:cNvPr id="6" name="Picture 4" descr="Adding OpenCV 4.1.2 to Visual Studio 2019 Project in Windows using  Pre-built binaries | by Ye Joo Park | Medium">
+            <a:extLst>
+              <a:ext uri="{FF2B5EF4-FFF2-40B4-BE49-F238E27FC236}">
+                <a16:creationId xmlns:a16="http://schemas.microsoft.com/office/drawing/2014/main" id="{21C87F93-37F3-4740-B471-E34D243F6EAB}"/>
+              </a:ext>
+            </a:extLst>
+          </p:cNvPr>
+          <p:cNvPicPr>
+            <a:picLocks noChangeAspect="1" noChangeArrowheads="1"/>
+          </p:cNvPicPr>
+          <p:nvPr/>
+        </p:nvPicPr>
+        <p:blipFill rotWithShape="1">
+          <a:blip r:embed="rId3">
+            <a:clrChange>
+              <a:clrFrom>
+                <a:srgbClr val="000000"/>
+              </a:clrFrom>
+              <a:clrTo>
+                <a:srgbClr val="000000">
+                  <a:alpha val="0"/>
+                </a:srgbClr>
+              </a:clrTo>
+            </a:clrChange>
+            <a:extLst>
+              <a:ext uri="{28A0092B-C50C-407E-A947-70E740481C1C}">
+                <a14:useLocalDpi xmlns:a14="http://schemas.microsoft.com/office/drawing/2010/main" val="0"/>
+              </a:ext>
+            </a:extLst>
+          </a:blip>
+          <a:srcRect l="70200" t="25715" r="12100" b="22143"/>
+          <a:stretch/>
+        </p:blipFill>
+        <p:spPr bwMode="auto">
+          <a:xfrm>
+            <a:off x="10680456" y="309142"/>
+            <a:ext cx="1104091" cy="1366079"/>
+          </a:xfrm>
+          <a:prstGeom prst="rect">
+            <a:avLst/>
+          </a:prstGeom>
+          <a:noFill/>
+          <a:extLst>
+            <a:ext uri="{909E8E84-426E-40DD-AFC4-6F175D3DCCD1}">
+              <a14:hiddenFill xmlns:a14="http://schemas.microsoft.com/office/drawing/2010/main">
+                <a:solidFill>
+                  <a:srgbClr val="FFFFFF"/>
+                </a:solidFill>
+              </a14:hiddenFill>
+            </a:ext>
+          </a:extLst>
+        </p:spPr>
+      </p:pic>
+      <p:pic>
+        <p:nvPicPr>
+          <p:cNvPr id="5" name="Imagen 4">
+            <a:extLst>
+              <a:ext uri="{FF2B5EF4-FFF2-40B4-BE49-F238E27FC236}">
+                <a16:creationId xmlns:a16="http://schemas.microsoft.com/office/drawing/2014/main" id="{31401059-18D9-4217-B4E1-CA5338E3B26F}"/>
+              </a:ext>
+            </a:extLst>
+          </p:cNvPr>
+          <p:cNvPicPr>
+            <a:picLocks noChangeAspect="1"/>
+          </p:cNvPicPr>
+          <p:nvPr/>
+        </p:nvPicPr>
+        <p:blipFill>
+          <a:blip r:embed="rId4"/>
+          <a:stretch>
+            <a:fillRect/>
+          </a:stretch>
+        </p:blipFill>
+        <p:spPr>
+          <a:xfrm>
+            <a:off x="6184252" y="3169948"/>
+            <a:ext cx="4932521" cy="3116655"/>
+          </a:xfrm>
+          <a:prstGeom prst="rect">
+            <a:avLst/>
+          </a:prstGeom>
+        </p:spPr>
+      </p:pic>
+      <p:pic>
+        <p:nvPicPr>
+          <p:cNvPr id="1026" name="Picture 2" descr="Object Detection with Python. This post is present a object detection… | by  King.of.nerds | Analytics Vidhya | Medium">
+            <a:extLst>
+              <a:ext uri="{FF2B5EF4-FFF2-40B4-BE49-F238E27FC236}">
+                <a16:creationId xmlns:a16="http://schemas.microsoft.com/office/drawing/2014/main" id="{EAA91244-534C-4B21-B38F-D3F49FAE3963}"/>
+              </a:ext>
+            </a:extLst>
+          </p:cNvPr>
+          <p:cNvPicPr>
+            <a:picLocks noChangeAspect="1" noChangeArrowheads="1"/>
+          </p:cNvPicPr>
+          <p:nvPr/>
+        </p:nvPicPr>
+        <p:blipFill>
+          <a:blip r:embed="rId5">
+            <a:extLst>
+              <a:ext uri="{28A0092B-C50C-407E-A947-70E740481C1C}">
+                <a14:useLocalDpi xmlns:a14="http://schemas.microsoft.com/office/drawing/2010/main" val="0"/>
+              </a:ext>
+            </a:extLst>
+          </a:blip>
+          <a:srcRect/>
+          <a:stretch>
+            <a:fillRect/>
+          </a:stretch>
+        </p:blipFill>
+        <p:spPr bwMode="auto">
+          <a:xfrm>
+            <a:off x="869303" y="2968588"/>
+            <a:ext cx="4121798" cy="3318015"/>
+          </a:xfrm>
+          <a:prstGeom prst="rect">
+            <a:avLst/>
+          </a:prstGeom>
+          <a:noFill/>
+          <a:extLst>
+            <a:ext uri="{909E8E84-426E-40DD-AFC4-6F175D3DCCD1}">
+              <a14:hiddenFill xmlns:a14="http://schemas.microsoft.com/office/drawing/2010/main">
+                <a:solidFill>
+                  <a:srgbClr val="FFFFFF"/>
+                </a:solidFill>
+              </a14:hiddenFill>
+            </a:ext>
+          </a:extLst>
+        </p:spPr>
+      </p:pic>
+      <p:sp>
+        <p:nvSpPr>
+          <p:cNvPr id="17" name="Google Shape;128;p34">
+            <a:extLst>
+              <a:ext uri="{FF2B5EF4-FFF2-40B4-BE49-F238E27FC236}">
+                <a16:creationId xmlns:a16="http://schemas.microsoft.com/office/drawing/2014/main" id="{AFF6FE04-97CD-45F0-A28E-1DCC753AD7DD}"/>
+              </a:ext>
+            </a:extLst>
+          </p:cNvPr>
+          <p:cNvSpPr/>
+          <p:nvPr/>
+        </p:nvSpPr>
+        <p:spPr>
+          <a:xfrm>
+            <a:off x="602913" y="1596605"/>
+            <a:ext cx="10743578" cy="1077178"/>
+          </a:xfrm>
+          <a:prstGeom prst="rect">
+            <a:avLst/>
+          </a:prstGeom>
+          <a:noFill/>
+          <a:ln>
+            <a:noFill/>
+          </a:ln>
+        </p:spPr>
+        <p:txBody>
+          <a:bodyPr spcFirstLastPara="1" wrap="square" lIns="91425" tIns="45700" rIns="91425" bIns="45700" anchor="t" anchorCtr="0">
+            <a:spAutoFit/>
+          </a:bodyPr>
+          <a:lstStyle/>
+          <a:p>
+            <a:pPr marR="0" lvl="0" algn="ctr" rtl="0">
+              <a:lnSpc>
+                <a:spcPct val="100000"/>
+              </a:lnSpc>
+              <a:spcBef>
+                <a:spcPts val="0"/>
+              </a:spcBef>
+              <a:spcAft>
+                <a:spcPts val="0"/>
+              </a:spcAft>
+              <a:buClr>
+                <a:schemeClr val="bg1"/>
+              </a:buClr>
+              <a:buSzPts val="2400"/>
+            </a:pPr>
+            <a:r>
+              <a:rPr lang="es-ES" sz="3200" i="1" dirty="0">
+                <a:solidFill>
+                  <a:schemeClr val="bg1">
+                    <a:lumMod val="95000"/>
+                  </a:schemeClr>
+                </a:solidFill>
+                <a:latin typeface="Calibri"/>
+                <a:cs typeface="Calibri"/>
+                <a:sym typeface="Calibri"/>
+              </a:rPr>
+              <a:t>También dispone de modelos </a:t>
+            </a:r>
+            <a:r>
+              <a:rPr lang="es-ES" sz="3200" i="1" dirty="0" err="1">
+                <a:solidFill>
+                  <a:schemeClr val="bg1">
+                    <a:lumMod val="95000"/>
+                  </a:schemeClr>
+                </a:solidFill>
+                <a:latin typeface="Calibri"/>
+                <a:cs typeface="Calibri"/>
+                <a:sym typeface="Calibri"/>
+              </a:rPr>
+              <a:t>preentrenados</a:t>
+            </a:r>
+            <a:r>
+              <a:rPr lang="es-ES" sz="3200" i="1" dirty="0">
+                <a:solidFill>
+                  <a:schemeClr val="bg1">
+                    <a:lumMod val="95000"/>
+                  </a:schemeClr>
+                </a:solidFill>
+                <a:latin typeface="Calibri"/>
+                <a:cs typeface="Calibri"/>
+                <a:sym typeface="Calibri"/>
+              </a:rPr>
+              <a:t> que permite identificar diversos tipos de objetos.</a:t>
+            </a:r>
+          </a:p>
+        </p:txBody>
+      </p:sp>
+    </p:spTree>
+    <p:extLst>
+      <p:ext uri="{BB962C8B-B14F-4D97-AF65-F5344CB8AC3E}">
+        <p14:creationId xmlns:p14="http://schemas.microsoft.com/office/powerpoint/2010/main" val="1974022455"/>
+      </p:ext>
+    </p:extLst>
+  </p:cSld>
+  <p:clrMapOvr>
+    <a:masterClrMapping/>
+  </p:clrMapOvr>
+</p:sld>
+</file>
+
+<file path=ppt/slides/slide12.xml><?xml version="1.0" encoding="utf-8"?>
+<p:sld xmlns:a="http://schemas.openxmlformats.org/drawingml/2006/main" xmlns:r="http://schemas.openxmlformats.org/officeDocument/2006/relationships" xmlns:p="http://schemas.openxmlformats.org/presentationml/2006/main">
+  <p:cSld>
+    <p:spTree>
+      <p:nvGrpSpPr>
+        <p:cNvPr id="1" name="Shape 90"/>
+        <p:cNvGrpSpPr/>
+        <p:nvPr/>
+      </p:nvGrpSpPr>
+      <p:grpSpPr>
+        <a:xfrm>
+          <a:off x="0" y="0"/>
+          <a:ext cx="0" cy="0"/>
+          <a:chOff x="0" y="0"/>
+          <a:chExt cx="0" cy="0"/>
+        </a:xfrm>
+      </p:grpSpPr>
+      <p:sp>
+        <p:nvSpPr>
+          <p:cNvPr id="91" name="Google Shape;91;p2"/>
+          <p:cNvSpPr txBox="1">
+            <a:spLocks noGrp="1"/>
+          </p:cNvSpPr>
+          <p:nvPr>
+            <p:ph type="title"/>
+          </p:nvPr>
+        </p:nvSpPr>
+        <p:spPr>
+          <a:xfrm>
+            <a:off x="716902" y="290092"/>
+            <a:ext cx="10515600" cy="1325563"/>
+          </a:xfrm>
+          <a:prstGeom prst="rect">
+            <a:avLst/>
+          </a:prstGeom>
+          <a:noFill/>
+          <a:ln>
+            <a:noFill/>
+          </a:ln>
+        </p:spPr>
+        <p:txBody>
+          <a:bodyPr spcFirstLastPara="1" wrap="square" lIns="91425" tIns="45700" rIns="91425" bIns="45700" anchor="ctr" anchorCtr="0">
+            <a:normAutofit/>
+          </a:bodyPr>
+          <a:lstStyle/>
+          <a:p>
+            <a:pPr marL="0" lvl="0" indent="0" algn="l" rtl="0">
+              <a:lnSpc>
+                <a:spcPct val="90000"/>
+              </a:lnSpc>
+              <a:spcBef>
+                <a:spcPts val="0"/>
+              </a:spcBef>
+              <a:spcAft>
+                <a:spcPts val="0"/>
+              </a:spcAft>
+              <a:buClr>
+                <a:schemeClr val="lt1"/>
+              </a:buClr>
+              <a:buSzPts val="4400"/>
+              <a:buFont typeface="Calibri"/>
+              <a:buNone/>
+            </a:pPr>
+            <a:r>
+              <a:rPr lang="es-ES" dirty="0" err="1"/>
+              <a:t>OpenCV</a:t>
+            </a:r>
+            <a:endParaRPr dirty="0"/>
+          </a:p>
+        </p:txBody>
+      </p:sp>
+      <p:sp>
+        <p:nvSpPr>
+          <p:cNvPr id="93" name="Google Shape;93;p2"/>
+          <p:cNvSpPr/>
+          <p:nvPr/>
+        </p:nvSpPr>
+        <p:spPr>
+          <a:xfrm>
+            <a:off x="497691" y="763312"/>
+            <a:ext cx="90138" cy="654341"/>
+          </a:xfrm>
+          <a:prstGeom prst="rect">
+            <a:avLst/>
+          </a:prstGeom>
+          <a:solidFill>
+            <a:srgbClr val="C00000"/>
+          </a:solidFill>
+          <a:ln>
+            <a:noFill/>
+          </a:ln>
+        </p:spPr>
+        <p:txBody>
+          <a:bodyPr spcFirstLastPara="1" wrap="square" lIns="91425" tIns="45700" rIns="91425" bIns="45700" anchor="ctr" anchorCtr="0">
+            <a:noAutofit/>
+          </a:bodyPr>
+          <a:lstStyle/>
+          <a:p>
+            <a:pPr marL="0" marR="0" lvl="0" indent="0" algn="ctr" rtl="0">
+              <a:lnSpc>
+                <a:spcPct val="100000"/>
+              </a:lnSpc>
+              <a:spcBef>
+                <a:spcPts val="0"/>
+              </a:spcBef>
+              <a:spcAft>
+                <a:spcPts val="0"/>
+              </a:spcAft>
+              <a:buClr>
+                <a:srgbClr val="000000"/>
+              </a:buClr>
+              <a:buSzPts val="1800"/>
+              <a:buFont typeface="Arial"/>
+              <a:buNone/>
+            </a:pPr>
+            <a:endParaRPr sz="1800" b="0" i="0" u="none" strike="noStrike" cap="none">
+              <a:solidFill>
+                <a:schemeClr val="lt1"/>
+              </a:solidFill>
+              <a:latin typeface="Calibri"/>
+              <a:ea typeface="Calibri"/>
+              <a:cs typeface="Calibri"/>
+              <a:sym typeface="Calibri"/>
+            </a:endParaRPr>
+          </a:p>
+        </p:txBody>
+      </p:sp>
+      <p:pic>
+        <p:nvPicPr>
+          <p:cNvPr id="6" name="Picture 4" descr="Adding OpenCV 4.1.2 to Visual Studio 2019 Project in Windows using  Pre-built binaries | by Ye Joo Park | Medium">
+            <a:extLst>
+              <a:ext uri="{FF2B5EF4-FFF2-40B4-BE49-F238E27FC236}">
+                <a16:creationId xmlns:a16="http://schemas.microsoft.com/office/drawing/2014/main" id="{21C87F93-37F3-4740-B471-E34D243F6EAB}"/>
+              </a:ext>
+            </a:extLst>
+          </p:cNvPr>
+          <p:cNvPicPr>
+            <a:picLocks noChangeAspect="1" noChangeArrowheads="1"/>
+          </p:cNvPicPr>
+          <p:nvPr/>
+        </p:nvPicPr>
+        <p:blipFill rotWithShape="1">
+          <a:blip r:embed="rId3">
+            <a:clrChange>
+              <a:clrFrom>
+                <a:srgbClr val="000000"/>
+              </a:clrFrom>
+              <a:clrTo>
+                <a:srgbClr val="000000">
+                  <a:alpha val="0"/>
+                </a:srgbClr>
+              </a:clrTo>
+            </a:clrChange>
+            <a:extLst>
+              <a:ext uri="{28A0092B-C50C-407E-A947-70E740481C1C}">
+                <a14:useLocalDpi xmlns:a14="http://schemas.microsoft.com/office/drawing/2010/main" val="0"/>
+              </a:ext>
+            </a:extLst>
+          </a:blip>
+          <a:srcRect l="70200" t="25715" r="12100" b="22143"/>
+          <a:stretch/>
+        </p:blipFill>
+        <p:spPr bwMode="auto">
+          <a:xfrm>
+            <a:off x="10680456" y="309142"/>
+            <a:ext cx="1104091" cy="1366079"/>
+          </a:xfrm>
+          <a:prstGeom prst="rect">
+            <a:avLst/>
+          </a:prstGeom>
+          <a:noFill/>
+          <a:extLst>
+            <a:ext uri="{909E8E84-426E-40DD-AFC4-6F175D3DCCD1}">
+              <a14:hiddenFill xmlns:a14="http://schemas.microsoft.com/office/drawing/2010/main">
+                <a:solidFill>
+                  <a:srgbClr val="FFFFFF"/>
+                </a:solidFill>
+              </a14:hiddenFill>
+            </a:ext>
+          </a:extLst>
+        </p:spPr>
+      </p:pic>
       <p:sp>
         <p:nvSpPr>
           <p:cNvPr id="63" name="Google Shape;128;p34">
@@ -16411,7 +17267,7 @@
         <p:spPr>
           <a:xfrm>
             <a:off x="2004332" y="2468310"/>
-            <a:ext cx="8401049" cy="3046948"/>
+            <a:ext cx="8401049" cy="1569620"/>
           </a:xfrm>
           <a:prstGeom prst="rect">
             <a:avLst/>
@@ -16453,10 +17309,27 @@
                 <a:cs typeface="Calibri"/>
                 <a:sym typeface="Calibri"/>
               </a:rPr>
-              <a:t>Machine </a:t>
+              <a:t>Imagen</a:t>
             </a:r>
+          </a:p>
+          <a:p>
+            <a:pPr marR="0" lvl="0" algn="ctr" rtl="0">
+              <a:lnSpc>
+                <a:spcPct val="100000"/>
+              </a:lnSpc>
+              <a:spcBef>
+                <a:spcPts val="0"/>
+              </a:spcBef>
+              <a:spcAft>
+                <a:spcPts val="0"/>
+              </a:spcAft>
+              <a:buClr>
+                <a:schemeClr val="bg1"/>
+              </a:buClr>
+              <a:buSzPts val="2400"/>
+            </a:pPr>
             <a:r>
-              <a:rPr lang="es-ES" sz="3200" b="1" i="1" dirty="0" err="1">
+              <a:rPr lang="es-ES" sz="3200" i="1" dirty="0">
                 <a:solidFill>
                   <a:schemeClr val="bg1">
                     <a:lumMod val="95000"/>
@@ -16466,183 +17339,17 @@
                 <a:cs typeface="Calibri"/>
                 <a:sym typeface="Calibri"/>
               </a:rPr>
-              <a:t>Learning</a:t>
-            </a:r>
-            <a:r>
-              <a:rPr lang="es-ES" sz="3200" b="1" i="1" dirty="0">
-                <a:solidFill>
-                  <a:schemeClr val="bg1">
-                    <a:lumMod val="95000"/>
-                  </a:schemeClr>
-                </a:solidFill>
-                <a:latin typeface="Calibri"/>
-                <a:cs typeface="Calibri"/>
-                <a:sym typeface="Calibri"/>
-              </a:rPr>
-              <a:t> e Imágenes:</a:t>
-            </a:r>
-          </a:p>
-          <a:p>
-            <a:pPr marL="342900" marR="0" lvl="0" indent="-342900" algn="ctr" rtl="0">
-              <a:lnSpc>
-                <a:spcPct val="100000"/>
-              </a:lnSpc>
-              <a:spcBef>
-                <a:spcPts val="0"/>
-              </a:spcBef>
-              <a:spcAft>
-                <a:spcPts val="0"/>
-              </a:spcAft>
-              <a:buClr>
-                <a:schemeClr val="bg1"/>
-              </a:buClr>
-              <a:buSzPts val="2400"/>
-              <a:buFont typeface="Arial" panose="020B0604020202020204" pitchFamily="34" charset="0"/>
-              <a:buChar char="•"/>
-            </a:pPr>
-            <a:r>
-              <a:rPr lang="es-ES" sz="3200" i="1" dirty="0">
-                <a:solidFill>
-                  <a:schemeClr val="bg1">
-                    <a:lumMod val="95000"/>
-                  </a:schemeClr>
-                </a:solidFill>
-                <a:latin typeface="Calibri"/>
-                <a:cs typeface="Calibri"/>
-                <a:sym typeface="Calibri"/>
-              </a:rPr>
-              <a:t>Clasificación</a:t>
-            </a:r>
-          </a:p>
-          <a:p>
-            <a:pPr marL="342900" marR="0" lvl="0" indent="-342900" algn="ctr" rtl="0">
-              <a:lnSpc>
-                <a:spcPct val="100000"/>
-              </a:lnSpc>
-              <a:spcBef>
-                <a:spcPts val="0"/>
-              </a:spcBef>
-              <a:spcAft>
-                <a:spcPts val="0"/>
-              </a:spcAft>
-              <a:buClr>
-                <a:schemeClr val="bg1"/>
-              </a:buClr>
-              <a:buSzPts val="2400"/>
-              <a:buFont typeface="Arial" panose="020B0604020202020204" pitchFamily="34" charset="0"/>
-              <a:buChar char="•"/>
-            </a:pPr>
-            <a:r>
-              <a:rPr lang="es-ES" sz="3200" i="1" dirty="0">
-                <a:solidFill>
-                  <a:schemeClr val="bg1">
-                    <a:lumMod val="95000"/>
-                  </a:schemeClr>
-                </a:solidFill>
-                <a:latin typeface="Calibri"/>
-                <a:cs typeface="Calibri"/>
-                <a:sym typeface="Calibri"/>
-              </a:rPr>
-              <a:t>Detección de objetos</a:t>
-            </a:r>
-          </a:p>
-          <a:p>
-            <a:pPr marL="342900" marR="0" lvl="0" indent="-342900" algn="ctr" rtl="0">
-              <a:lnSpc>
-                <a:spcPct val="100000"/>
-              </a:lnSpc>
-              <a:spcBef>
-                <a:spcPts val="0"/>
-              </a:spcBef>
-              <a:spcAft>
-                <a:spcPts val="0"/>
-              </a:spcAft>
-              <a:buClr>
-                <a:schemeClr val="bg1"/>
-              </a:buClr>
-              <a:buSzPts val="2400"/>
-              <a:buFont typeface="Arial" panose="020B0604020202020204" pitchFamily="34" charset="0"/>
-              <a:buChar char="•"/>
-            </a:pPr>
-            <a:r>
-              <a:rPr lang="es-ES" sz="3200" i="1" dirty="0">
-                <a:solidFill>
-                  <a:schemeClr val="bg1">
-                    <a:lumMod val="95000"/>
-                  </a:schemeClr>
-                </a:solidFill>
-                <a:latin typeface="Calibri"/>
-                <a:cs typeface="Calibri"/>
-                <a:sym typeface="Calibri"/>
-              </a:rPr>
-              <a:t>Generación de imágenes</a:t>
-            </a:r>
-          </a:p>
-          <a:p>
-            <a:pPr marL="342900" marR="0" lvl="0" indent="-342900" algn="ctr" rtl="0">
-              <a:lnSpc>
-                <a:spcPct val="100000"/>
-              </a:lnSpc>
-              <a:spcBef>
-                <a:spcPts val="0"/>
-              </a:spcBef>
-              <a:spcAft>
-                <a:spcPts val="0"/>
-              </a:spcAft>
-              <a:buClr>
-                <a:schemeClr val="bg1"/>
-              </a:buClr>
-              <a:buSzPts val="2400"/>
-              <a:buFont typeface="Arial" panose="020B0604020202020204" pitchFamily="34" charset="0"/>
-              <a:buChar char="•"/>
-            </a:pPr>
-            <a:r>
-              <a:rPr lang="es-ES" sz="3200" i="1" dirty="0">
-                <a:solidFill>
-                  <a:schemeClr val="bg1">
-                    <a:lumMod val="95000"/>
-                  </a:schemeClr>
-                </a:solidFill>
-                <a:latin typeface="Calibri"/>
-                <a:cs typeface="Calibri"/>
-                <a:sym typeface="Calibri"/>
-              </a:rPr>
-              <a:t>Conducción autónoma</a:t>
-            </a:r>
-          </a:p>
-          <a:p>
-            <a:pPr marR="0" lvl="0" algn="ctr" rtl="0">
-              <a:lnSpc>
-                <a:spcPct val="100000"/>
-              </a:lnSpc>
-              <a:spcBef>
-                <a:spcPts val="0"/>
-              </a:spcBef>
-              <a:spcAft>
-                <a:spcPts val="0"/>
-              </a:spcAft>
-              <a:buClr>
-                <a:schemeClr val="bg1"/>
-              </a:buClr>
-              <a:buSzPts val="2400"/>
-            </a:pPr>
-            <a:r>
-              <a:rPr lang="es-ES" sz="3200" i="1" dirty="0">
-                <a:solidFill>
-                  <a:schemeClr val="bg1">
-                    <a:lumMod val="95000"/>
-                  </a:schemeClr>
-                </a:solidFill>
-                <a:latin typeface="Calibri"/>
-                <a:cs typeface="Calibri"/>
-                <a:sym typeface="Calibri"/>
-              </a:rPr>
-              <a:t>… </a:t>
+              <a:t>Una imagen está compuesta por un conjunto de píxeles.</a:t>
             </a:r>
           </a:p>
         </p:txBody>
       </p:sp>
     </p:spTree>
+    <p:extLst>
+      <p:ext uri="{BB962C8B-B14F-4D97-AF65-F5344CB8AC3E}">
+        <p14:creationId xmlns:p14="http://schemas.microsoft.com/office/powerpoint/2010/main" val="2651217464"/>
+      </p:ext>
+    </p:extLst>
   </p:cSld>
   <p:clrMapOvr>
     <a:masterClrMapping/>
@@ -16846,8 +17553,8 @@
         </p:nvSpPr>
         <p:spPr>
           <a:xfrm>
-            <a:off x="2004332" y="2519110"/>
-            <a:ext cx="8401049" cy="2554505"/>
+            <a:off x="2004332" y="2468310"/>
+            <a:ext cx="8401049" cy="3046948"/>
           </a:xfrm>
           <a:prstGeom prst="rect">
             <a:avLst/>
@@ -16889,10 +17596,10 @@
                 <a:cs typeface="Calibri"/>
                 <a:sym typeface="Calibri"/>
               </a:rPr>
-              <a:t>Limitaciones</a:t>
+              <a:t>Machine </a:t>
             </a:r>
             <a:r>
-              <a:rPr lang="es-ES" sz="3200" i="1" dirty="0">
+              <a:rPr lang="es-ES" sz="3200" b="1" i="1" dirty="0" err="1">
                 <a:solidFill>
                   <a:schemeClr val="bg1">
                     <a:lumMod val="95000"/>
@@ -16902,7 +17609,20 @@
                 <a:cs typeface="Calibri"/>
                 <a:sym typeface="Calibri"/>
               </a:rPr>
-              <a:t>:</a:t>
+              <a:t>Learning</a:t>
+            </a:r>
+            <a:r>
+              <a:rPr lang="es-ES" sz="3200" b="1" i="1" dirty="0">
+                <a:solidFill>
+                  <a:schemeClr val="bg1">
+                    <a:lumMod val="95000"/>
+                  </a:schemeClr>
+                </a:solidFill>
+                <a:latin typeface="Calibri"/>
+                <a:cs typeface="Calibri"/>
+                <a:sym typeface="Calibri"/>
+              </a:rPr>
+              <a:t> e Imágenes:</a:t>
             </a:r>
           </a:p>
           <a:p>
@@ -16934,7 +17654,7 @@
                 <a:cs typeface="Calibri"/>
                 <a:sym typeface="Calibri"/>
               </a:rPr>
-              <a:t>Calidad de la muestra</a:t>
+              <a:t>Clasificación</a:t>
             </a:r>
           </a:p>
           <a:p>
@@ -16966,7 +17686,7 @@
                 <a:cs typeface="Calibri"/>
                 <a:sym typeface="Calibri"/>
               </a:rPr>
-              <a:t>Tamaño de la muestra</a:t>
+              <a:t>Detección de objetos</a:t>
             </a:r>
           </a:p>
           <a:p>
@@ -16998,7 +17718,39 @@
                 <a:cs typeface="Calibri"/>
                 <a:sym typeface="Calibri"/>
               </a:rPr>
-              <a:t>Recursos de computación</a:t>
+              <a:t>Generación de imágenes</a:t>
+            </a:r>
+          </a:p>
+          <a:p>
+            <a:pPr marL="342900" marR="0" lvl="0" indent="-342900" algn="ctr" rtl="0">
+              <a:lnSpc>
+                <a:spcPct val="100000"/>
+              </a:lnSpc>
+              <a:spcBef>
+                <a:spcPts val="0"/>
+              </a:spcBef>
+              <a:spcAft>
+                <a:spcPts val="0"/>
+              </a:spcAft>
+              <a:buClr>
+                <a:schemeClr val="bg1"/>
+              </a:buClr>
+              <a:buSzPts val="2400"/>
+              <a:buFont typeface="Arial" panose="020B0604020202020204" pitchFamily="34" charset="0"/>
+              <a:buChar char="•"/>
+            </a:pPr>
+            <a:r>
+              <a:rPr lang="es-ES" sz="3200" i="1" dirty="0">
+                <a:solidFill>
+                  <a:schemeClr val="bg1">
+                    <a:lumMod val="95000"/>
+                  </a:schemeClr>
+                </a:solidFill>
+                <a:latin typeface="Calibri"/>
+                <a:cs typeface="Calibri"/>
+                <a:sym typeface="Calibri"/>
+              </a:rPr>
+              <a:t>Conducción autónoma</a:t>
             </a:r>
           </a:p>
           <a:p>
@@ -17034,9 +17786,122 @@
         </p:txBody>
       </p:sp>
     </p:spTree>
+  </p:cSld>
+  <p:clrMapOvr>
+    <a:masterClrMapping/>
+  </p:clrMapOvr>
+</p:sld>
+</file>
+
+<file path=ppt/slides/slide4.xml><?xml version="1.0" encoding="utf-8"?>
+<p:sld xmlns:a="http://schemas.openxmlformats.org/drawingml/2006/main" xmlns:r="http://schemas.openxmlformats.org/officeDocument/2006/relationships" xmlns:p="http://schemas.openxmlformats.org/presentationml/2006/main">
+  <p:cSld>
+    <p:spTree>
+      <p:nvGrpSpPr>
+        <p:cNvPr id="1" name="Shape 90"/>
+        <p:cNvGrpSpPr/>
+        <p:nvPr/>
+      </p:nvGrpSpPr>
+      <p:grpSpPr>
+        <a:xfrm>
+          <a:off x="0" y="0"/>
+          <a:ext cx="0" cy="0"/>
+          <a:chOff x="0" y="0"/>
+          <a:chExt cx="0" cy="0"/>
+        </a:xfrm>
+      </p:grpSpPr>
+      <p:pic>
+        <p:nvPicPr>
+          <p:cNvPr id="2" name="Imagen 1">
+            <a:extLst>
+              <a:ext uri="{FF2B5EF4-FFF2-40B4-BE49-F238E27FC236}">
+                <a16:creationId xmlns:a16="http://schemas.microsoft.com/office/drawing/2014/main" id="{488A293B-1274-20F7-BD6E-EFE211BAEDD3}"/>
+              </a:ext>
+            </a:extLst>
+          </p:cNvPr>
+          <p:cNvPicPr>
+            <a:picLocks noChangeAspect="1"/>
+          </p:cNvPicPr>
+          <p:nvPr/>
+        </p:nvPicPr>
+        <p:blipFill>
+          <a:blip r:embed="rId3"/>
+          <a:stretch>
+            <a:fillRect/>
+          </a:stretch>
+        </p:blipFill>
+        <p:spPr>
+          <a:xfrm>
+            <a:off x="-121298" y="-392404"/>
+            <a:ext cx="12313298" cy="7885404"/>
+          </a:xfrm>
+          <a:prstGeom prst="rect">
+            <a:avLst/>
+          </a:prstGeom>
+          <a:solidFill>
+            <a:schemeClr val="tx1"/>
+          </a:solidFill>
+        </p:spPr>
+      </p:pic>
+      <p:pic>
+        <p:nvPicPr>
+          <p:cNvPr id="6" name="Picture 4" descr="Adding OpenCV 4.1.2 to Visual Studio 2019 Project in Windows using  Pre-built binaries | by Ye Joo Park | Medium">
+            <a:extLst>
+              <a:ext uri="{FF2B5EF4-FFF2-40B4-BE49-F238E27FC236}">
+                <a16:creationId xmlns:a16="http://schemas.microsoft.com/office/drawing/2014/main" id="{21C87F93-37F3-4740-B471-E34D243F6EAB}"/>
+              </a:ext>
+            </a:extLst>
+          </p:cNvPr>
+          <p:cNvPicPr>
+            <a:picLocks noChangeAspect="1" noChangeArrowheads="1"/>
+          </p:cNvPicPr>
+          <p:nvPr/>
+        </p:nvPicPr>
+        <p:blipFill rotWithShape="1">
+          <a:blip r:embed="rId4">
+            <a:clrChange>
+              <a:clrFrom>
+                <a:srgbClr val="000000"/>
+              </a:clrFrom>
+              <a:clrTo>
+                <a:srgbClr val="000000">
+                  <a:alpha val="0"/>
+                </a:srgbClr>
+              </a:clrTo>
+            </a:clrChange>
+            <a:extLst>
+              <a:ext uri="{28A0092B-C50C-407E-A947-70E740481C1C}">
+                <a14:useLocalDpi xmlns:a14="http://schemas.microsoft.com/office/drawing/2010/main" val="0"/>
+              </a:ext>
+            </a:extLst>
+          </a:blip>
+          <a:srcRect l="70200" t="25715" r="12100" b="22143"/>
+          <a:stretch/>
+        </p:blipFill>
+        <p:spPr bwMode="auto">
+          <a:xfrm>
+            <a:off x="10680456" y="309142"/>
+            <a:ext cx="1104091" cy="1366079"/>
+          </a:xfrm>
+          <a:prstGeom prst="rect">
+            <a:avLst/>
+          </a:prstGeom>
+          <a:noFill/>
+          <a:extLst>
+            <a:ext uri="{909E8E84-426E-40DD-AFC4-6F175D3DCCD1}">
+              <a14:hiddenFill xmlns:a14="http://schemas.microsoft.com/office/drawing/2010/main">
+                <a:solidFill>
+                  <a:srgbClr val="FFFFFF"/>
+                </a:solidFill>
+              </a14:hiddenFill>
+            </a:ext>
+          </a:extLst>
+        </p:spPr>
+      </p:pic>
+    </p:spTree>
     <p:extLst>
       <p:ext uri="{BB962C8B-B14F-4D97-AF65-F5344CB8AC3E}">
-        <p14:creationId xmlns:p14="http://schemas.microsoft.com/office/powerpoint/2010/main" val="731692765"/>
+        <p14:creationId xmlns:p14="http://schemas.microsoft.com/office/powerpoint/2010/main" val="3626974701"/>
       </p:ext>
     </p:extLst>
   </p:cSld>
@@ -17046,7 +17911,7 @@
 </p:sld>
 </file>
 
-<file path=ppt/slides/slide4.xml><?xml version="1.0" encoding="utf-8"?>
+<file path=ppt/slides/slide5.xml><?xml version="1.0" encoding="utf-8"?>
 <p:sld xmlns:a="http://schemas.openxmlformats.org/drawingml/2006/main" xmlns:r="http://schemas.openxmlformats.org/officeDocument/2006/relationships" xmlns:p="http://schemas.openxmlformats.org/presentationml/2006/main">
   <p:cSld>
     <p:spTree>
@@ -17242,8 +18107,8 @@
         </p:nvSpPr>
         <p:spPr>
           <a:xfrm>
-            <a:off x="716902" y="1945561"/>
-            <a:ext cx="10743578" cy="2062063"/>
+            <a:off x="2004332" y="2519110"/>
+            <a:ext cx="8401049" cy="2554505"/>
           </a:xfrm>
           <a:prstGeom prst="rect">
             <a:avLst/>
@@ -17285,10 +18150,10 @@
                 <a:cs typeface="Calibri"/>
                 <a:sym typeface="Calibri"/>
               </a:rPr>
-              <a:t>Es una librería de Visión Artificial, que permite el procesado de imágenes, vídeos… que permite realizar </a:t>
+              <a:t>Limitaciones</a:t>
             </a:r>
             <a:r>
-              <a:rPr lang="es-ES" sz="3200" b="1" i="1" dirty="0" err="1">
+              <a:rPr lang="es-ES" sz="3200" i="1" dirty="0">
                 <a:solidFill>
                   <a:schemeClr val="bg1">
                     <a:lumMod val="95000"/>
@@ -17298,10 +18163,29 @@
                 <a:cs typeface="Calibri"/>
                 <a:sym typeface="Calibri"/>
               </a:rPr>
-              <a:t>PCA’s</a:t>
+              <a:t>:</a:t>
             </a:r>
+          </a:p>
+          <a:p>
+            <a:pPr marL="342900" marR="0" lvl="0" indent="-342900" algn="ctr" rtl="0">
+              <a:lnSpc>
+                <a:spcPct val="100000"/>
+              </a:lnSpc>
+              <a:spcBef>
+                <a:spcPts val="0"/>
+              </a:spcBef>
+              <a:spcAft>
+                <a:spcPts val="0"/>
+              </a:spcAft>
+              <a:buClr>
+                <a:schemeClr val="bg1"/>
+              </a:buClr>
+              <a:buSzPts val="2400"/>
+              <a:buFont typeface="Arial" panose="020B0604020202020204" pitchFamily="34" charset="0"/>
+              <a:buChar char="•"/>
+            </a:pPr>
             <a:r>
-              <a:rPr lang="es-ES" sz="3200" b="1" i="1" dirty="0">
+              <a:rPr lang="es-ES" sz="3200" i="1" dirty="0">
                 <a:solidFill>
                   <a:schemeClr val="bg1">
                     <a:lumMod val="95000"/>
@@ -17311,195 +18195,109 @@
                 <a:cs typeface="Calibri"/>
                 <a:sym typeface="Calibri"/>
               </a:rPr>
-              <a:t> de nuestra muestra para optimizar el entrenamiento de nuestro modelo. Está disponible para C, C++ y Python.</a:t>
+              <a:t>Calidad de la muestra</a:t>
+            </a:r>
+          </a:p>
+          <a:p>
+            <a:pPr marL="342900" marR="0" lvl="0" indent="-342900" algn="ctr" rtl="0">
+              <a:lnSpc>
+                <a:spcPct val="100000"/>
+              </a:lnSpc>
+              <a:spcBef>
+                <a:spcPts val="0"/>
+              </a:spcBef>
+              <a:spcAft>
+                <a:spcPts val="0"/>
+              </a:spcAft>
+              <a:buClr>
+                <a:schemeClr val="bg1"/>
+              </a:buClr>
+              <a:buSzPts val="2400"/>
+              <a:buFont typeface="Arial" panose="020B0604020202020204" pitchFamily="34" charset="0"/>
+              <a:buChar char="•"/>
+            </a:pPr>
+            <a:r>
+              <a:rPr lang="es-ES" sz="3200" i="1" dirty="0">
+                <a:solidFill>
+                  <a:schemeClr val="bg1">
+                    <a:lumMod val="95000"/>
+                  </a:schemeClr>
+                </a:solidFill>
+                <a:latin typeface="Calibri"/>
+                <a:cs typeface="Calibri"/>
+                <a:sym typeface="Calibri"/>
+              </a:rPr>
+              <a:t>Tamaño de la muestra</a:t>
+            </a:r>
+          </a:p>
+          <a:p>
+            <a:pPr marL="342900" marR="0" lvl="0" indent="-342900" algn="ctr" rtl="0">
+              <a:lnSpc>
+                <a:spcPct val="100000"/>
+              </a:lnSpc>
+              <a:spcBef>
+                <a:spcPts val="0"/>
+              </a:spcBef>
+              <a:spcAft>
+                <a:spcPts val="0"/>
+              </a:spcAft>
+              <a:buClr>
+                <a:schemeClr val="bg1"/>
+              </a:buClr>
+              <a:buSzPts val="2400"/>
+              <a:buFont typeface="Arial" panose="020B0604020202020204" pitchFamily="34" charset="0"/>
+              <a:buChar char="•"/>
+            </a:pPr>
+            <a:r>
+              <a:rPr lang="es-ES" sz="3200" i="1" dirty="0">
+                <a:solidFill>
+                  <a:schemeClr val="bg1">
+                    <a:lumMod val="95000"/>
+                  </a:schemeClr>
+                </a:solidFill>
+                <a:latin typeface="Calibri"/>
+                <a:cs typeface="Calibri"/>
+                <a:sym typeface="Calibri"/>
+              </a:rPr>
+              <a:t>Recursos de computación</a:t>
+            </a:r>
+          </a:p>
+          <a:p>
+            <a:pPr marR="0" lvl="0" algn="ctr" rtl="0">
+              <a:lnSpc>
+                <a:spcPct val="100000"/>
+              </a:lnSpc>
+              <a:spcBef>
+                <a:spcPts val="0"/>
+              </a:spcBef>
+              <a:spcAft>
+                <a:spcPts val="0"/>
+              </a:spcAft>
+              <a:buClr>
+                <a:schemeClr val="bg1"/>
+              </a:buClr>
+              <a:buSzPts val="2400"/>
+            </a:pPr>
+            <a:r>
+              <a:rPr lang="es-ES" sz="3200" i="1" dirty="0">
+                <a:solidFill>
+                  <a:schemeClr val="bg1">
+                    <a:lumMod val="95000"/>
+                  </a:schemeClr>
+                </a:solidFill>
+                <a:latin typeface="Calibri"/>
+                <a:cs typeface="Calibri"/>
+                <a:sym typeface="Calibri"/>
+              </a:rPr>
+              <a:t>… </a:t>
             </a:r>
           </a:p>
         </p:txBody>
       </p:sp>
-      <p:pic>
-        <p:nvPicPr>
-          <p:cNvPr id="7" name="Picture 4">
-            <a:extLst>
-              <a:ext uri="{FF2B5EF4-FFF2-40B4-BE49-F238E27FC236}">
-                <a16:creationId xmlns:a16="http://schemas.microsoft.com/office/drawing/2014/main" id="{D6BA61BA-097C-4DCE-8592-0AA5A571CE42}"/>
-              </a:ext>
-            </a:extLst>
-          </p:cNvPr>
-          <p:cNvPicPr>
-            <a:picLocks noChangeAspect="1" noChangeArrowheads="1"/>
-          </p:cNvPicPr>
-          <p:nvPr/>
-        </p:nvPicPr>
-        <p:blipFill>
-          <a:blip r:embed="rId4">
-            <a:extLst>
-              <a:ext uri="{28A0092B-C50C-407E-A947-70E740481C1C}">
-                <a14:useLocalDpi xmlns:a14="http://schemas.microsoft.com/office/drawing/2010/main" val="0"/>
-              </a:ext>
-            </a:extLst>
-          </a:blip>
-          <a:srcRect/>
-          <a:stretch>
-            <a:fillRect/>
-          </a:stretch>
-        </p:blipFill>
-        <p:spPr bwMode="auto">
-          <a:xfrm>
-            <a:off x="709986" y="4384896"/>
-            <a:ext cx="2774326" cy="2080744"/>
-          </a:xfrm>
-          <a:prstGeom prst="rect">
-            <a:avLst/>
-          </a:prstGeom>
-          <a:noFill/>
-          <a:ln>
-            <a:noFill/>
-          </a:ln>
-          <a:extLst>
-            <a:ext uri="{909E8E84-426E-40DD-AFC4-6F175D3DCCD1}">
-              <a14:hiddenFill xmlns:a14="http://schemas.microsoft.com/office/drawing/2010/main">
-                <a:solidFill>
-                  <a:srgbClr val="FFFFFF"/>
-                </a:solidFill>
-              </a14:hiddenFill>
-            </a:ext>
-            <a:ext uri="{91240B29-F687-4F45-9708-019B960494DF}">
-              <a14:hiddenLine xmlns:a14="http://schemas.microsoft.com/office/drawing/2010/main" w="12700" cap="flat">
-                <a:solidFill>
-                  <a:srgbClr val="000000"/>
-                </a:solidFill>
-                <a:miter lim="800000"/>
-                <a:headEnd/>
-                <a:tailEnd/>
-              </a14:hiddenLine>
-            </a:ext>
-          </a:extLst>
-        </p:spPr>
-      </p:pic>
-      <p:pic>
-        <p:nvPicPr>
-          <p:cNvPr id="8" name="Picture 5">
-            <a:extLst>
-              <a:ext uri="{FF2B5EF4-FFF2-40B4-BE49-F238E27FC236}">
-                <a16:creationId xmlns:a16="http://schemas.microsoft.com/office/drawing/2014/main" id="{19F6E6E8-A021-4FA2-8BAD-CB8E82BE6851}"/>
-              </a:ext>
-            </a:extLst>
-          </p:cNvPr>
-          <p:cNvPicPr>
-            <a:picLocks noChangeAspect="1" noChangeArrowheads="1"/>
-          </p:cNvPicPr>
-          <p:nvPr/>
-        </p:nvPicPr>
-        <p:blipFill>
-          <a:blip r:embed="rId5">
-            <a:extLst>
-              <a:ext uri="{28A0092B-C50C-407E-A947-70E740481C1C}">
-                <a14:useLocalDpi xmlns:a14="http://schemas.microsoft.com/office/drawing/2010/main" val="0"/>
-              </a:ext>
-            </a:extLst>
-          </a:blip>
-          <a:srcRect/>
-          <a:stretch>
-            <a:fillRect/>
-          </a:stretch>
-        </p:blipFill>
-        <p:spPr bwMode="auto">
-          <a:xfrm>
-            <a:off x="4707626" y="4384896"/>
-            <a:ext cx="2774326" cy="2080744"/>
-          </a:xfrm>
-          <a:prstGeom prst="rect">
-            <a:avLst/>
-          </a:prstGeom>
-          <a:noFill/>
-          <a:ln>
-            <a:noFill/>
-          </a:ln>
-          <a:extLst>
-            <a:ext uri="{909E8E84-426E-40DD-AFC4-6F175D3DCCD1}">
-              <a14:hiddenFill xmlns:a14="http://schemas.microsoft.com/office/drawing/2010/main">
-                <a:solidFill>
-                  <a:srgbClr val="FFFFFF"/>
-                </a:solidFill>
-              </a14:hiddenFill>
-            </a:ext>
-            <a:ext uri="{91240B29-F687-4F45-9708-019B960494DF}">
-              <a14:hiddenLine xmlns:a14="http://schemas.microsoft.com/office/drawing/2010/main" w="12700" cap="flat">
-                <a:solidFill>
-                  <a:srgbClr val="000000"/>
-                </a:solidFill>
-                <a:miter lim="800000"/>
-                <a:headEnd/>
-                <a:tailEnd/>
-              </a14:hiddenLine>
-            </a:ext>
-          </a:extLst>
-        </p:spPr>
-      </p:pic>
-      <p:pic>
-        <p:nvPicPr>
-          <p:cNvPr id="9" name="Picture 6">
-            <a:extLst>
-              <a:ext uri="{FF2B5EF4-FFF2-40B4-BE49-F238E27FC236}">
-                <a16:creationId xmlns:a16="http://schemas.microsoft.com/office/drawing/2014/main" id="{9580A349-A075-4678-91D9-32BFB55FEC54}"/>
-              </a:ext>
-            </a:extLst>
-          </p:cNvPr>
-          <p:cNvPicPr>
-            <a:picLocks noChangeAspect="1" noChangeArrowheads="1"/>
-          </p:cNvPicPr>
-          <p:nvPr/>
-        </p:nvPicPr>
-        <p:blipFill>
-          <a:blip r:embed="rId6">
-            <a:extLst>
-              <a:ext uri="{28A0092B-C50C-407E-A947-70E740481C1C}">
-                <a14:useLocalDpi xmlns:a14="http://schemas.microsoft.com/office/drawing/2010/main" val="0"/>
-              </a:ext>
-            </a:extLst>
-          </a:blip>
-          <a:srcRect/>
-          <a:stretch>
-            <a:fillRect/>
-          </a:stretch>
-        </p:blipFill>
-        <p:spPr bwMode="auto">
-          <a:xfrm>
-            <a:off x="8715098" y="4384896"/>
-            <a:ext cx="2774326" cy="2080744"/>
-          </a:xfrm>
-          <a:prstGeom prst="rect">
-            <a:avLst/>
-          </a:prstGeom>
-          <a:noFill/>
-          <a:ln>
-            <a:noFill/>
-          </a:ln>
-          <a:extLst>
-            <a:ext uri="{909E8E84-426E-40DD-AFC4-6F175D3DCCD1}">
-              <a14:hiddenFill xmlns:a14="http://schemas.microsoft.com/office/drawing/2010/main">
-                <a:solidFill>
-                  <a:srgbClr val="FFFFFF"/>
-                </a:solidFill>
-              </a14:hiddenFill>
-            </a:ext>
-            <a:ext uri="{91240B29-F687-4F45-9708-019B960494DF}">
-              <a14:hiddenLine xmlns:a14="http://schemas.microsoft.com/office/drawing/2010/main" w="12700" cap="flat">
-                <a:solidFill>
-                  <a:srgbClr val="000000"/>
-                </a:solidFill>
-                <a:miter lim="800000"/>
-                <a:headEnd/>
-                <a:tailEnd/>
-              </a14:hiddenLine>
-            </a:ext>
-          </a:extLst>
-        </p:spPr>
-      </p:pic>
     </p:spTree>
     <p:extLst>
       <p:ext uri="{BB962C8B-B14F-4D97-AF65-F5344CB8AC3E}">
-        <p14:creationId xmlns:p14="http://schemas.microsoft.com/office/powerpoint/2010/main" val="1153717640"/>
+        <p14:creationId xmlns:p14="http://schemas.microsoft.com/office/powerpoint/2010/main" val="731692765"/>
       </p:ext>
     </p:extLst>
   </p:cSld>
@@ -17509,7 +18307,7 @@
 </p:sld>
 </file>
 
-<file path=ppt/slides/slide5.xml><?xml version="1.0" encoding="utf-8"?>
+<file path=ppt/slides/slide6.xml><?xml version="1.0" encoding="utf-8"?>
 <p:sld xmlns:a="http://schemas.openxmlformats.org/drawingml/2006/main" xmlns:r="http://schemas.openxmlformats.org/officeDocument/2006/relationships" xmlns:p="http://schemas.openxmlformats.org/presentationml/2006/main">
   <p:cSld>
     <p:spTree>
@@ -17705,6 +18503,469 @@
         </p:nvSpPr>
         <p:spPr>
           <a:xfrm>
+            <a:off x="716902" y="1945561"/>
+            <a:ext cx="10743578" cy="2062063"/>
+          </a:xfrm>
+          <a:prstGeom prst="rect">
+            <a:avLst/>
+          </a:prstGeom>
+          <a:noFill/>
+          <a:ln>
+            <a:noFill/>
+          </a:ln>
+        </p:spPr>
+        <p:txBody>
+          <a:bodyPr spcFirstLastPara="1" wrap="square" lIns="91425" tIns="45700" rIns="91425" bIns="45700" anchor="t" anchorCtr="0">
+            <a:spAutoFit/>
+          </a:bodyPr>
+          <a:lstStyle/>
+          <a:p>
+            <a:pPr marR="0" lvl="0" algn="ctr" rtl="0">
+              <a:lnSpc>
+                <a:spcPct val="100000"/>
+              </a:lnSpc>
+              <a:spcBef>
+                <a:spcPts val="0"/>
+              </a:spcBef>
+              <a:spcAft>
+                <a:spcPts val="0"/>
+              </a:spcAft>
+              <a:buClr>
+                <a:schemeClr val="bg1"/>
+              </a:buClr>
+              <a:buSzPts val="2400"/>
+            </a:pPr>
+            <a:r>
+              <a:rPr lang="es-ES" sz="3200" b="1" i="1" dirty="0">
+                <a:solidFill>
+                  <a:schemeClr val="bg1">
+                    <a:lumMod val="95000"/>
+                  </a:schemeClr>
+                </a:solidFill>
+                <a:latin typeface="Calibri"/>
+                <a:cs typeface="Calibri"/>
+                <a:sym typeface="Calibri"/>
+              </a:rPr>
+              <a:t>Es una librería de Visión Artificial, que permite el procesado de imágenes, vídeos… que permite realizar </a:t>
+            </a:r>
+            <a:r>
+              <a:rPr lang="es-ES" sz="3200" b="1" i="1" dirty="0" err="1">
+                <a:solidFill>
+                  <a:schemeClr val="bg1">
+                    <a:lumMod val="95000"/>
+                  </a:schemeClr>
+                </a:solidFill>
+                <a:latin typeface="Calibri"/>
+                <a:cs typeface="Calibri"/>
+                <a:sym typeface="Calibri"/>
+              </a:rPr>
+              <a:t>PCA’s</a:t>
+            </a:r>
+            <a:r>
+              <a:rPr lang="es-ES" sz="3200" b="1" i="1" dirty="0">
+                <a:solidFill>
+                  <a:schemeClr val="bg1">
+                    <a:lumMod val="95000"/>
+                  </a:schemeClr>
+                </a:solidFill>
+                <a:latin typeface="Calibri"/>
+                <a:cs typeface="Calibri"/>
+                <a:sym typeface="Calibri"/>
+              </a:rPr>
+              <a:t> de nuestra muestra para optimizar el entrenamiento de nuestro modelo. Está disponible para C, C++ y Python.</a:t>
+            </a:r>
+          </a:p>
+        </p:txBody>
+      </p:sp>
+      <p:pic>
+        <p:nvPicPr>
+          <p:cNvPr id="7" name="Picture 4">
+            <a:extLst>
+              <a:ext uri="{FF2B5EF4-FFF2-40B4-BE49-F238E27FC236}">
+                <a16:creationId xmlns:a16="http://schemas.microsoft.com/office/drawing/2014/main" id="{D6BA61BA-097C-4DCE-8592-0AA5A571CE42}"/>
+              </a:ext>
+            </a:extLst>
+          </p:cNvPr>
+          <p:cNvPicPr>
+            <a:picLocks noChangeAspect="1" noChangeArrowheads="1"/>
+          </p:cNvPicPr>
+          <p:nvPr/>
+        </p:nvPicPr>
+        <p:blipFill>
+          <a:blip r:embed="rId4">
+            <a:extLst>
+              <a:ext uri="{28A0092B-C50C-407E-A947-70E740481C1C}">
+                <a14:useLocalDpi xmlns:a14="http://schemas.microsoft.com/office/drawing/2010/main" val="0"/>
+              </a:ext>
+            </a:extLst>
+          </a:blip>
+          <a:srcRect/>
+          <a:stretch>
+            <a:fillRect/>
+          </a:stretch>
+        </p:blipFill>
+        <p:spPr bwMode="auto">
+          <a:xfrm>
+            <a:off x="709986" y="4384896"/>
+            <a:ext cx="2774326" cy="2080744"/>
+          </a:xfrm>
+          <a:prstGeom prst="rect">
+            <a:avLst/>
+          </a:prstGeom>
+          <a:noFill/>
+          <a:ln>
+            <a:noFill/>
+          </a:ln>
+          <a:extLst>
+            <a:ext uri="{909E8E84-426E-40DD-AFC4-6F175D3DCCD1}">
+              <a14:hiddenFill xmlns:a14="http://schemas.microsoft.com/office/drawing/2010/main">
+                <a:solidFill>
+                  <a:srgbClr val="FFFFFF"/>
+                </a:solidFill>
+              </a14:hiddenFill>
+            </a:ext>
+            <a:ext uri="{91240B29-F687-4F45-9708-019B960494DF}">
+              <a14:hiddenLine xmlns:a14="http://schemas.microsoft.com/office/drawing/2010/main" w="12700" cap="flat">
+                <a:solidFill>
+                  <a:srgbClr val="000000"/>
+                </a:solidFill>
+                <a:miter lim="800000"/>
+                <a:headEnd/>
+                <a:tailEnd/>
+              </a14:hiddenLine>
+            </a:ext>
+          </a:extLst>
+        </p:spPr>
+      </p:pic>
+      <p:pic>
+        <p:nvPicPr>
+          <p:cNvPr id="8" name="Picture 5">
+            <a:extLst>
+              <a:ext uri="{FF2B5EF4-FFF2-40B4-BE49-F238E27FC236}">
+                <a16:creationId xmlns:a16="http://schemas.microsoft.com/office/drawing/2014/main" id="{19F6E6E8-A021-4FA2-8BAD-CB8E82BE6851}"/>
+              </a:ext>
+            </a:extLst>
+          </p:cNvPr>
+          <p:cNvPicPr>
+            <a:picLocks noChangeAspect="1" noChangeArrowheads="1"/>
+          </p:cNvPicPr>
+          <p:nvPr/>
+        </p:nvPicPr>
+        <p:blipFill>
+          <a:blip r:embed="rId5">
+            <a:extLst>
+              <a:ext uri="{28A0092B-C50C-407E-A947-70E740481C1C}">
+                <a14:useLocalDpi xmlns:a14="http://schemas.microsoft.com/office/drawing/2010/main" val="0"/>
+              </a:ext>
+            </a:extLst>
+          </a:blip>
+          <a:srcRect/>
+          <a:stretch>
+            <a:fillRect/>
+          </a:stretch>
+        </p:blipFill>
+        <p:spPr bwMode="auto">
+          <a:xfrm>
+            <a:off x="4707626" y="4384896"/>
+            <a:ext cx="2774326" cy="2080744"/>
+          </a:xfrm>
+          <a:prstGeom prst="rect">
+            <a:avLst/>
+          </a:prstGeom>
+          <a:noFill/>
+          <a:ln>
+            <a:noFill/>
+          </a:ln>
+          <a:extLst>
+            <a:ext uri="{909E8E84-426E-40DD-AFC4-6F175D3DCCD1}">
+              <a14:hiddenFill xmlns:a14="http://schemas.microsoft.com/office/drawing/2010/main">
+                <a:solidFill>
+                  <a:srgbClr val="FFFFFF"/>
+                </a:solidFill>
+              </a14:hiddenFill>
+            </a:ext>
+            <a:ext uri="{91240B29-F687-4F45-9708-019B960494DF}">
+              <a14:hiddenLine xmlns:a14="http://schemas.microsoft.com/office/drawing/2010/main" w="12700" cap="flat">
+                <a:solidFill>
+                  <a:srgbClr val="000000"/>
+                </a:solidFill>
+                <a:miter lim="800000"/>
+                <a:headEnd/>
+                <a:tailEnd/>
+              </a14:hiddenLine>
+            </a:ext>
+          </a:extLst>
+        </p:spPr>
+      </p:pic>
+      <p:pic>
+        <p:nvPicPr>
+          <p:cNvPr id="9" name="Picture 6">
+            <a:extLst>
+              <a:ext uri="{FF2B5EF4-FFF2-40B4-BE49-F238E27FC236}">
+                <a16:creationId xmlns:a16="http://schemas.microsoft.com/office/drawing/2014/main" id="{9580A349-A075-4678-91D9-32BFB55FEC54}"/>
+              </a:ext>
+            </a:extLst>
+          </p:cNvPr>
+          <p:cNvPicPr>
+            <a:picLocks noChangeAspect="1" noChangeArrowheads="1"/>
+          </p:cNvPicPr>
+          <p:nvPr/>
+        </p:nvPicPr>
+        <p:blipFill>
+          <a:blip r:embed="rId6">
+            <a:extLst>
+              <a:ext uri="{28A0092B-C50C-407E-A947-70E740481C1C}">
+                <a14:useLocalDpi xmlns:a14="http://schemas.microsoft.com/office/drawing/2010/main" val="0"/>
+              </a:ext>
+            </a:extLst>
+          </a:blip>
+          <a:srcRect/>
+          <a:stretch>
+            <a:fillRect/>
+          </a:stretch>
+        </p:blipFill>
+        <p:spPr bwMode="auto">
+          <a:xfrm>
+            <a:off x="8715098" y="4384896"/>
+            <a:ext cx="2774326" cy="2080744"/>
+          </a:xfrm>
+          <a:prstGeom prst="rect">
+            <a:avLst/>
+          </a:prstGeom>
+          <a:noFill/>
+          <a:ln>
+            <a:noFill/>
+          </a:ln>
+          <a:extLst>
+            <a:ext uri="{909E8E84-426E-40DD-AFC4-6F175D3DCCD1}">
+              <a14:hiddenFill xmlns:a14="http://schemas.microsoft.com/office/drawing/2010/main">
+                <a:solidFill>
+                  <a:srgbClr val="FFFFFF"/>
+                </a:solidFill>
+              </a14:hiddenFill>
+            </a:ext>
+            <a:ext uri="{91240B29-F687-4F45-9708-019B960494DF}">
+              <a14:hiddenLine xmlns:a14="http://schemas.microsoft.com/office/drawing/2010/main" w="12700" cap="flat">
+                <a:solidFill>
+                  <a:srgbClr val="000000"/>
+                </a:solidFill>
+                <a:miter lim="800000"/>
+                <a:headEnd/>
+                <a:tailEnd/>
+              </a14:hiddenLine>
+            </a:ext>
+          </a:extLst>
+        </p:spPr>
+      </p:pic>
+    </p:spTree>
+    <p:extLst>
+      <p:ext uri="{BB962C8B-B14F-4D97-AF65-F5344CB8AC3E}">
+        <p14:creationId xmlns:p14="http://schemas.microsoft.com/office/powerpoint/2010/main" val="1153717640"/>
+      </p:ext>
+    </p:extLst>
+  </p:cSld>
+  <p:clrMapOvr>
+    <a:masterClrMapping/>
+  </p:clrMapOvr>
+</p:sld>
+</file>
+
+<file path=ppt/slides/slide7.xml><?xml version="1.0" encoding="utf-8"?>
+<p:sld xmlns:a="http://schemas.openxmlformats.org/drawingml/2006/main" xmlns:r="http://schemas.openxmlformats.org/officeDocument/2006/relationships" xmlns:p="http://schemas.openxmlformats.org/presentationml/2006/main">
+  <p:cSld>
+    <p:spTree>
+      <p:nvGrpSpPr>
+        <p:cNvPr id="1" name="Shape 90"/>
+        <p:cNvGrpSpPr/>
+        <p:nvPr/>
+      </p:nvGrpSpPr>
+      <p:grpSpPr>
+        <a:xfrm>
+          <a:off x="0" y="0"/>
+          <a:ext cx="0" cy="0"/>
+          <a:chOff x="0" y="0"/>
+          <a:chExt cx="0" cy="0"/>
+        </a:xfrm>
+      </p:grpSpPr>
+      <p:sp>
+        <p:nvSpPr>
+          <p:cNvPr id="91" name="Google Shape;91;p2"/>
+          <p:cNvSpPr txBox="1">
+            <a:spLocks noGrp="1"/>
+          </p:cNvSpPr>
+          <p:nvPr>
+            <p:ph type="title"/>
+          </p:nvPr>
+        </p:nvSpPr>
+        <p:spPr>
+          <a:xfrm>
+            <a:off x="716902" y="290092"/>
+            <a:ext cx="10515600" cy="1325563"/>
+          </a:xfrm>
+          <a:prstGeom prst="rect">
+            <a:avLst/>
+          </a:prstGeom>
+          <a:noFill/>
+          <a:ln>
+            <a:noFill/>
+          </a:ln>
+        </p:spPr>
+        <p:txBody>
+          <a:bodyPr spcFirstLastPara="1" wrap="square" lIns="91425" tIns="45700" rIns="91425" bIns="45700" anchor="ctr" anchorCtr="0">
+            <a:normAutofit/>
+          </a:bodyPr>
+          <a:lstStyle/>
+          <a:p>
+            <a:pPr marL="0" lvl="0" indent="0" algn="l" rtl="0">
+              <a:lnSpc>
+                <a:spcPct val="90000"/>
+              </a:lnSpc>
+              <a:spcBef>
+                <a:spcPts val="0"/>
+              </a:spcBef>
+              <a:spcAft>
+                <a:spcPts val="0"/>
+              </a:spcAft>
+              <a:buClr>
+                <a:schemeClr val="lt1"/>
+              </a:buClr>
+              <a:buSzPts val="4400"/>
+              <a:buFont typeface="Calibri"/>
+              <a:buNone/>
+            </a:pPr>
+            <a:r>
+              <a:rPr lang="es-ES" dirty="0" err="1"/>
+              <a:t>OpenCV</a:t>
+            </a:r>
+            <a:endParaRPr dirty="0"/>
+          </a:p>
+        </p:txBody>
+      </p:sp>
+      <p:sp>
+        <p:nvSpPr>
+          <p:cNvPr id="93" name="Google Shape;93;p2"/>
+          <p:cNvSpPr/>
+          <p:nvPr/>
+        </p:nvSpPr>
+        <p:spPr>
+          <a:xfrm>
+            <a:off x="497691" y="763312"/>
+            <a:ext cx="90138" cy="654341"/>
+          </a:xfrm>
+          <a:prstGeom prst="rect">
+            <a:avLst/>
+          </a:prstGeom>
+          <a:solidFill>
+            <a:srgbClr val="C00000"/>
+          </a:solidFill>
+          <a:ln>
+            <a:noFill/>
+          </a:ln>
+        </p:spPr>
+        <p:txBody>
+          <a:bodyPr spcFirstLastPara="1" wrap="square" lIns="91425" tIns="45700" rIns="91425" bIns="45700" anchor="ctr" anchorCtr="0">
+            <a:noAutofit/>
+          </a:bodyPr>
+          <a:lstStyle/>
+          <a:p>
+            <a:pPr marL="0" marR="0" lvl="0" indent="0" algn="ctr" rtl="0">
+              <a:lnSpc>
+                <a:spcPct val="100000"/>
+              </a:lnSpc>
+              <a:spcBef>
+                <a:spcPts val="0"/>
+              </a:spcBef>
+              <a:spcAft>
+                <a:spcPts val="0"/>
+              </a:spcAft>
+              <a:buClr>
+                <a:srgbClr val="000000"/>
+              </a:buClr>
+              <a:buSzPts val="1800"/>
+              <a:buFont typeface="Arial"/>
+              <a:buNone/>
+            </a:pPr>
+            <a:endParaRPr sz="1800" b="0" i="0" u="none" strike="noStrike" cap="none">
+              <a:solidFill>
+                <a:schemeClr val="lt1"/>
+              </a:solidFill>
+              <a:latin typeface="Calibri"/>
+              <a:ea typeface="Calibri"/>
+              <a:cs typeface="Calibri"/>
+              <a:sym typeface="Calibri"/>
+            </a:endParaRPr>
+          </a:p>
+        </p:txBody>
+      </p:sp>
+      <p:pic>
+        <p:nvPicPr>
+          <p:cNvPr id="6" name="Picture 4" descr="Adding OpenCV 4.1.2 to Visual Studio 2019 Project in Windows using  Pre-built binaries | by Ye Joo Park | Medium">
+            <a:extLst>
+              <a:ext uri="{FF2B5EF4-FFF2-40B4-BE49-F238E27FC236}">
+                <a16:creationId xmlns:a16="http://schemas.microsoft.com/office/drawing/2014/main" id="{21C87F93-37F3-4740-B471-E34D243F6EAB}"/>
+              </a:ext>
+            </a:extLst>
+          </p:cNvPr>
+          <p:cNvPicPr>
+            <a:picLocks noChangeAspect="1" noChangeArrowheads="1"/>
+          </p:cNvPicPr>
+          <p:nvPr/>
+        </p:nvPicPr>
+        <p:blipFill rotWithShape="1">
+          <a:blip r:embed="rId3">
+            <a:clrChange>
+              <a:clrFrom>
+                <a:srgbClr val="000000"/>
+              </a:clrFrom>
+              <a:clrTo>
+                <a:srgbClr val="000000">
+                  <a:alpha val="0"/>
+                </a:srgbClr>
+              </a:clrTo>
+            </a:clrChange>
+            <a:extLst>
+              <a:ext uri="{28A0092B-C50C-407E-A947-70E740481C1C}">
+                <a14:useLocalDpi xmlns:a14="http://schemas.microsoft.com/office/drawing/2010/main" val="0"/>
+              </a:ext>
+            </a:extLst>
+          </a:blip>
+          <a:srcRect l="70200" t="25715" r="12100" b="22143"/>
+          <a:stretch/>
+        </p:blipFill>
+        <p:spPr bwMode="auto">
+          <a:xfrm>
+            <a:off x="10680456" y="309142"/>
+            <a:ext cx="1104091" cy="1366079"/>
+          </a:xfrm>
+          <a:prstGeom prst="rect">
+            <a:avLst/>
+          </a:prstGeom>
+          <a:noFill/>
+          <a:extLst>
+            <a:ext uri="{909E8E84-426E-40DD-AFC4-6F175D3DCCD1}">
+              <a14:hiddenFill xmlns:a14="http://schemas.microsoft.com/office/drawing/2010/main">
+                <a:solidFill>
+                  <a:srgbClr val="FFFFFF"/>
+                </a:solidFill>
+              </a14:hiddenFill>
+            </a:ext>
+          </a:extLst>
+        </p:spPr>
+      </p:pic>
+      <p:sp>
+        <p:nvSpPr>
+          <p:cNvPr id="63" name="Google Shape;128;p34">
+            <a:extLst>
+              <a:ext uri="{FF2B5EF4-FFF2-40B4-BE49-F238E27FC236}">
+                <a16:creationId xmlns:a16="http://schemas.microsoft.com/office/drawing/2014/main" id="{5609CFF8-8B58-4AEB-AF04-D3EB36FC139C}"/>
+              </a:ext>
+            </a:extLst>
+          </p:cNvPr>
+          <p:cNvSpPr/>
+          <p:nvPr/>
+        </p:nvSpPr>
+        <p:spPr>
+          <a:xfrm>
             <a:off x="716902" y="1719418"/>
             <a:ext cx="10743578" cy="2554505"/>
           </a:xfrm>
@@ -18084,7 +19345,7 @@
 </p:sld>
 </file>
 
-<file path=ppt/slides/slide6.xml><?xml version="1.0" encoding="utf-8"?>
+<file path=ppt/slides/slide8.xml><?xml version="1.0" encoding="utf-8"?>
 <p:sld xmlns:a="http://schemas.openxmlformats.org/drawingml/2006/main" xmlns:r="http://schemas.openxmlformats.org/officeDocument/2006/relationships" xmlns:p="http://schemas.openxmlformats.org/presentationml/2006/main">
   <p:cSld>
     <p:spTree>
@@ -19063,7 +20324,7 @@
 </p:sld>
 </file>
 
-<file path=ppt/slides/slide7.xml><?xml version="1.0" encoding="utf-8"?>
+<file path=ppt/slides/slide9.xml><?xml version="1.0" encoding="utf-8"?>
 <p:sld xmlns:a="http://schemas.openxmlformats.org/drawingml/2006/main" xmlns:r="http://schemas.openxmlformats.org/officeDocument/2006/relationships" xmlns:p="http://schemas.openxmlformats.org/presentationml/2006/main">
   <p:cSld>
     <p:spTree>
@@ -19470,606 +20731,6 @@
     <p:extLst>
       <p:ext uri="{BB962C8B-B14F-4D97-AF65-F5344CB8AC3E}">
         <p14:creationId xmlns:p14="http://schemas.microsoft.com/office/powerpoint/2010/main" val="569165686"/>
-      </p:ext>
-    </p:extLst>
-  </p:cSld>
-  <p:clrMapOvr>
-    <a:masterClrMapping/>
-  </p:clrMapOvr>
-</p:sld>
-</file>
-
-<file path=ppt/slides/slide8.xml><?xml version="1.0" encoding="utf-8"?>
-<p:sld xmlns:a="http://schemas.openxmlformats.org/drawingml/2006/main" xmlns:r="http://schemas.openxmlformats.org/officeDocument/2006/relationships" xmlns:p="http://schemas.openxmlformats.org/presentationml/2006/main">
-  <p:cSld>
-    <p:spTree>
-      <p:nvGrpSpPr>
-        <p:cNvPr id="1" name="Shape 90"/>
-        <p:cNvGrpSpPr/>
-        <p:nvPr/>
-      </p:nvGrpSpPr>
-      <p:grpSpPr>
-        <a:xfrm>
-          <a:off x="0" y="0"/>
-          <a:ext cx="0" cy="0"/>
-          <a:chOff x="0" y="0"/>
-          <a:chExt cx="0" cy="0"/>
-        </a:xfrm>
-      </p:grpSpPr>
-      <p:sp>
-        <p:nvSpPr>
-          <p:cNvPr id="91" name="Google Shape;91;p2"/>
-          <p:cNvSpPr txBox="1">
-            <a:spLocks noGrp="1"/>
-          </p:cNvSpPr>
-          <p:nvPr>
-            <p:ph type="title"/>
-          </p:nvPr>
-        </p:nvSpPr>
-        <p:spPr>
-          <a:xfrm>
-            <a:off x="716902" y="290092"/>
-            <a:ext cx="10515600" cy="1325563"/>
-          </a:xfrm>
-          <a:prstGeom prst="rect">
-            <a:avLst/>
-          </a:prstGeom>
-          <a:noFill/>
-          <a:ln>
-            <a:noFill/>
-          </a:ln>
-        </p:spPr>
-        <p:txBody>
-          <a:bodyPr spcFirstLastPara="1" wrap="square" lIns="91425" tIns="45700" rIns="91425" bIns="45700" anchor="ctr" anchorCtr="0">
-            <a:normAutofit/>
-          </a:bodyPr>
-          <a:lstStyle/>
-          <a:p>
-            <a:pPr marL="0" lvl="0" indent="0" algn="l" rtl="0">
-              <a:lnSpc>
-                <a:spcPct val="90000"/>
-              </a:lnSpc>
-              <a:spcBef>
-                <a:spcPts val="0"/>
-              </a:spcBef>
-              <a:spcAft>
-                <a:spcPts val="0"/>
-              </a:spcAft>
-              <a:buClr>
-                <a:schemeClr val="lt1"/>
-              </a:buClr>
-              <a:buSzPts val="4400"/>
-              <a:buFont typeface="Calibri"/>
-              <a:buNone/>
-            </a:pPr>
-            <a:r>
-              <a:rPr lang="es-ES" dirty="0" err="1"/>
-              <a:t>OpenCV</a:t>
-            </a:r>
-            <a:endParaRPr dirty="0"/>
-          </a:p>
-        </p:txBody>
-      </p:sp>
-      <p:sp>
-        <p:nvSpPr>
-          <p:cNvPr id="93" name="Google Shape;93;p2"/>
-          <p:cNvSpPr/>
-          <p:nvPr/>
-        </p:nvSpPr>
-        <p:spPr>
-          <a:xfrm>
-            <a:off x="497691" y="763312"/>
-            <a:ext cx="90138" cy="654341"/>
-          </a:xfrm>
-          <a:prstGeom prst="rect">
-            <a:avLst/>
-          </a:prstGeom>
-          <a:solidFill>
-            <a:srgbClr val="C00000"/>
-          </a:solidFill>
-          <a:ln>
-            <a:noFill/>
-          </a:ln>
-        </p:spPr>
-        <p:txBody>
-          <a:bodyPr spcFirstLastPara="1" wrap="square" lIns="91425" tIns="45700" rIns="91425" bIns="45700" anchor="ctr" anchorCtr="0">
-            <a:noAutofit/>
-          </a:bodyPr>
-          <a:lstStyle/>
-          <a:p>
-            <a:pPr marL="0" marR="0" lvl="0" indent="0" algn="ctr" rtl="0">
-              <a:lnSpc>
-                <a:spcPct val="100000"/>
-              </a:lnSpc>
-              <a:spcBef>
-                <a:spcPts val="0"/>
-              </a:spcBef>
-              <a:spcAft>
-                <a:spcPts val="0"/>
-              </a:spcAft>
-              <a:buClr>
-                <a:srgbClr val="000000"/>
-              </a:buClr>
-              <a:buSzPts val="1800"/>
-              <a:buFont typeface="Arial"/>
-              <a:buNone/>
-            </a:pPr>
-            <a:endParaRPr sz="1800" b="0" i="0" u="none" strike="noStrike" cap="none">
-              <a:solidFill>
-                <a:schemeClr val="lt1"/>
-              </a:solidFill>
-              <a:latin typeface="Calibri"/>
-              <a:ea typeface="Calibri"/>
-              <a:cs typeface="Calibri"/>
-              <a:sym typeface="Calibri"/>
-            </a:endParaRPr>
-          </a:p>
-        </p:txBody>
-      </p:sp>
-      <p:pic>
-        <p:nvPicPr>
-          <p:cNvPr id="6" name="Picture 4" descr="Adding OpenCV 4.1.2 to Visual Studio 2019 Project in Windows using  Pre-built binaries | by Ye Joo Park | Medium">
-            <a:extLst>
-              <a:ext uri="{FF2B5EF4-FFF2-40B4-BE49-F238E27FC236}">
-                <a16:creationId xmlns:a16="http://schemas.microsoft.com/office/drawing/2014/main" id="{21C87F93-37F3-4740-B471-E34D243F6EAB}"/>
-              </a:ext>
-            </a:extLst>
-          </p:cNvPr>
-          <p:cNvPicPr>
-            <a:picLocks noChangeAspect="1" noChangeArrowheads="1"/>
-          </p:cNvPicPr>
-          <p:nvPr/>
-        </p:nvPicPr>
-        <p:blipFill rotWithShape="1">
-          <a:blip r:embed="rId3">
-            <a:clrChange>
-              <a:clrFrom>
-                <a:srgbClr val="000000"/>
-              </a:clrFrom>
-              <a:clrTo>
-                <a:srgbClr val="000000">
-                  <a:alpha val="0"/>
-                </a:srgbClr>
-              </a:clrTo>
-            </a:clrChange>
-            <a:extLst>
-              <a:ext uri="{28A0092B-C50C-407E-A947-70E740481C1C}">
-                <a14:useLocalDpi xmlns:a14="http://schemas.microsoft.com/office/drawing/2010/main" val="0"/>
-              </a:ext>
-            </a:extLst>
-          </a:blip>
-          <a:srcRect l="70200" t="25715" r="12100" b="22143"/>
-          <a:stretch/>
-        </p:blipFill>
-        <p:spPr bwMode="auto">
-          <a:xfrm>
-            <a:off x="10680456" y="309142"/>
-            <a:ext cx="1104091" cy="1366079"/>
-          </a:xfrm>
-          <a:prstGeom prst="rect">
-            <a:avLst/>
-          </a:prstGeom>
-          <a:noFill/>
-          <a:extLst>
-            <a:ext uri="{909E8E84-426E-40DD-AFC4-6F175D3DCCD1}">
-              <a14:hiddenFill xmlns:a14="http://schemas.microsoft.com/office/drawing/2010/main">
-                <a:solidFill>
-                  <a:srgbClr val="FFFFFF"/>
-                </a:solidFill>
-              </a14:hiddenFill>
-            </a:ext>
-          </a:extLst>
-        </p:spPr>
-      </p:pic>
-      <p:pic>
-        <p:nvPicPr>
-          <p:cNvPr id="1026" name="Picture 2">
-            <a:extLst>
-              <a:ext uri="{FF2B5EF4-FFF2-40B4-BE49-F238E27FC236}">
-                <a16:creationId xmlns:a16="http://schemas.microsoft.com/office/drawing/2014/main" id="{CDE4F1E1-E60C-4C33-8620-3379A291DB9B}"/>
-              </a:ext>
-            </a:extLst>
-          </p:cNvPr>
-          <p:cNvPicPr>
-            <a:picLocks noChangeAspect="1" noChangeArrowheads="1"/>
-          </p:cNvPicPr>
-          <p:nvPr/>
-        </p:nvPicPr>
-        <p:blipFill rotWithShape="1">
-          <a:blip r:embed="rId4">
-            <a:extLst>
-              <a:ext uri="{28A0092B-C50C-407E-A947-70E740481C1C}">
-                <a14:useLocalDpi xmlns:a14="http://schemas.microsoft.com/office/drawing/2010/main" val="0"/>
-              </a:ext>
-            </a:extLst>
-          </a:blip>
-          <a:srcRect l="15782" t="25681" r="20131" b="17545"/>
-          <a:stretch/>
-        </p:blipFill>
-        <p:spPr bwMode="auto">
-          <a:xfrm>
-            <a:off x="3426541" y="1990295"/>
-            <a:ext cx="5338917" cy="3547333"/>
-          </a:xfrm>
-          <a:prstGeom prst="rect">
-            <a:avLst/>
-          </a:prstGeom>
-          <a:noFill/>
-          <a:extLst>
-            <a:ext uri="{909E8E84-426E-40DD-AFC4-6F175D3DCCD1}">
-              <a14:hiddenFill xmlns:a14="http://schemas.microsoft.com/office/drawing/2010/main">
-                <a:solidFill>
-                  <a:srgbClr val="FFFFFF"/>
-                </a:solidFill>
-              </a14:hiddenFill>
-            </a:ext>
-          </a:extLst>
-        </p:spPr>
-      </p:pic>
-    </p:spTree>
-    <p:extLst>
-      <p:ext uri="{BB962C8B-B14F-4D97-AF65-F5344CB8AC3E}">
-        <p14:creationId xmlns:p14="http://schemas.microsoft.com/office/powerpoint/2010/main" val="1920300517"/>
-      </p:ext>
-    </p:extLst>
-  </p:cSld>
-  <p:clrMapOvr>
-    <a:masterClrMapping/>
-  </p:clrMapOvr>
-</p:sld>
-</file>
-
-<file path=ppt/slides/slide9.xml><?xml version="1.0" encoding="utf-8"?>
-<p:sld xmlns:a="http://schemas.openxmlformats.org/drawingml/2006/main" xmlns:r="http://schemas.openxmlformats.org/officeDocument/2006/relationships" xmlns:p="http://schemas.openxmlformats.org/presentationml/2006/main">
-  <p:cSld>
-    <p:spTree>
-      <p:nvGrpSpPr>
-        <p:cNvPr id="1" name="Shape 90"/>
-        <p:cNvGrpSpPr/>
-        <p:nvPr/>
-      </p:nvGrpSpPr>
-      <p:grpSpPr>
-        <a:xfrm>
-          <a:off x="0" y="0"/>
-          <a:ext cx="0" cy="0"/>
-          <a:chOff x="0" y="0"/>
-          <a:chExt cx="0" cy="0"/>
-        </a:xfrm>
-      </p:grpSpPr>
-      <p:sp>
-        <p:nvSpPr>
-          <p:cNvPr id="91" name="Google Shape;91;p2"/>
-          <p:cNvSpPr txBox="1">
-            <a:spLocks noGrp="1"/>
-          </p:cNvSpPr>
-          <p:nvPr>
-            <p:ph type="title"/>
-          </p:nvPr>
-        </p:nvSpPr>
-        <p:spPr>
-          <a:xfrm>
-            <a:off x="716902" y="271042"/>
-            <a:ext cx="10515600" cy="1325563"/>
-          </a:xfrm>
-          <a:prstGeom prst="rect">
-            <a:avLst/>
-          </a:prstGeom>
-          <a:noFill/>
-          <a:ln>
-            <a:noFill/>
-          </a:ln>
-        </p:spPr>
-        <p:txBody>
-          <a:bodyPr spcFirstLastPara="1" wrap="square" lIns="91425" tIns="45700" rIns="91425" bIns="45700" anchor="ctr" anchorCtr="0">
-            <a:normAutofit/>
-          </a:bodyPr>
-          <a:lstStyle/>
-          <a:p>
-            <a:pPr marL="0" lvl="0" indent="0" algn="l" rtl="0">
-              <a:lnSpc>
-                <a:spcPct val="90000"/>
-              </a:lnSpc>
-              <a:spcBef>
-                <a:spcPts val="0"/>
-              </a:spcBef>
-              <a:spcAft>
-                <a:spcPts val="0"/>
-              </a:spcAft>
-              <a:buClr>
-                <a:schemeClr val="lt1"/>
-              </a:buClr>
-              <a:buSzPts val="4400"/>
-              <a:buFont typeface="Calibri"/>
-              <a:buNone/>
-            </a:pPr>
-            <a:r>
-              <a:rPr lang="es-ES" dirty="0" err="1"/>
-              <a:t>OpenCV</a:t>
-            </a:r>
-            <a:endParaRPr dirty="0"/>
-          </a:p>
-        </p:txBody>
-      </p:sp>
-      <p:sp>
-        <p:nvSpPr>
-          <p:cNvPr id="93" name="Google Shape;93;p2"/>
-          <p:cNvSpPr/>
-          <p:nvPr/>
-        </p:nvSpPr>
-        <p:spPr>
-          <a:xfrm>
-            <a:off x="497691" y="763312"/>
-            <a:ext cx="90138" cy="654341"/>
-          </a:xfrm>
-          <a:prstGeom prst="rect">
-            <a:avLst/>
-          </a:prstGeom>
-          <a:solidFill>
-            <a:srgbClr val="C00000"/>
-          </a:solidFill>
-          <a:ln>
-            <a:noFill/>
-          </a:ln>
-        </p:spPr>
-        <p:txBody>
-          <a:bodyPr spcFirstLastPara="1" wrap="square" lIns="91425" tIns="45700" rIns="91425" bIns="45700" anchor="ctr" anchorCtr="0">
-            <a:noAutofit/>
-          </a:bodyPr>
-          <a:lstStyle/>
-          <a:p>
-            <a:pPr marL="0" marR="0" lvl="0" indent="0" algn="ctr" rtl="0">
-              <a:lnSpc>
-                <a:spcPct val="100000"/>
-              </a:lnSpc>
-              <a:spcBef>
-                <a:spcPts val="0"/>
-              </a:spcBef>
-              <a:spcAft>
-                <a:spcPts val="0"/>
-              </a:spcAft>
-              <a:buClr>
-                <a:srgbClr val="000000"/>
-              </a:buClr>
-              <a:buSzPts val="1800"/>
-              <a:buFont typeface="Arial"/>
-              <a:buNone/>
-            </a:pPr>
-            <a:endParaRPr sz="1800" b="0" i="0" u="none" strike="noStrike" cap="none">
-              <a:solidFill>
-                <a:schemeClr val="lt1"/>
-              </a:solidFill>
-              <a:latin typeface="Calibri"/>
-              <a:ea typeface="Calibri"/>
-              <a:cs typeface="Calibri"/>
-              <a:sym typeface="Calibri"/>
-            </a:endParaRPr>
-          </a:p>
-        </p:txBody>
-      </p:sp>
-      <p:pic>
-        <p:nvPicPr>
-          <p:cNvPr id="6" name="Picture 4" descr="Adding OpenCV 4.1.2 to Visual Studio 2019 Project in Windows using  Pre-built binaries | by Ye Joo Park | Medium">
-            <a:extLst>
-              <a:ext uri="{FF2B5EF4-FFF2-40B4-BE49-F238E27FC236}">
-                <a16:creationId xmlns:a16="http://schemas.microsoft.com/office/drawing/2014/main" id="{21C87F93-37F3-4740-B471-E34D243F6EAB}"/>
-              </a:ext>
-            </a:extLst>
-          </p:cNvPr>
-          <p:cNvPicPr>
-            <a:picLocks noChangeAspect="1" noChangeArrowheads="1"/>
-          </p:cNvPicPr>
-          <p:nvPr/>
-        </p:nvPicPr>
-        <p:blipFill rotWithShape="1">
-          <a:blip r:embed="rId3">
-            <a:clrChange>
-              <a:clrFrom>
-                <a:srgbClr val="000000"/>
-              </a:clrFrom>
-              <a:clrTo>
-                <a:srgbClr val="000000">
-                  <a:alpha val="0"/>
-                </a:srgbClr>
-              </a:clrTo>
-            </a:clrChange>
-            <a:extLst>
-              <a:ext uri="{28A0092B-C50C-407E-A947-70E740481C1C}">
-                <a14:useLocalDpi xmlns:a14="http://schemas.microsoft.com/office/drawing/2010/main" val="0"/>
-              </a:ext>
-            </a:extLst>
-          </a:blip>
-          <a:srcRect l="70200" t="25715" r="12100" b="22143"/>
-          <a:stretch/>
-        </p:blipFill>
-        <p:spPr bwMode="auto">
-          <a:xfrm>
-            <a:off x="10680456" y="309142"/>
-            <a:ext cx="1104091" cy="1366079"/>
-          </a:xfrm>
-          <a:prstGeom prst="rect">
-            <a:avLst/>
-          </a:prstGeom>
-          <a:noFill/>
-          <a:extLst>
-            <a:ext uri="{909E8E84-426E-40DD-AFC4-6F175D3DCCD1}">
-              <a14:hiddenFill xmlns:a14="http://schemas.microsoft.com/office/drawing/2010/main">
-                <a:solidFill>
-                  <a:srgbClr val="FFFFFF"/>
-                </a:solidFill>
-              </a14:hiddenFill>
-            </a:ext>
-          </a:extLst>
-        </p:spPr>
-      </p:pic>
-      <p:pic>
-        <p:nvPicPr>
-          <p:cNvPr id="5" name="Imagen 4">
-            <a:extLst>
-              <a:ext uri="{FF2B5EF4-FFF2-40B4-BE49-F238E27FC236}">
-                <a16:creationId xmlns:a16="http://schemas.microsoft.com/office/drawing/2014/main" id="{31401059-18D9-4217-B4E1-CA5338E3B26F}"/>
-              </a:ext>
-            </a:extLst>
-          </p:cNvPr>
-          <p:cNvPicPr>
-            <a:picLocks noChangeAspect="1"/>
-          </p:cNvPicPr>
-          <p:nvPr/>
-        </p:nvPicPr>
-        <p:blipFill>
-          <a:blip r:embed="rId4"/>
-          <a:stretch>
-            <a:fillRect/>
-          </a:stretch>
-        </p:blipFill>
-        <p:spPr>
-          <a:xfrm>
-            <a:off x="6184252" y="3169948"/>
-            <a:ext cx="4932521" cy="3116655"/>
-          </a:xfrm>
-          <a:prstGeom prst="rect">
-            <a:avLst/>
-          </a:prstGeom>
-        </p:spPr>
-      </p:pic>
-      <p:pic>
-        <p:nvPicPr>
-          <p:cNvPr id="1026" name="Picture 2" descr="Object Detection with Python. This post is present a object detection… | by  King.of.nerds | Analytics Vidhya | Medium">
-            <a:extLst>
-              <a:ext uri="{FF2B5EF4-FFF2-40B4-BE49-F238E27FC236}">
-                <a16:creationId xmlns:a16="http://schemas.microsoft.com/office/drawing/2014/main" id="{EAA91244-534C-4B21-B38F-D3F49FAE3963}"/>
-              </a:ext>
-            </a:extLst>
-          </p:cNvPr>
-          <p:cNvPicPr>
-            <a:picLocks noChangeAspect="1" noChangeArrowheads="1"/>
-          </p:cNvPicPr>
-          <p:nvPr/>
-        </p:nvPicPr>
-        <p:blipFill>
-          <a:blip r:embed="rId5">
-            <a:extLst>
-              <a:ext uri="{28A0092B-C50C-407E-A947-70E740481C1C}">
-                <a14:useLocalDpi xmlns:a14="http://schemas.microsoft.com/office/drawing/2010/main" val="0"/>
-              </a:ext>
-            </a:extLst>
-          </a:blip>
-          <a:srcRect/>
-          <a:stretch>
-            <a:fillRect/>
-          </a:stretch>
-        </p:blipFill>
-        <p:spPr bwMode="auto">
-          <a:xfrm>
-            <a:off x="869303" y="2968588"/>
-            <a:ext cx="4121798" cy="3318015"/>
-          </a:xfrm>
-          <a:prstGeom prst="rect">
-            <a:avLst/>
-          </a:prstGeom>
-          <a:noFill/>
-          <a:extLst>
-            <a:ext uri="{909E8E84-426E-40DD-AFC4-6F175D3DCCD1}">
-              <a14:hiddenFill xmlns:a14="http://schemas.microsoft.com/office/drawing/2010/main">
-                <a:solidFill>
-                  <a:srgbClr val="FFFFFF"/>
-                </a:solidFill>
-              </a14:hiddenFill>
-            </a:ext>
-          </a:extLst>
-        </p:spPr>
-      </p:pic>
-      <p:sp>
-        <p:nvSpPr>
-          <p:cNvPr id="17" name="Google Shape;128;p34">
-            <a:extLst>
-              <a:ext uri="{FF2B5EF4-FFF2-40B4-BE49-F238E27FC236}">
-                <a16:creationId xmlns:a16="http://schemas.microsoft.com/office/drawing/2014/main" id="{AFF6FE04-97CD-45F0-A28E-1DCC753AD7DD}"/>
-              </a:ext>
-            </a:extLst>
-          </p:cNvPr>
-          <p:cNvSpPr/>
-          <p:nvPr/>
-        </p:nvSpPr>
-        <p:spPr>
-          <a:xfrm>
-            <a:off x="602913" y="1596605"/>
-            <a:ext cx="10743578" cy="1077178"/>
-          </a:xfrm>
-          <a:prstGeom prst="rect">
-            <a:avLst/>
-          </a:prstGeom>
-          <a:noFill/>
-          <a:ln>
-            <a:noFill/>
-          </a:ln>
-        </p:spPr>
-        <p:txBody>
-          <a:bodyPr spcFirstLastPara="1" wrap="square" lIns="91425" tIns="45700" rIns="91425" bIns="45700" anchor="t" anchorCtr="0">
-            <a:spAutoFit/>
-          </a:bodyPr>
-          <a:lstStyle/>
-          <a:p>
-            <a:pPr marR="0" lvl="0" algn="ctr" rtl="0">
-              <a:lnSpc>
-                <a:spcPct val="100000"/>
-              </a:lnSpc>
-              <a:spcBef>
-                <a:spcPts val="0"/>
-              </a:spcBef>
-              <a:spcAft>
-                <a:spcPts val="0"/>
-              </a:spcAft>
-              <a:buClr>
-                <a:schemeClr val="bg1"/>
-              </a:buClr>
-              <a:buSzPts val="2400"/>
-            </a:pPr>
-            <a:r>
-              <a:rPr lang="es-ES" sz="3200" i="1" dirty="0">
-                <a:solidFill>
-                  <a:schemeClr val="bg1">
-                    <a:lumMod val="95000"/>
-                  </a:schemeClr>
-                </a:solidFill>
-                <a:latin typeface="Calibri"/>
-                <a:cs typeface="Calibri"/>
-                <a:sym typeface="Calibri"/>
-              </a:rPr>
-              <a:t>También dispone de modelos </a:t>
-            </a:r>
-            <a:r>
-              <a:rPr lang="es-ES" sz="3200" i="1" dirty="0" err="1">
-                <a:solidFill>
-                  <a:schemeClr val="bg1">
-                    <a:lumMod val="95000"/>
-                  </a:schemeClr>
-                </a:solidFill>
-                <a:latin typeface="Calibri"/>
-                <a:cs typeface="Calibri"/>
-                <a:sym typeface="Calibri"/>
-              </a:rPr>
-              <a:t>preentrenados</a:t>
-            </a:r>
-            <a:r>
-              <a:rPr lang="es-ES" sz="3200" i="1" dirty="0">
-                <a:solidFill>
-                  <a:schemeClr val="bg1">
-                    <a:lumMod val="95000"/>
-                  </a:schemeClr>
-                </a:solidFill>
-                <a:latin typeface="Calibri"/>
-                <a:cs typeface="Calibri"/>
-                <a:sym typeface="Calibri"/>
-              </a:rPr>
-              <a:t> que permite identificar diversos tipos de objetos.</a:t>
-            </a:r>
-          </a:p>
-        </p:txBody>
-      </p:sp>
-    </p:spTree>
-    <p:extLst>
-      <p:ext uri="{BB962C8B-B14F-4D97-AF65-F5344CB8AC3E}">
-        <p14:creationId xmlns:p14="http://schemas.microsoft.com/office/powerpoint/2010/main" val="1974022455"/>
       </p:ext>
     </p:extLst>
   </p:cSld>
